--- a/Dorokei/Documents/タイトル画面・説明画面案（イメージ）.pptx
+++ b/Dorokei/Documents/タイトル画面・説明画面案（イメージ）.pptx
@@ -7006,9 +7006,27 @@
           <a:p>
             <a:r>
               <a:rPr lang="en-US" altLang="ja-JP" sz="7200" dirty="0"/>
-              <a:t>Don’t you see?</a:t>
-            </a:r>
-            <a:endParaRPr kumimoji="1" lang="ja-JP" altLang="en-US" sz="7200" dirty="0"/>
+              <a:t>Catch</a:t>
+            </a:r>
+            <a:r>
+              <a:rPr lang="ja-JP" altLang="en-US" sz="7200" dirty="0"/>
+              <a:t> </a:t>
+            </a:r>
+            <a:r>
+              <a:rPr lang="en-US" altLang="ja-JP" sz="7200"/>
+              <a:t>the </a:t>
+            </a:r>
+            <a:r>
+              <a:rPr lang="ja-JP" altLang="en-US" sz="7200">
+                <a:latin typeface="HG丸ｺﾞｼｯｸM-PRO" panose="020F0600000000000000" pitchFamily="50" charset="-128"/>
+                <a:ea typeface="HG丸ｺﾞｼｯｸM-PRO" panose="020F0600000000000000" pitchFamily="50" charset="-128"/>
+              </a:rPr>
+              <a:t>☆</a:t>
+            </a:r>
+            <a:endParaRPr kumimoji="1" lang="ja-JP" altLang="en-US" sz="7200" dirty="0">
+              <a:latin typeface="HG丸ｺﾞｼｯｸM-PRO" panose="020F0600000000000000" pitchFamily="50" charset="-128"/>
+              <a:ea typeface="HG丸ｺﾞｼｯｸM-PRO" panose="020F0600000000000000" pitchFamily="50" charset="-128"/>
+            </a:endParaRPr>
           </a:p>
         </p:txBody>
       </p:sp>

--- a/Dorokei/Documents/タイトル画面・説明画面案（イメージ）.pptx
+++ b/Dorokei/Documents/タイトル画面・説明画面案（イメージ）.pptx
@@ -5,11 +5,13 @@
     <p:sldMasterId id="2147483750" r:id="rId1"/>
   </p:sldMasterIdLst>
   <p:notesMasterIdLst>
-    <p:notesMasterId r:id="rId4"/>
+    <p:notesMasterId r:id="rId6"/>
   </p:notesMasterIdLst>
   <p:sldIdLst>
-    <p:sldId id="263" r:id="rId2"/>
-    <p:sldId id="264" r:id="rId3"/>
+    <p:sldId id="265" r:id="rId2"/>
+    <p:sldId id="266" r:id="rId3"/>
+    <p:sldId id="263" r:id="rId4"/>
+    <p:sldId id="264" r:id="rId5"/>
   </p:sldIdLst>
   <p:sldSz cx="12192000" cy="6858000"/>
   <p:notesSz cx="6858000" cy="9144000"/>
@@ -608,7 +610,7 @@
     </p:spTree>
     <p:extLst>
       <p:ext uri="{BB962C8B-B14F-4D97-AF65-F5344CB8AC3E}">
-        <p14:creationId xmlns:p14="http://schemas.microsoft.com/office/powerpoint/2010/main" val="1621054630"/>
+        <p14:creationId xmlns:p14="http://schemas.microsoft.com/office/powerpoint/2010/main" val="4218460742"/>
       </p:ext>
     </p:extLst>
   </p:cSld>
@@ -668,12 +670,25 @@
             </a:r>
             <a:r>
               <a:rPr kumimoji="1" lang="ja-JP" altLang="en-US" dirty="0"/>
-              <a:t>説明画面</a:t>
+              <a:t>タイトルイメージ</a:t>
             </a:r>
             <a:r>
               <a:rPr kumimoji="1" lang="en-US" altLang="ja-JP" dirty="0"/>
               <a:t>]</a:t>
             </a:r>
+            <a:r>
+              <a:rPr kumimoji="1" lang="ja-JP" altLang="en-US" dirty="0"/>
+              <a:t>　</a:t>
+            </a:r>
+            <a:r>
+              <a:rPr kumimoji="1" lang="en-US" altLang="ja-JP" dirty="0"/>
+              <a:t>※</a:t>
+            </a:r>
+            <a:r>
+              <a:rPr kumimoji="1" lang="ja-JP" altLang="en-US" dirty="0"/>
+              <a:t>できたら下記を実装（優先度低）</a:t>
+            </a:r>
+            <a:endParaRPr kumimoji="1" lang="en-US" altLang="ja-JP" dirty="0"/>
           </a:p>
           <a:p>
             <a:r>
@@ -708,6 +723,235 @@
             <a:fld id="{66F05C8A-B7AF-42A9-B723-C2044301B862}" type="slidenum">
               <a:rPr kumimoji="1" lang="ja-JP" altLang="en-US" smtClean="0"/>
               <a:t>2</a:t>
+            </a:fld>
+            <a:endParaRPr kumimoji="1" lang="ja-JP" altLang="en-US"/>
+          </a:p>
+        </p:txBody>
+      </p:sp>
+    </p:spTree>
+    <p:extLst>
+      <p:ext uri="{BB962C8B-B14F-4D97-AF65-F5344CB8AC3E}">
+        <p14:creationId xmlns:p14="http://schemas.microsoft.com/office/powerpoint/2010/main" val="1194801329"/>
+      </p:ext>
+    </p:extLst>
+  </p:cSld>
+  <p:clrMapOvr>
+    <a:masterClrMapping/>
+  </p:clrMapOvr>
+</p:notes>
+</file>
+
+<file path=ppt/notesSlides/notesSlide3.xml><?xml version="1.0" encoding="utf-8"?>
+<p:notes xmlns:a="http://schemas.openxmlformats.org/drawingml/2006/main" xmlns:r="http://schemas.openxmlformats.org/officeDocument/2006/relationships" xmlns:p="http://schemas.openxmlformats.org/presentationml/2006/main">
+  <p:cSld>
+    <p:spTree>
+      <p:nvGrpSpPr>
+        <p:cNvPr id="1" name=""/>
+        <p:cNvGrpSpPr/>
+        <p:nvPr/>
+      </p:nvGrpSpPr>
+      <p:grpSpPr>
+        <a:xfrm>
+          <a:off x="0" y="0"/>
+          <a:ext cx="0" cy="0"/>
+          <a:chOff x="0" y="0"/>
+          <a:chExt cx="0" cy="0"/>
+        </a:xfrm>
+      </p:grpSpPr>
+      <p:sp>
+        <p:nvSpPr>
+          <p:cNvPr id="2" name="スライド イメージ プレースホルダー 1"/>
+          <p:cNvSpPr>
+            <a:spLocks noGrp="1" noRot="1" noChangeAspect="1"/>
+          </p:cNvSpPr>
+          <p:nvPr>
+            <p:ph type="sldImg"/>
+          </p:nvPr>
+        </p:nvSpPr>
+        <p:spPr/>
+      </p:sp>
+      <p:sp>
+        <p:nvSpPr>
+          <p:cNvPr id="3" name="ノート プレースホルダー 2"/>
+          <p:cNvSpPr>
+            <a:spLocks noGrp="1"/>
+          </p:cNvSpPr>
+          <p:nvPr>
+            <p:ph type="body" idx="1"/>
+          </p:nvPr>
+        </p:nvSpPr>
+        <p:spPr/>
+        <p:txBody>
+          <a:bodyPr/>
+          <a:lstStyle/>
+          <a:p>
+            <a:r>
+              <a:rPr kumimoji="1" lang="en-US" altLang="ja-JP" dirty="0"/>
+              <a:t>[</a:t>
+            </a:r>
+            <a:r>
+              <a:rPr kumimoji="1" lang="ja-JP" altLang="en-US" dirty="0"/>
+              <a:t>タイトルイメージ</a:t>
+            </a:r>
+            <a:r>
+              <a:rPr kumimoji="1" lang="en-US" altLang="ja-JP" dirty="0"/>
+              <a:t>]</a:t>
+            </a:r>
+            <a:r>
+              <a:rPr kumimoji="1" lang="ja-JP" altLang="en-US" dirty="0"/>
+              <a:t>　</a:t>
+            </a:r>
+            <a:r>
+              <a:rPr kumimoji="1" lang="en-US" altLang="ja-JP" dirty="0"/>
+              <a:t>※</a:t>
+            </a:r>
+            <a:r>
+              <a:rPr kumimoji="1" lang="ja-JP" altLang="en-US" dirty="0"/>
+              <a:t>できたら下記を実装（優先度低）</a:t>
+            </a:r>
+            <a:endParaRPr kumimoji="1" lang="en-US" altLang="ja-JP" dirty="0"/>
+          </a:p>
+          <a:p>
+            <a:r>
+              <a:rPr kumimoji="1" lang="ja-JP" altLang="en-US" dirty="0"/>
+              <a:t>タイトル文字にアニメーション</a:t>
+            </a:r>
+            <a:endParaRPr kumimoji="1" lang="en-US" altLang="ja-JP" dirty="0"/>
+          </a:p>
+          <a:p>
+            <a:r>
+              <a:rPr kumimoji="1" lang="ja-JP" altLang="en-US" dirty="0"/>
+              <a:t>怪盗が少し右に動く</a:t>
+            </a:r>
+          </a:p>
+        </p:txBody>
+      </p:sp>
+      <p:sp>
+        <p:nvSpPr>
+          <p:cNvPr id="4" name="スライド番号プレースホルダー 3"/>
+          <p:cNvSpPr>
+            <a:spLocks noGrp="1"/>
+          </p:cNvSpPr>
+          <p:nvPr>
+            <p:ph type="sldNum" sz="quarter" idx="5"/>
+          </p:nvPr>
+        </p:nvSpPr>
+        <p:spPr/>
+        <p:txBody>
+          <a:bodyPr/>
+          <a:lstStyle/>
+          <a:p>
+            <a:fld id="{66F05C8A-B7AF-42A9-B723-C2044301B862}" type="slidenum">
+              <a:rPr kumimoji="1" lang="ja-JP" altLang="en-US" smtClean="0"/>
+              <a:t>3</a:t>
+            </a:fld>
+            <a:endParaRPr kumimoji="1" lang="ja-JP" altLang="en-US"/>
+          </a:p>
+        </p:txBody>
+      </p:sp>
+    </p:spTree>
+    <p:extLst>
+      <p:ext uri="{BB962C8B-B14F-4D97-AF65-F5344CB8AC3E}">
+        <p14:creationId xmlns:p14="http://schemas.microsoft.com/office/powerpoint/2010/main" val="1621054630"/>
+      </p:ext>
+    </p:extLst>
+  </p:cSld>
+  <p:clrMapOvr>
+    <a:masterClrMapping/>
+  </p:clrMapOvr>
+</p:notes>
+</file>
+
+<file path=ppt/notesSlides/notesSlide4.xml><?xml version="1.0" encoding="utf-8"?>
+<p:notes xmlns:a="http://schemas.openxmlformats.org/drawingml/2006/main" xmlns:r="http://schemas.openxmlformats.org/officeDocument/2006/relationships" xmlns:p="http://schemas.openxmlformats.org/presentationml/2006/main">
+  <p:cSld>
+    <p:spTree>
+      <p:nvGrpSpPr>
+        <p:cNvPr id="1" name=""/>
+        <p:cNvGrpSpPr/>
+        <p:nvPr/>
+      </p:nvGrpSpPr>
+      <p:grpSpPr>
+        <a:xfrm>
+          <a:off x="0" y="0"/>
+          <a:ext cx="0" cy="0"/>
+          <a:chOff x="0" y="0"/>
+          <a:chExt cx="0" cy="0"/>
+        </a:xfrm>
+      </p:grpSpPr>
+      <p:sp>
+        <p:nvSpPr>
+          <p:cNvPr id="2" name="スライド イメージ プレースホルダー 1"/>
+          <p:cNvSpPr>
+            <a:spLocks noGrp="1" noRot="1" noChangeAspect="1"/>
+          </p:cNvSpPr>
+          <p:nvPr>
+            <p:ph type="sldImg"/>
+          </p:nvPr>
+        </p:nvSpPr>
+        <p:spPr/>
+      </p:sp>
+      <p:sp>
+        <p:nvSpPr>
+          <p:cNvPr id="3" name="ノート プレースホルダー 2"/>
+          <p:cNvSpPr>
+            <a:spLocks noGrp="1"/>
+          </p:cNvSpPr>
+          <p:nvPr>
+            <p:ph type="body" idx="1"/>
+          </p:nvPr>
+        </p:nvSpPr>
+        <p:spPr/>
+        <p:txBody>
+          <a:bodyPr/>
+          <a:lstStyle/>
+          <a:p>
+            <a:r>
+              <a:rPr kumimoji="1" lang="en-US" altLang="ja-JP" dirty="0"/>
+              <a:t>[</a:t>
+            </a:r>
+            <a:r>
+              <a:rPr kumimoji="1" lang="ja-JP" altLang="en-US" dirty="0"/>
+              <a:t>説明画面</a:t>
+            </a:r>
+            <a:r>
+              <a:rPr kumimoji="1" lang="en-US" altLang="ja-JP" dirty="0"/>
+              <a:t>]</a:t>
+            </a:r>
+          </a:p>
+          <a:p>
+            <a:r>
+              <a:rPr kumimoji="1" lang="ja-JP" altLang="en-US" dirty="0"/>
+              <a:t>タイトル文字にアニメーション</a:t>
+            </a:r>
+            <a:endParaRPr kumimoji="1" lang="en-US" altLang="ja-JP" dirty="0"/>
+          </a:p>
+          <a:p>
+            <a:r>
+              <a:rPr kumimoji="1" lang="ja-JP" altLang="en-US" dirty="0"/>
+              <a:t>怪盗が少し右に動く</a:t>
+            </a:r>
+          </a:p>
+        </p:txBody>
+      </p:sp>
+      <p:sp>
+        <p:nvSpPr>
+          <p:cNvPr id="4" name="スライド番号プレースホルダー 3"/>
+          <p:cNvSpPr>
+            <a:spLocks noGrp="1"/>
+          </p:cNvSpPr>
+          <p:nvPr>
+            <p:ph type="sldNum" sz="quarter" idx="5"/>
+          </p:nvPr>
+        </p:nvSpPr>
+        <p:spPr/>
+        <p:txBody>
+          <a:bodyPr/>
+          <a:lstStyle/>
+          <a:p>
+            <a:fld id="{66F05C8A-B7AF-42A9-B723-C2044301B862}" type="slidenum">
+              <a:rPr kumimoji="1" lang="ja-JP" altLang="en-US" smtClean="0"/>
+              <a:t>4</a:t>
             </a:fld>
             <a:endParaRPr kumimoji="1" lang="ja-JP" altLang="en-US"/>
           </a:p>
@@ -6976,6 +7220,41 @@
           <a:chExt cx="0" cy="0"/>
         </a:xfrm>
       </p:grpSpPr>
+      <p:pic>
+        <p:nvPicPr>
+          <p:cNvPr id="12" name="図 11">
+            <a:extLst>
+              <a:ext uri="{FF2B5EF4-FFF2-40B4-BE49-F238E27FC236}">
+                <a16:creationId xmlns:a16="http://schemas.microsoft.com/office/drawing/2014/main" id="{EBBF8884-881B-418E-8067-03188504E52E}"/>
+              </a:ext>
+            </a:extLst>
+          </p:cNvPr>
+          <p:cNvPicPr>
+            <a:picLocks noChangeAspect="1"/>
+          </p:cNvPicPr>
+          <p:nvPr/>
+        </p:nvPicPr>
+        <p:blipFill rotWithShape="1">
+          <a:blip r:embed="rId3">
+            <a:extLst>
+              <a:ext uri="{28A0092B-C50C-407E-A947-70E740481C1C}">
+                <a14:useLocalDpi xmlns:a14="http://schemas.microsoft.com/office/drawing/2010/main" val="0"/>
+              </a:ext>
+            </a:extLst>
+          </a:blip>
+          <a:srcRect b="66328"/>
+          <a:stretch/>
+        </p:blipFill>
+        <p:spPr>
+          <a:xfrm>
+            <a:off x="-1" y="0"/>
+            <a:ext cx="12192001" cy="6858000"/>
+          </a:xfrm>
+          <a:prstGeom prst="rect">
+            <a:avLst/>
+          </a:prstGeom>
+        </p:spPr>
+      </p:pic>
       <p:sp>
         <p:nvSpPr>
           <p:cNvPr id="2" name="タイトル 1">
@@ -7013,11 +7292,2320 @@
               <a:t> </a:t>
             </a:r>
             <a:r>
-              <a:rPr lang="en-US" altLang="ja-JP" sz="7200"/>
+              <a:rPr lang="en-US" altLang="ja-JP" sz="7200" dirty="0"/>
               <a:t>the </a:t>
             </a:r>
             <a:r>
-              <a:rPr lang="ja-JP" altLang="en-US" sz="7200">
+              <a:rPr lang="ja-JP" altLang="en-US" sz="7200" dirty="0">
+                <a:latin typeface="HG丸ｺﾞｼｯｸM-PRO" panose="020F0600000000000000" pitchFamily="50" charset="-128"/>
+                <a:ea typeface="HG丸ｺﾞｼｯｸM-PRO" panose="020F0600000000000000" pitchFamily="50" charset="-128"/>
+              </a:rPr>
+              <a:t>☆</a:t>
+            </a:r>
+            <a:endParaRPr kumimoji="1" lang="ja-JP" altLang="en-US" sz="7200" dirty="0">
+              <a:latin typeface="HG丸ｺﾞｼｯｸM-PRO" panose="020F0600000000000000" pitchFamily="50" charset="-128"/>
+              <a:ea typeface="HG丸ｺﾞｼｯｸM-PRO" panose="020F0600000000000000" pitchFamily="50" charset="-128"/>
+            </a:endParaRPr>
+          </a:p>
+        </p:txBody>
+      </p:sp>
+      <p:pic>
+        <p:nvPicPr>
+          <p:cNvPr id="5" name="Picture 2" descr="怪盗のシルエットイラスト">
+            <a:extLst>
+              <a:ext uri="{FF2B5EF4-FFF2-40B4-BE49-F238E27FC236}">
+                <a16:creationId xmlns:a16="http://schemas.microsoft.com/office/drawing/2014/main" id="{4F44336D-6768-47C0-AED6-7CE03F7BBF57}"/>
+              </a:ext>
+            </a:extLst>
+          </p:cNvPr>
+          <p:cNvPicPr>
+            <a:picLocks noChangeAspect="1" noChangeArrowheads="1"/>
+          </p:cNvPicPr>
+          <p:nvPr/>
+        </p:nvPicPr>
+        <p:blipFill>
+          <a:blip r:embed="rId4">
+            <a:lum bright="70000" contrast="-70000"/>
+            <a:extLst>
+              <a:ext uri="{BEBA8EAE-BF5A-486C-A8C5-ECC9F3942E4B}">
+                <a14:imgProps xmlns:a14="http://schemas.microsoft.com/office/drawing/2010/main">
+                  <a14:imgLayer r:embed="rId5">
+                    <a14:imgEffect>
+                      <a14:backgroundRemoval t="10000" b="90000" l="10000" r="90000"/>
+                    </a14:imgEffect>
+                  </a14:imgLayer>
+                </a14:imgProps>
+              </a:ext>
+              <a:ext uri="{28A0092B-C50C-407E-A947-70E740481C1C}">
+                <a14:useLocalDpi xmlns:a14="http://schemas.microsoft.com/office/drawing/2010/main" val="0"/>
+              </a:ext>
+            </a:extLst>
+          </a:blip>
+          <a:srcRect/>
+          <a:stretch>
+            <a:fillRect/>
+          </a:stretch>
+        </p:blipFill>
+        <p:spPr bwMode="auto">
+          <a:xfrm>
+            <a:off x="9686520" y="4876927"/>
+            <a:ext cx="2209800" cy="2209800"/>
+          </a:xfrm>
+          <a:prstGeom prst="rect">
+            <a:avLst/>
+          </a:prstGeom>
+          <a:noFill/>
+          <a:extLst>
+            <a:ext uri="{909E8E84-426E-40DD-AFC4-6F175D3DCCD1}">
+              <a14:hiddenFill xmlns:a14="http://schemas.microsoft.com/office/drawing/2010/main">
+                <a:solidFill>
+                  <a:srgbClr val="FFFFFF"/>
+                </a:solidFill>
+              </a14:hiddenFill>
+            </a:ext>
+          </a:extLst>
+        </p:spPr>
+      </p:pic>
+      <p:grpSp>
+        <p:nvGrpSpPr>
+          <p:cNvPr id="8" name="グループ化 7">
+            <a:extLst>
+              <a:ext uri="{FF2B5EF4-FFF2-40B4-BE49-F238E27FC236}">
+                <a16:creationId xmlns:a16="http://schemas.microsoft.com/office/drawing/2014/main" id="{226FF8FF-5F66-4471-8F74-2DADCE5DC9DB}"/>
+              </a:ext>
+            </a:extLst>
+          </p:cNvPr>
+          <p:cNvGrpSpPr/>
+          <p:nvPr/>
+        </p:nvGrpSpPr>
+        <p:grpSpPr>
+          <a:xfrm>
+            <a:off x="2744100" y="4251052"/>
+            <a:ext cx="6778752" cy="2606948"/>
+            <a:chOff x="2587370" y="3633216"/>
+            <a:chExt cx="6081141" cy="3224784"/>
+          </a:xfrm>
+        </p:grpSpPr>
+        <p:pic>
+          <p:nvPicPr>
+            <p:cNvPr id="2050" name="Picture 2" descr="「犯行予告　フリー素材」の画像検索結果">
+              <a:extLst>
+                <a:ext uri="{FF2B5EF4-FFF2-40B4-BE49-F238E27FC236}">
+                  <a16:creationId xmlns:a16="http://schemas.microsoft.com/office/drawing/2014/main" id="{D8C3A3FE-9D3E-46E3-9205-92D6942EB668}"/>
+                </a:ext>
+              </a:extLst>
+            </p:cNvPr>
+            <p:cNvPicPr>
+              <a:picLocks noChangeAspect="1" noChangeArrowheads="1"/>
+            </p:cNvPicPr>
+            <p:nvPr/>
+          </p:nvPicPr>
+          <p:blipFill>
+            <a:blip r:embed="rId6">
+              <a:extLst>
+                <a:ext uri="{BEBA8EAE-BF5A-486C-A8C5-ECC9F3942E4B}">
+                  <a14:imgProps xmlns:a14="http://schemas.microsoft.com/office/drawing/2010/main">
+                    <a14:imgLayer r:embed="rId7">
+                      <a14:imgEffect>
+                        <a14:backgroundRemoval t="10000" b="99706" l="10000" r="90000">
+                          <a14:foregroundMark x1="49216" y1="77941" x2="48824" y2="99706"/>
+                        </a14:backgroundRemoval>
+                      </a14:imgEffect>
+                    </a14:imgLayer>
+                  </a14:imgProps>
+                </a:ext>
+                <a:ext uri="{28A0092B-C50C-407E-A947-70E740481C1C}">
+                  <a14:useLocalDpi xmlns:a14="http://schemas.microsoft.com/office/drawing/2010/main" val="0"/>
+                </a:ext>
+              </a:extLst>
+            </a:blip>
+            <a:srcRect/>
+            <a:stretch>
+              <a:fillRect/>
+            </a:stretch>
+          </p:blipFill>
+          <p:spPr bwMode="auto">
+            <a:xfrm>
+              <a:off x="2587370" y="3633216"/>
+              <a:ext cx="6081141" cy="3224784"/>
+            </a:xfrm>
+            <a:prstGeom prst="rect">
+              <a:avLst/>
+            </a:prstGeom>
+            <a:noFill/>
+            <a:extLst>
+              <a:ext uri="{909E8E84-426E-40DD-AFC4-6F175D3DCCD1}">
+                <a14:hiddenFill xmlns:a14="http://schemas.microsoft.com/office/drawing/2010/main">
+                  <a:solidFill>
+                    <a:srgbClr val="FFFFFF"/>
+                  </a:solidFill>
+                </a14:hiddenFill>
+              </a:ext>
+            </a:extLst>
+          </p:spPr>
+        </p:pic>
+        <p:pic>
+          <p:nvPicPr>
+            <p:cNvPr id="9" name="Picture 2" descr="「犯行予告　フリー素材」の画像検索結果">
+              <a:extLst>
+                <a:ext uri="{FF2B5EF4-FFF2-40B4-BE49-F238E27FC236}">
+                  <a16:creationId xmlns:a16="http://schemas.microsoft.com/office/drawing/2014/main" id="{957542D3-48E9-4F29-A40F-A39F105FF774}"/>
+                </a:ext>
+              </a:extLst>
+            </p:cNvPr>
+            <p:cNvPicPr>
+              <a:picLocks noChangeAspect="1" noChangeArrowheads="1"/>
+            </p:cNvPicPr>
+            <p:nvPr/>
+          </p:nvPicPr>
+          <p:blipFill rotWithShape="1">
+            <a:blip r:embed="rId6">
+              <a:extLst>
+                <a:ext uri="{BEBA8EAE-BF5A-486C-A8C5-ECC9F3942E4B}">
+                  <a14:imgProps xmlns:a14="http://schemas.microsoft.com/office/drawing/2010/main">
+                    <a14:imgLayer r:embed="rId7">
+                      <a14:imgEffect>
+                        <a14:backgroundRemoval t="10000" b="99706" l="10000" r="90000">
+                          <a14:foregroundMark x1="49216" y1="77941" x2="48824" y2="99706"/>
+                        </a14:backgroundRemoval>
+                      </a14:imgEffect>
+                    </a14:imgLayer>
+                  </a14:imgProps>
+                </a:ext>
+                <a:ext uri="{28A0092B-C50C-407E-A947-70E740481C1C}">
+                  <a14:useLocalDpi xmlns:a14="http://schemas.microsoft.com/office/drawing/2010/main" val="0"/>
+                </a:ext>
+              </a:extLst>
+            </a:blip>
+            <a:srcRect l="19103" t="12665" r="22755" b="75614"/>
+            <a:stretch/>
+          </p:blipFill>
+          <p:spPr bwMode="auto">
+            <a:xfrm>
+              <a:off x="3840479" y="4023360"/>
+              <a:ext cx="3535681" cy="1682496"/>
+            </a:xfrm>
+            <a:prstGeom prst="rect">
+              <a:avLst/>
+            </a:prstGeom>
+            <a:noFill/>
+            <a:extLst>
+              <a:ext uri="{909E8E84-426E-40DD-AFC4-6F175D3DCCD1}">
+                <a14:hiddenFill xmlns:a14="http://schemas.microsoft.com/office/drawing/2010/main">
+                  <a:solidFill>
+                    <a:srgbClr val="FFFFFF"/>
+                  </a:solidFill>
+                </a14:hiddenFill>
+              </a:ext>
+            </a:extLst>
+          </p:spPr>
+        </p:pic>
+      </p:grpSp>
+      <p:sp>
+        <p:nvSpPr>
+          <p:cNvPr id="11" name="タイトル 1">
+            <a:extLst>
+              <a:ext uri="{FF2B5EF4-FFF2-40B4-BE49-F238E27FC236}">
+                <a16:creationId xmlns:a16="http://schemas.microsoft.com/office/drawing/2014/main" id="{181211A8-B52D-424F-97E6-9C8D811E2818}"/>
+              </a:ext>
+            </a:extLst>
+          </p:cNvPr>
+          <p:cNvSpPr txBox="1">
+            <a:spLocks/>
+          </p:cNvSpPr>
+          <p:nvPr/>
+        </p:nvSpPr>
+        <p:spPr>
+          <a:xfrm>
+            <a:off x="4064075" y="5039879"/>
+            <a:ext cx="4099031" cy="690549"/>
+          </a:xfrm>
+          <a:prstGeom prst="rect">
+            <a:avLst/>
+          </a:prstGeom>
+          <a:effectLst>
+            <a:outerShdw blurRad="25400" dir="17880000">
+              <a:srgbClr val="000000">
+                <a:alpha val="46000"/>
+              </a:srgbClr>
+            </a:outerShdw>
+          </a:effectLst>
+        </p:spPr>
+        <p:txBody>
+          <a:bodyPr vert="horz" lIns="91440" tIns="45720" rIns="91440" bIns="45720" rtlCol="0" anchor="b">
+            <a:normAutofit fontScale="85000" lnSpcReduction="20000"/>
+          </a:bodyPr>
+          <a:lstStyle>
+            <a:lvl1pPr algn="ctr" defTabSz="457200" rtl="0" eaLnBrk="1" latinLnBrk="0" hangingPunct="1">
+              <a:spcBef>
+                <a:spcPct val="0"/>
+              </a:spcBef>
+              <a:buNone/>
+              <a:defRPr kumimoji="1" sz="6000" kern="1200">
+                <a:ln>
+                  <a:solidFill>
+                    <a:schemeClr val="bg1">
+                      <a:lumMod val="75000"/>
+                      <a:lumOff val="25000"/>
+                      <a:alpha val="10000"/>
+                    </a:schemeClr>
+                  </a:solidFill>
+                </a:ln>
+                <a:solidFill>
+                  <a:schemeClr val="tx1"/>
+                </a:solidFill>
+                <a:effectLst>
+                  <a:outerShdw blurRad="9525" dist="25400" dir="14640000" algn="tl" rotWithShape="0">
+                    <a:schemeClr val="bg1">
+                      <a:alpha val="30000"/>
+                    </a:schemeClr>
+                  </a:outerShdw>
+                </a:effectLst>
+                <a:latin typeface="+mj-lt"/>
+                <a:ea typeface="+mj-ea"/>
+                <a:cs typeface="Trebuchet MS"/>
+              </a:defRPr>
+            </a:lvl1pPr>
+            <a:lvl2pPr eaLnBrk="1" hangingPunct="1">
+              <a:defRPr kumimoji="1">
+                <a:solidFill>
+                  <a:schemeClr val="tx2"/>
+                </a:solidFill>
+              </a:defRPr>
+            </a:lvl2pPr>
+            <a:lvl3pPr eaLnBrk="1" hangingPunct="1">
+              <a:defRPr kumimoji="1">
+                <a:solidFill>
+                  <a:schemeClr val="tx2"/>
+                </a:solidFill>
+              </a:defRPr>
+            </a:lvl3pPr>
+            <a:lvl4pPr eaLnBrk="1" hangingPunct="1">
+              <a:defRPr kumimoji="1">
+                <a:solidFill>
+                  <a:schemeClr val="tx2"/>
+                </a:solidFill>
+              </a:defRPr>
+            </a:lvl4pPr>
+            <a:lvl5pPr eaLnBrk="1" hangingPunct="1">
+              <a:defRPr kumimoji="1">
+                <a:solidFill>
+                  <a:schemeClr val="tx2"/>
+                </a:solidFill>
+              </a:defRPr>
+            </a:lvl5pPr>
+            <a:lvl6pPr eaLnBrk="1" hangingPunct="1">
+              <a:defRPr kumimoji="1">
+                <a:solidFill>
+                  <a:schemeClr val="tx2"/>
+                </a:solidFill>
+              </a:defRPr>
+            </a:lvl6pPr>
+            <a:lvl7pPr eaLnBrk="1" hangingPunct="1">
+              <a:defRPr kumimoji="1">
+                <a:solidFill>
+                  <a:schemeClr val="tx2"/>
+                </a:solidFill>
+              </a:defRPr>
+            </a:lvl7pPr>
+            <a:lvl8pPr eaLnBrk="1" hangingPunct="1">
+              <a:defRPr kumimoji="1">
+                <a:solidFill>
+                  <a:schemeClr val="tx2"/>
+                </a:solidFill>
+              </a:defRPr>
+            </a:lvl8pPr>
+            <a:lvl9pPr eaLnBrk="1" hangingPunct="1">
+              <a:defRPr kumimoji="1">
+                <a:solidFill>
+                  <a:schemeClr val="tx2"/>
+                </a:solidFill>
+              </a:defRPr>
+            </a:lvl9pPr>
+          </a:lstStyle>
+          <a:p>
+            <a:r>
+              <a:rPr lang="ja-JP" altLang="en-US" sz="2800" dirty="0">
+                <a:solidFill>
+                  <a:schemeClr val="bg1">
+                    <a:lumMod val="95000"/>
+                    <a:lumOff val="5000"/>
+                  </a:schemeClr>
+                </a:solidFill>
+              </a:rPr>
+              <a:t>さあ</a:t>
+            </a:r>
+            <a:r>
+              <a:rPr lang="en-US" altLang="ja-JP" sz="2800" dirty="0">
+                <a:solidFill>
+                  <a:schemeClr val="bg1">
+                    <a:lumMod val="95000"/>
+                    <a:lumOff val="5000"/>
+                  </a:schemeClr>
+                </a:solidFill>
+              </a:rPr>
+              <a:t>, </a:t>
+            </a:r>
+            <a:r>
+              <a:rPr lang="ja-JP" altLang="en-US" sz="2800" dirty="0">
+                <a:solidFill>
+                  <a:schemeClr val="bg1">
+                    <a:lumMod val="95000"/>
+                    <a:lumOff val="5000"/>
+                  </a:schemeClr>
+                </a:solidFill>
+              </a:rPr>
+              <a:t>楽しい夜の始まりだ</a:t>
+            </a:r>
+            <a:endParaRPr lang="en-US" altLang="ja-JP" sz="2800" dirty="0">
+              <a:solidFill>
+                <a:schemeClr val="bg1">
+                  <a:lumMod val="95000"/>
+                  <a:lumOff val="5000"/>
+                </a:schemeClr>
+              </a:solidFill>
+            </a:endParaRPr>
+          </a:p>
+          <a:p>
+            <a:r>
+              <a:rPr lang="ja-JP" altLang="en-US" sz="2800" dirty="0">
+                <a:solidFill>
+                  <a:schemeClr val="bg1">
+                    <a:lumMod val="95000"/>
+                    <a:lumOff val="5000"/>
+                  </a:schemeClr>
+                </a:solidFill>
+              </a:rPr>
+              <a:t>（入力で</a:t>
+            </a:r>
+            <a:r>
+              <a:rPr lang="en-US" altLang="ja-JP" sz="2800" dirty="0">
+                <a:solidFill>
+                  <a:schemeClr val="bg1">
+                    <a:lumMod val="95000"/>
+                    <a:lumOff val="5000"/>
+                  </a:schemeClr>
+                </a:solidFill>
+              </a:rPr>
+              <a:t>START</a:t>
+            </a:r>
+            <a:r>
+              <a:rPr lang="ja-JP" altLang="en-US" sz="2800" dirty="0">
+                <a:solidFill>
+                  <a:schemeClr val="bg1">
+                    <a:lumMod val="95000"/>
+                    <a:lumOff val="5000"/>
+                  </a:schemeClr>
+                </a:solidFill>
+              </a:rPr>
+              <a:t>）</a:t>
+            </a:r>
+          </a:p>
+        </p:txBody>
+      </p:sp>
+      <p:pic>
+        <p:nvPicPr>
+          <p:cNvPr id="10" name="図 9">
+            <a:extLst>
+              <a:ext uri="{FF2B5EF4-FFF2-40B4-BE49-F238E27FC236}">
+                <a16:creationId xmlns:a16="http://schemas.microsoft.com/office/drawing/2014/main" id="{1329BB67-3CA1-417E-B473-D868932E9F83}"/>
+              </a:ext>
+            </a:extLst>
+          </p:cNvPr>
+          <p:cNvPicPr>
+            <a:picLocks noChangeAspect="1"/>
+          </p:cNvPicPr>
+          <p:nvPr/>
+        </p:nvPicPr>
+        <p:blipFill>
+          <a:blip r:embed="rId3">
+            <a:extLst>
+              <a:ext uri="{28A0092B-C50C-407E-A947-70E740481C1C}">
+                <a14:useLocalDpi xmlns:a14="http://schemas.microsoft.com/office/drawing/2010/main" val="0"/>
+              </a:ext>
+            </a:extLst>
+          </a:blip>
+          <a:stretch>
+            <a:fillRect/>
+          </a:stretch>
+        </p:blipFill>
+        <p:spPr>
+          <a:xfrm>
+            <a:off x="2940551" y="49338"/>
+            <a:ext cx="6808662" cy="6808662"/>
+          </a:xfrm>
+          <a:prstGeom prst="rect">
+            <a:avLst/>
+          </a:prstGeom>
+        </p:spPr>
+      </p:pic>
+    </p:spTree>
+    <p:extLst>
+      <p:ext uri="{BB962C8B-B14F-4D97-AF65-F5344CB8AC3E}">
+        <p14:creationId xmlns:p14="http://schemas.microsoft.com/office/powerpoint/2010/main" val="2696124760"/>
+      </p:ext>
+    </p:extLst>
+  </p:cSld>
+  <p:clrMapOvr>
+    <a:masterClrMapping/>
+  </p:clrMapOvr>
+</p:sld>
+</file>
+
+<file path=ppt/slides/slide2.xml><?xml version="1.0" encoding="utf-8"?>
+<p:sld xmlns:a="http://schemas.openxmlformats.org/drawingml/2006/main" xmlns:r="http://schemas.openxmlformats.org/officeDocument/2006/relationships" xmlns:p="http://schemas.openxmlformats.org/presentationml/2006/main">
+  <p:cSld>
+    <p:spTree>
+      <p:nvGrpSpPr>
+        <p:cNvPr id="1" name=""/>
+        <p:cNvGrpSpPr/>
+        <p:nvPr/>
+      </p:nvGrpSpPr>
+      <p:grpSpPr>
+        <a:xfrm>
+          <a:off x="0" y="0"/>
+          <a:ext cx="0" cy="0"/>
+          <a:chOff x="0" y="0"/>
+          <a:chExt cx="0" cy="0"/>
+        </a:xfrm>
+      </p:grpSpPr>
+      <p:pic>
+        <p:nvPicPr>
+          <p:cNvPr id="12" name="図 11">
+            <a:extLst>
+              <a:ext uri="{FF2B5EF4-FFF2-40B4-BE49-F238E27FC236}">
+                <a16:creationId xmlns:a16="http://schemas.microsoft.com/office/drawing/2014/main" id="{EBBF8884-881B-418E-8067-03188504E52E}"/>
+              </a:ext>
+            </a:extLst>
+          </p:cNvPr>
+          <p:cNvPicPr>
+            <a:picLocks noChangeAspect="1"/>
+          </p:cNvPicPr>
+          <p:nvPr/>
+        </p:nvPicPr>
+        <p:blipFill rotWithShape="1">
+          <a:blip r:embed="rId3">
+            <a:extLst>
+              <a:ext uri="{28A0092B-C50C-407E-A947-70E740481C1C}">
+                <a14:useLocalDpi xmlns:a14="http://schemas.microsoft.com/office/drawing/2010/main" val="0"/>
+              </a:ext>
+            </a:extLst>
+          </a:blip>
+          <a:srcRect b="66328"/>
+          <a:stretch/>
+        </p:blipFill>
+        <p:spPr>
+          <a:xfrm>
+            <a:off x="-1" y="0"/>
+            <a:ext cx="12192001" cy="6858000"/>
+          </a:xfrm>
+          <a:prstGeom prst="rect">
+            <a:avLst/>
+          </a:prstGeom>
+        </p:spPr>
+      </p:pic>
+      <p:sp>
+        <p:nvSpPr>
+          <p:cNvPr id="2" name="タイトル 1">
+            <a:extLst>
+              <a:ext uri="{FF2B5EF4-FFF2-40B4-BE49-F238E27FC236}">
+                <a16:creationId xmlns:a16="http://schemas.microsoft.com/office/drawing/2014/main" id="{9C4687D8-9EDE-44C2-8F29-456FCB682CC8}"/>
+              </a:ext>
+            </a:extLst>
+          </p:cNvPr>
+          <p:cNvSpPr>
+            <a:spLocks noGrp="1"/>
+          </p:cNvSpPr>
+          <p:nvPr>
+            <p:ph type="ctrTitle"/>
+          </p:nvPr>
+        </p:nvSpPr>
+        <p:spPr>
+          <a:xfrm>
+            <a:off x="1370693" y="1769540"/>
+            <a:ext cx="9440034" cy="1213503"/>
+          </a:xfrm>
+        </p:spPr>
+        <p:txBody>
+          <a:bodyPr>
+            <a:normAutofit/>
+          </a:bodyPr>
+          <a:lstStyle/>
+          <a:p>
+            <a:r>
+              <a:rPr lang="en-US" altLang="ja-JP" sz="7200" dirty="0"/>
+              <a:t>Catch</a:t>
+            </a:r>
+            <a:r>
+              <a:rPr lang="ja-JP" altLang="en-US" sz="7200" dirty="0"/>
+              <a:t> </a:t>
+            </a:r>
+            <a:r>
+              <a:rPr lang="en-US" altLang="ja-JP" sz="7200" dirty="0"/>
+              <a:t>the </a:t>
+            </a:r>
+            <a:r>
+              <a:rPr lang="ja-JP" altLang="en-US" sz="7200" dirty="0">
+                <a:latin typeface="HG丸ｺﾞｼｯｸM-PRO" panose="020F0600000000000000" pitchFamily="50" charset="-128"/>
+                <a:ea typeface="HG丸ｺﾞｼｯｸM-PRO" panose="020F0600000000000000" pitchFamily="50" charset="-128"/>
+              </a:rPr>
+              <a:t>☆</a:t>
+            </a:r>
+            <a:endParaRPr kumimoji="1" lang="ja-JP" altLang="en-US" sz="7200" dirty="0">
+              <a:latin typeface="HG丸ｺﾞｼｯｸM-PRO" panose="020F0600000000000000" pitchFamily="50" charset="-128"/>
+              <a:ea typeface="HG丸ｺﾞｼｯｸM-PRO" panose="020F0600000000000000" pitchFamily="50" charset="-128"/>
+            </a:endParaRPr>
+          </a:p>
+        </p:txBody>
+      </p:sp>
+      <p:pic>
+        <p:nvPicPr>
+          <p:cNvPr id="5" name="Picture 2" descr="怪盗のシルエットイラスト">
+            <a:extLst>
+              <a:ext uri="{FF2B5EF4-FFF2-40B4-BE49-F238E27FC236}">
+                <a16:creationId xmlns:a16="http://schemas.microsoft.com/office/drawing/2014/main" id="{4F44336D-6768-47C0-AED6-7CE03F7BBF57}"/>
+              </a:ext>
+            </a:extLst>
+          </p:cNvPr>
+          <p:cNvPicPr>
+            <a:picLocks noChangeAspect="1" noChangeArrowheads="1"/>
+          </p:cNvPicPr>
+          <p:nvPr/>
+        </p:nvPicPr>
+        <p:blipFill>
+          <a:blip r:embed="rId4">
+            <a:lum bright="70000" contrast="-70000"/>
+            <a:extLst>
+              <a:ext uri="{BEBA8EAE-BF5A-486C-A8C5-ECC9F3942E4B}">
+                <a14:imgProps xmlns:a14="http://schemas.microsoft.com/office/drawing/2010/main">
+                  <a14:imgLayer r:embed="rId5">
+                    <a14:imgEffect>
+                      <a14:backgroundRemoval t="10000" b="90000" l="10000" r="90000"/>
+                    </a14:imgEffect>
+                  </a14:imgLayer>
+                </a14:imgProps>
+              </a:ext>
+              <a:ext uri="{28A0092B-C50C-407E-A947-70E740481C1C}">
+                <a14:useLocalDpi xmlns:a14="http://schemas.microsoft.com/office/drawing/2010/main" val="0"/>
+              </a:ext>
+            </a:extLst>
+          </a:blip>
+          <a:srcRect/>
+          <a:stretch>
+            <a:fillRect/>
+          </a:stretch>
+        </p:blipFill>
+        <p:spPr bwMode="auto">
+          <a:xfrm>
+            <a:off x="9686520" y="4876927"/>
+            <a:ext cx="2209800" cy="2209800"/>
+          </a:xfrm>
+          <a:prstGeom prst="rect">
+            <a:avLst/>
+          </a:prstGeom>
+          <a:noFill/>
+          <a:extLst>
+            <a:ext uri="{909E8E84-426E-40DD-AFC4-6F175D3DCCD1}">
+              <a14:hiddenFill xmlns:a14="http://schemas.microsoft.com/office/drawing/2010/main">
+                <a:solidFill>
+                  <a:srgbClr val="FFFFFF"/>
+                </a:solidFill>
+              </a14:hiddenFill>
+            </a:ext>
+          </a:extLst>
+        </p:spPr>
+      </p:pic>
+      <p:grpSp>
+        <p:nvGrpSpPr>
+          <p:cNvPr id="8" name="グループ化 7">
+            <a:extLst>
+              <a:ext uri="{FF2B5EF4-FFF2-40B4-BE49-F238E27FC236}">
+                <a16:creationId xmlns:a16="http://schemas.microsoft.com/office/drawing/2014/main" id="{226FF8FF-5F66-4471-8F74-2DADCE5DC9DB}"/>
+              </a:ext>
+            </a:extLst>
+          </p:cNvPr>
+          <p:cNvGrpSpPr/>
+          <p:nvPr/>
+        </p:nvGrpSpPr>
+        <p:grpSpPr>
+          <a:xfrm>
+            <a:off x="2744100" y="4251052"/>
+            <a:ext cx="6778752" cy="2606948"/>
+            <a:chOff x="2587370" y="3633216"/>
+            <a:chExt cx="6081141" cy="3224784"/>
+          </a:xfrm>
+        </p:grpSpPr>
+        <p:pic>
+          <p:nvPicPr>
+            <p:cNvPr id="2050" name="Picture 2" descr="「犯行予告　フリー素材」の画像検索結果">
+              <a:extLst>
+                <a:ext uri="{FF2B5EF4-FFF2-40B4-BE49-F238E27FC236}">
+                  <a16:creationId xmlns:a16="http://schemas.microsoft.com/office/drawing/2014/main" id="{D8C3A3FE-9D3E-46E3-9205-92D6942EB668}"/>
+                </a:ext>
+              </a:extLst>
+            </p:cNvPr>
+            <p:cNvPicPr>
+              <a:picLocks noChangeAspect="1" noChangeArrowheads="1"/>
+            </p:cNvPicPr>
+            <p:nvPr/>
+          </p:nvPicPr>
+          <p:blipFill>
+            <a:blip r:embed="rId6">
+              <a:extLst>
+                <a:ext uri="{BEBA8EAE-BF5A-486C-A8C5-ECC9F3942E4B}">
+                  <a14:imgProps xmlns:a14="http://schemas.microsoft.com/office/drawing/2010/main">
+                    <a14:imgLayer r:embed="rId7">
+                      <a14:imgEffect>
+                        <a14:backgroundRemoval t="10000" b="99706" l="10000" r="90000">
+                          <a14:foregroundMark x1="49216" y1="77941" x2="48824" y2="99706"/>
+                        </a14:backgroundRemoval>
+                      </a14:imgEffect>
+                    </a14:imgLayer>
+                  </a14:imgProps>
+                </a:ext>
+                <a:ext uri="{28A0092B-C50C-407E-A947-70E740481C1C}">
+                  <a14:useLocalDpi xmlns:a14="http://schemas.microsoft.com/office/drawing/2010/main" val="0"/>
+                </a:ext>
+              </a:extLst>
+            </a:blip>
+            <a:srcRect/>
+            <a:stretch>
+              <a:fillRect/>
+            </a:stretch>
+          </p:blipFill>
+          <p:spPr bwMode="auto">
+            <a:xfrm>
+              <a:off x="2587370" y="3633216"/>
+              <a:ext cx="6081141" cy="3224784"/>
+            </a:xfrm>
+            <a:prstGeom prst="rect">
+              <a:avLst/>
+            </a:prstGeom>
+            <a:noFill/>
+            <a:extLst>
+              <a:ext uri="{909E8E84-426E-40DD-AFC4-6F175D3DCCD1}">
+                <a14:hiddenFill xmlns:a14="http://schemas.microsoft.com/office/drawing/2010/main">
+                  <a:solidFill>
+                    <a:srgbClr val="FFFFFF"/>
+                  </a:solidFill>
+                </a14:hiddenFill>
+              </a:ext>
+            </a:extLst>
+          </p:spPr>
+        </p:pic>
+        <p:pic>
+          <p:nvPicPr>
+            <p:cNvPr id="9" name="Picture 2" descr="「犯行予告　フリー素材」の画像検索結果">
+              <a:extLst>
+                <a:ext uri="{FF2B5EF4-FFF2-40B4-BE49-F238E27FC236}">
+                  <a16:creationId xmlns:a16="http://schemas.microsoft.com/office/drawing/2014/main" id="{957542D3-48E9-4F29-A40F-A39F105FF774}"/>
+                </a:ext>
+              </a:extLst>
+            </p:cNvPr>
+            <p:cNvPicPr>
+              <a:picLocks noChangeAspect="1" noChangeArrowheads="1"/>
+            </p:cNvPicPr>
+            <p:nvPr/>
+          </p:nvPicPr>
+          <p:blipFill rotWithShape="1">
+            <a:blip r:embed="rId6">
+              <a:extLst>
+                <a:ext uri="{BEBA8EAE-BF5A-486C-A8C5-ECC9F3942E4B}">
+                  <a14:imgProps xmlns:a14="http://schemas.microsoft.com/office/drawing/2010/main">
+                    <a14:imgLayer r:embed="rId7">
+                      <a14:imgEffect>
+                        <a14:backgroundRemoval t="10000" b="99706" l="10000" r="90000">
+                          <a14:foregroundMark x1="49216" y1="77941" x2="48824" y2="99706"/>
+                        </a14:backgroundRemoval>
+                      </a14:imgEffect>
+                    </a14:imgLayer>
+                  </a14:imgProps>
+                </a:ext>
+                <a:ext uri="{28A0092B-C50C-407E-A947-70E740481C1C}">
+                  <a14:useLocalDpi xmlns:a14="http://schemas.microsoft.com/office/drawing/2010/main" val="0"/>
+                </a:ext>
+              </a:extLst>
+            </a:blip>
+            <a:srcRect l="19103" t="12665" r="22755" b="75614"/>
+            <a:stretch/>
+          </p:blipFill>
+          <p:spPr bwMode="auto">
+            <a:xfrm>
+              <a:off x="3840479" y="4023360"/>
+              <a:ext cx="3535681" cy="1682496"/>
+            </a:xfrm>
+            <a:prstGeom prst="rect">
+              <a:avLst/>
+            </a:prstGeom>
+            <a:noFill/>
+            <a:extLst>
+              <a:ext uri="{909E8E84-426E-40DD-AFC4-6F175D3DCCD1}">
+                <a14:hiddenFill xmlns:a14="http://schemas.microsoft.com/office/drawing/2010/main">
+                  <a:solidFill>
+                    <a:srgbClr val="FFFFFF"/>
+                  </a:solidFill>
+                </a14:hiddenFill>
+              </a:ext>
+            </a:extLst>
+          </p:spPr>
+        </p:pic>
+      </p:grpSp>
+      <p:sp>
+        <p:nvSpPr>
+          <p:cNvPr id="11" name="タイトル 1">
+            <a:extLst>
+              <a:ext uri="{FF2B5EF4-FFF2-40B4-BE49-F238E27FC236}">
+                <a16:creationId xmlns:a16="http://schemas.microsoft.com/office/drawing/2014/main" id="{181211A8-B52D-424F-97E6-9C8D811E2818}"/>
+              </a:ext>
+            </a:extLst>
+          </p:cNvPr>
+          <p:cNvSpPr txBox="1">
+            <a:spLocks/>
+          </p:cNvSpPr>
+          <p:nvPr/>
+        </p:nvSpPr>
+        <p:spPr>
+          <a:xfrm>
+            <a:off x="4064075" y="5039879"/>
+            <a:ext cx="4099031" cy="690549"/>
+          </a:xfrm>
+          <a:prstGeom prst="rect">
+            <a:avLst/>
+          </a:prstGeom>
+          <a:effectLst>
+            <a:outerShdw blurRad="25400" dir="17880000">
+              <a:srgbClr val="000000">
+                <a:alpha val="46000"/>
+              </a:srgbClr>
+            </a:outerShdw>
+          </a:effectLst>
+        </p:spPr>
+        <p:txBody>
+          <a:bodyPr vert="horz" lIns="91440" tIns="45720" rIns="91440" bIns="45720" rtlCol="0" anchor="b">
+            <a:normAutofit fontScale="85000" lnSpcReduction="20000"/>
+          </a:bodyPr>
+          <a:lstStyle>
+            <a:lvl1pPr algn="ctr" defTabSz="457200" rtl="0" eaLnBrk="1" latinLnBrk="0" hangingPunct="1">
+              <a:spcBef>
+                <a:spcPct val="0"/>
+              </a:spcBef>
+              <a:buNone/>
+              <a:defRPr kumimoji="1" sz="6000" kern="1200">
+                <a:ln>
+                  <a:solidFill>
+                    <a:schemeClr val="bg1">
+                      <a:lumMod val="75000"/>
+                      <a:lumOff val="25000"/>
+                      <a:alpha val="10000"/>
+                    </a:schemeClr>
+                  </a:solidFill>
+                </a:ln>
+                <a:solidFill>
+                  <a:schemeClr val="tx1"/>
+                </a:solidFill>
+                <a:effectLst>
+                  <a:outerShdw blurRad="9525" dist="25400" dir="14640000" algn="tl" rotWithShape="0">
+                    <a:schemeClr val="bg1">
+                      <a:alpha val="30000"/>
+                    </a:schemeClr>
+                  </a:outerShdw>
+                </a:effectLst>
+                <a:latin typeface="+mj-lt"/>
+                <a:ea typeface="+mj-ea"/>
+                <a:cs typeface="Trebuchet MS"/>
+              </a:defRPr>
+            </a:lvl1pPr>
+            <a:lvl2pPr eaLnBrk="1" hangingPunct="1">
+              <a:defRPr kumimoji="1">
+                <a:solidFill>
+                  <a:schemeClr val="tx2"/>
+                </a:solidFill>
+              </a:defRPr>
+            </a:lvl2pPr>
+            <a:lvl3pPr eaLnBrk="1" hangingPunct="1">
+              <a:defRPr kumimoji="1">
+                <a:solidFill>
+                  <a:schemeClr val="tx2"/>
+                </a:solidFill>
+              </a:defRPr>
+            </a:lvl3pPr>
+            <a:lvl4pPr eaLnBrk="1" hangingPunct="1">
+              <a:defRPr kumimoji="1">
+                <a:solidFill>
+                  <a:schemeClr val="tx2"/>
+                </a:solidFill>
+              </a:defRPr>
+            </a:lvl4pPr>
+            <a:lvl5pPr eaLnBrk="1" hangingPunct="1">
+              <a:defRPr kumimoji="1">
+                <a:solidFill>
+                  <a:schemeClr val="tx2"/>
+                </a:solidFill>
+              </a:defRPr>
+            </a:lvl5pPr>
+            <a:lvl6pPr eaLnBrk="1" hangingPunct="1">
+              <a:defRPr kumimoji="1">
+                <a:solidFill>
+                  <a:schemeClr val="tx2"/>
+                </a:solidFill>
+              </a:defRPr>
+            </a:lvl6pPr>
+            <a:lvl7pPr eaLnBrk="1" hangingPunct="1">
+              <a:defRPr kumimoji="1">
+                <a:solidFill>
+                  <a:schemeClr val="tx2"/>
+                </a:solidFill>
+              </a:defRPr>
+            </a:lvl7pPr>
+            <a:lvl8pPr eaLnBrk="1" hangingPunct="1">
+              <a:defRPr kumimoji="1">
+                <a:solidFill>
+                  <a:schemeClr val="tx2"/>
+                </a:solidFill>
+              </a:defRPr>
+            </a:lvl8pPr>
+            <a:lvl9pPr eaLnBrk="1" hangingPunct="1">
+              <a:defRPr kumimoji="1">
+                <a:solidFill>
+                  <a:schemeClr val="tx2"/>
+                </a:solidFill>
+              </a:defRPr>
+            </a:lvl9pPr>
+          </a:lstStyle>
+          <a:p>
+            <a:r>
+              <a:rPr lang="ja-JP" altLang="en-US" sz="2800" dirty="0">
+                <a:solidFill>
+                  <a:schemeClr val="bg1">
+                    <a:lumMod val="95000"/>
+                    <a:lumOff val="5000"/>
+                  </a:schemeClr>
+                </a:solidFill>
+              </a:rPr>
+              <a:t>さあ</a:t>
+            </a:r>
+            <a:r>
+              <a:rPr lang="en-US" altLang="ja-JP" sz="2800" dirty="0">
+                <a:solidFill>
+                  <a:schemeClr val="bg1">
+                    <a:lumMod val="95000"/>
+                    <a:lumOff val="5000"/>
+                  </a:schemeClr>
+                </a:solidFill>
+              </a:rPr>
+              <a:t>, </a:t>
+            </a:r>
+            <a:r>
+              <a:rPr lang="ja-JP" altLang="en-US" sz="2800" dirty="0">
+                <a:solidFill>
+                  <a:schemeClr val="bg1">
+                    <a:lumMod val="95000"/>
+                    <a:lumOff val="5000"/>
+                  </a:schemeClr>
+                </a:solidFill>
+              </a:rPr>
+              <a:t>楽しい夜の始まりだ</a:t>
+            </a:r>
+            <a:endParaRPr lang="en-US" altLang="ja-JP" sz="2800" dirty="0">
+              <a:solidFill>
+                <a:schemeClr val="bg1">
+                  <a:lumMod val="95000"/>
+                  <a:lumOff val="5000"/>
+                </a:schemeClr>
+              </a:solidFill>
+            </a:endParaRPr>
+          </a:p>
+          <a:p>
+            <a:r>
+              <a:rPr lang="ja-JP" altLang="en-US" sz="2800" dirty="0">
+                <a:solidFill>
+                  <a:schemeClr val="bg1">
+                    <a:lumMod val="95000"/>
+                    <a:lumOff val="5000"/>
+                  </a:schemeClr>
+                </a:solidFill>
+              </a:rPr>
+              <a:t>（入力で</a:t>
+            </a:r>
+            <a:r>
+              <a:rPr lang="en-US" altLang="ja-JP" sz="2800" dirty="0">
+                <a:solidFill>
+                  <a:schemeClr val="bg1">
+                    <a:lumMod val="95000"/>
+                    <a:lumOff val="5000"/>
+                  </a:schemeClr>
+                </a:solidFill>
+              </a:rPr>
+              <a:t>START</a:t>
+            </a:r>
+            <a:r>
+              <a:rPr lang="ja-JP" altLang="en-US" sz="2800" dirty="0">
+                <a:solidFill>
+                  <a:schemeClr val="bg1">
+                    <a:lumMod val="95000"/>
+                    <a:lumOff val="5000"/>
+                  </a:schemeClr>
+                </a:solidFill>
+              </a:rPr>
+              <a:t>）</a:t>
+            </a:r>
+          </a:p>
+        </p:txBody>
+      </p:sp>
+      <p:pic>
+        <p:nvPicPr>
+          <p:cNvPr id="10" name="図 9">
+            <a:extLst>
+              <a:ext uri="{FF2B5EF4-FFF2-40B4-BE49-F238E27FC236}">
+                <a16:creationId xmlns:a16="http://schemas.microsoft.com/office/drawing/2014/main" id="{1329BB67-3CA1-417E-B473-D868932E9F83}"/>
+              </a:ext>
+            </a:extLst>
+          </p:cNvPr>
+          <p:cNvPicPr>
+            <a:picLocks noChangeAspect="1"/>
+          </p:cNvPicPr>
+          <p:nvPr/>
+        </p:nvPicPr>
+        <p:blipFill>
+          <a:blip r:embed="rId3">
+            <a:extLst>
+              <a:ext uri="{28A0092B-C50C-407E-A947-70E740481C1C}">
+                <a14:useLocalDpi xmlns:a14="http://schemas.microsoft.com/office/drawing/2010/main" val="0"/>
+              </a:ext>
+            </a:extLst>
+          </a:blip>
+          <a:stretch>
+            <a:fillRect/>
+          </a:stretch>
+        </p:blipFill>
+        <p:spPr>
+          <a:xfrm>
+            <a:off x="2940551" y="49338"/>
+            <a:ext cx="6808662" cy="6808662"/>
+          </a:xfrm>
+          <a:prstGeom prst="rect">
+            <a:avLst/>
+          </a:prstGeom>
+        </p:spPr>
+      </p:pic>
+      <p:sp>
+        <p:nvSpPr>
+          <p:cNvPr id="13" name="正方形/長方形 12">
+            <a:extLst>
+              <a:ext uri="{FF2B5EF4-FFF2-40B4-BE49-F238E27FC236}">
+                <a16:creationId xmlns:a16="http://schemas.microsoft.com/office/drawing/2014/main" id="{60E5A322-2B52-4EB3-868E-292CA7330747}"/>
+              </a:ext>
+            </a:extLst>
+          </p:cNvPr>
+          <p:cNvSpPr/>
+          <p:nvPr/>
+        </p:nvSpPr>
+        <p:spPr>
+          <a:xfrm>
+            <a:off x="393659" y="297490"/>
+            <a:ext cx="11454787" cy="6137761"/>
+          </a:xfrm>
+          <a:prstGeom prst="rect">
+            <a:avLst/>
+          </a:prstGeom>
+        </p:spPr>
+        <p:style>
+          <a:lnRef idx="2">
+            <a:schemeClr val="accent1"/>
+          </a:lnRef>
+          <a:fillRef idx="1">
+            <a:schemeClr val="lt1"/>
+          </a:fillRef>
+          <a:effectRef idx="0">
+            <a:schemeClr val="accent1"/>
+          </a:effectRef>
+          <a:fontRef idx="minor">
+            <a:schemeClr val="dk1"/>
+          </a:fontRef>
+        </p:style>
+        <p:txBody>
+          <a:bodyPr rtlCol="0" anchor="ctr"/>
+          <a:lstStyle/>
+          <a:p>
+            <a:pPr algn="ctr"/>
+            <a:endParaRPr kumimoji="1" lang="ja-JP" altLang="en-US" dirty="0"/>
+          </a:p>
+        </p:txBody>
+      </p:sp>
+      <p:pic>
+        <p:nvPicPr>
+          <p:cNvPr id="14" name="Picture 2" descr="怪盗のシルエットイラスト">
+            <a:extLst>
+              <a:ext uri="{FF2B5EF4-FFF2-40B4-BE49-F238E27FC236}">
+                <a16:creationId xmlns:a16="http://schemas.microsoft.com/office/drawing/2014/main" id="{71730D43-2A46-4380-97D9-81014B183762}"/>
+              </a:ext>
+            </a:extLst>
+          </p:cNvPr>
+          <p:cNvPicPr>
+            <a:picLocks noChangeAspect="1" noChangeArrowheads="1"/>
+          </p:cNvPicPr>
+          <p:nvPr/>
+        </p:nvPicPr>
+        <p:blipFill>
+          <a:blip r:embed="rId4">
+            <a:lum bright="70000" contrast="-70000"/>
+            <a:extLst>
+              <a:ext uri="{BEBA8EAE-BF5A-486C-A8C5-ECC9F3942E4B}">
+                <a14:imgProps xmlns:a14="http://schemas.microsoft.com/office/drawing/2010/main">
+                  <a14:imgLayer r:embed="rId5">
+                    <a14:imgEffect>
+                      <a14:backgroundRemoval t="10000" b="90000" l="10000" r="90000"/>
+                    </a14:imgEffect>
+                  </a14:imgLayer>
+                </a14:imgProps>
+              </a:ext>
+              <a:ext uri="{28A0092B-C50C-407E-A947-70E740481C1C}">
+                <a14:useLocalDpi xmlns:a14="http://schemas.microsoft.com/office/drawing/2010/main" val="0"/>
+              </a:ext>
+            </a:extLst>
+          </a:blip>
+          <a:srcRect/>
+          <a:stretch>
+            <a:fillRect/>
+          </a:stretch>
+        </p:blipFill>
+        <p:spPr bwMode="auto">
+          <a:xfrm>
+            <a:off x="9686520" y="4876927"/>
+            <a:ext cx="2209800" cy="2209800"/>
+          </a:xfrm>
+          <a:prstGeom prst="rect">
+            <a:avLst/>
+          </a:prstGeom>
+          <a:noFill/>
+          <a:extLst>
+            <a:ext uri="{909E8E84-426E-40DD-AFC4-6F175D3DCCD1}">
+              <a14:hiddenFill xmlns:a14="http://schemas.microsoft.com/office/drawing/2010/main">
+                <a:solidFill>
+                  <a:srgbClr val="FFFFFF"/>
+                </a:solidFill>
+              </a14:hiddenFill>
+            </a:ext>
+          </a:extLst>
+        </p:spPr>
+      </p:pic>
+      <p:sp>
+        <p:nvSpPr>
+          <p:cNvPr id="15" name="タイトル 1">
+            <a:extLst>
+              <a:ext uri="{FF2B5EF4-FFF2-40B4-BE49-F238E27FC236}">
+                <a16:creationId xmlns:a16="http://schemas.microsoft.com/office/drawing/2014/main" id="{3A67580A-08FE-466A-9490-4234FDB828B1}"/>
+              </a:ext>
+            </a:extLst>
+          </p:cNvPr>
+          <p:cNvSpPr txBox="1">
+            <a:spLocks/>
+          </p:cNvSpPr>
+          <p:nvPr/>
+        </p:nvSpPr>
+        <p:spPr>
+          <a:xfrm>
+            <a:off x="4046485" y="341901"/>
+            <a:ext cx="4099031" cy="690549"/>
+          </a:xfrm>
+          <a:prstGeom prst="rect">
+            <a:avLst/>
+          </a:prstGeom>
+          <a:effectLst>
+            <a:outerShdw blurRad="25400" dir="17880000">
+              <a:srgbClr val="000000">
+                <a:alpha val="46000"/>
+              </a:srgbClr>
+            </a:outerShdw>
+          </a:effectLst>
+        </p:spPr>
+        <p:txBody>
+          <a:bodyPr vert="horz" lIns="91440" tIns="45720" rIns="91440" bIns="45720" rtlCol="0" anchor="b">
+            <a:noAutofit/>
+          </a:bodyPr>
+          <a:lstStyle>
+            <a:lvl1pPr algn="ctr" defTabSz="457200" rtl="0" eaLnBrk="1" latinLnBrk="0" hangingPunct="1">
+              <a:spcBef>
+                <a:spcPct val="0"/>
+              </a:spcBef>
+              <a:buNone/>
+              <a:defRPr kumimoji="1" sz="6000" kern="1200">
+                <a:ln>
+                  <a:solidFill>
+                    <a:schemeClr val="bg1">
+                      <a:lumMod val="75000"/>
+                      <a:lumOff val="25000"/>
+                      <a:alpha val="10000"/>
+                    </a:schemeClr>
+                  </a:solidFill>
+                </a:ln>
+                <a:solidFill>
+                  <a:schemeClr val="tx1"/>
+                </a:solidFill>
+                <a:effectLst>
+                  <a:outerShdw blurRad="9525" dist="25400" dir="14640000" algn="tl" rotWithShape="0">
+                    <a:schemeClr val="bg1">
+                      <a:alpha val="30000"/>
+                    </a:schemeClr>
+                  </a:outerShdw>
+                </a:effectLst>
+                <a:latin typeface="+mj-lt"/>
+                <a:ea typeface="+mj-ea"/>
+                <a:cs typeface="Trebuchet MS"/>
+              </a:defRPr>
+            </a:lvl1pPr>
+            <a:lvl2pPr eaLnBrk="1" hangingPunct="1">
+              <a:defRPr kumimoji="1">
+                <a:solidFill>
+                  <a:schemeClr val="tx2"/>
+                </a:solidFill>
+              </a:defRPr>
+            </a:lvl2pPr>
+            <a:lvl3pPr eaLnBrk="1" hangingPunct="1">
+              <a:defRPr kumimoji="1">
+                <a:solidFill>
+                  <a:schemeClr val="tx2"/>
+                </a:solidFill>
+              </a:defRPr>
+            </a:lvl3pPr>
+            <a:lvl4pPr eaLnBrk="1" hangingPunct="1">
+              <a:defRPr kumimoji="1">
+                <a:solidFill>
+                  <a:schemeClr val="tx2"/>
+                </a:solidFill>
+              </a:defRPr>
+            </a:lvl4pPr>
+            <a:lvl5pPr eaLnBrk="1" hangingPunct="1">
+              <a:defRPr kumimoji="1">
+                <a:solidFill>
+                  <a:schemeClr val="tx2"/>
+                </a:solidFill>
+              </a:defRPr>
+            </a:lvl5pPr>
+            <a:lvl6pPr eaLnBrk="1" hangingPunct="1">
+              <a:defRPr kumimoji="1">
+                <a:solidFill>
+                  <a:schemeClr val="tx2"/>
+                </a:solidFill>
+              </a:defRPr>
+            </a:lvl6pPr>
+            <a:lvl7pPr eaLnBrk="1" hangingPunct="1">
+              <a:defRPr kumimoji="1">
+                <a:solidFill>
+                  <a:schemeClr val="tx2"/>
+                </a:solidFill>
+              </a:defRPr>
+            </a:lvl7pPr>
+            <a:lvl8pPr eaLnBrk="1" hangingPunct="1">
+              <a:defRPr kumimoji="1">
+                <a:solidFill>
+                  <a:schemeClr val="tx2"/>
+                </a:solidFill>
+              </a:defRPr>
+            </a:lvl8pPr>
+            <a:lvl9pPr eaLnBrk="1" hangingPunct="1">
+              <a:defRPr kumimoji="1">
+                <a:solidFill>
+                  <a:schemeClr val="tx2"/>
+                </a:solidFill>
+              </a:defRPr>
+            </a:lvl9pPr>
+          </a:lstStyle>
+          <a:p>
+            <a:r>
+              <a:rPr lang="ja-JP" altLang="en-US" sz="4000" dirty="0">
+                <a:solidFill>
+                  <a:schemeClr val="bg1">
+                    <a:lumMod val="95000"/>
+                    <a:lumOff val="5000"/>
+                  </a:schemeClr>
+                </a:solidFill>
+              </a:rPr>
+              <a:t>ルール説明</a:t>
+            </a:r>
+          </a:p>
+        </p:txBody>
+      </p:sp>
+      <p:sp>
+        <p:nvSpPr>
+          <p:cNvPr id="16" name="タイトル 1">
+            <a:extLst>
+              <a:ext uri="{FF2B5EF4-FFF2-40B4-BE49-F238E27FC236}">
+                <a16:creationId xmlns:a16="http://schemas.microsoft.com/office/drawing/2014/main" id="{840A8120-1263-447B-AB34-20A079937B4D}"/>
+              </a:ext>
+            </a:extLst>
+          </p:cNvPr>
+          <p:cNvSpPr txBox="1">
+            <a:spLocks/>
+          </p:cNvSpPr>
+          <p:nvPr/>
+        </p:nvSpPr>
+        <p:spPr>
+          <a:xfrm>
+            <a:off x="377162" y="1383323"/>
+            <a:ext cx="5089700" cy="690549"/>
+          </a:xfrm>
+          <a:prstGeom prst="rect">
+            <a:avLst/>
+          </a:prstGeom>
+          <a:effectLst>
+            <a:outerShdw blurRad="25400" dir="17880000">
+              <a:srgbClr val="000000">
+                <a:alpha val="46000"/>
+              </a:srgbClr>
+            </a:outerShdw>
+          </a:effectLst>
+        </p:spPr>
+        <p:txBody>
+          <a:bodyPr vert="horz" lIns="91440" tIns="45720" rIns="91440" bIns="45720" rtlCol="0" anchor="b">
+            <a:normAutofit/>
+          </a:bodyPr>
+          <a:lstStyle>
+            <a:lvl1pPr algn="ctr" defTabSz="457200" rtl="0" eaLnBrk="1" latinLnBrk="0" hangingPunct="1">
+              <a:spcBef>
+                <a:spcPct val="0"/>
+              </a:spcBef>
+              <a:buNone/>
+              <a:defRPr kumimoji="1" sz="6000" kern="1200">
+                <a:ln>
+                  <a:solidFill>
+                    <a:schemeClr val="bg1">
+                      <a:lumMod val="75000"/>
+                      <a:lumOff val="25000"/>
+                      <a:alpha val="10000"/>
+                    </a:schemeClr>
+                  </a:solidFill>
+                </a:ln>
+                <a:solidFill>
+                  <a:schemeClr val="tx1"/>
+                </a:solidFill>
+                <a:effectLst>
+                  <a:outerShdw blurRad="9525" dist="25400" dir="14640000" algn="tl" rotWithShape="0">
+                    <a:schemeClr val="bg1">
+                      <a:alpha val="30000"/>
+                    </a:schemeClr>
+                  </a:outerShdw>
+                </a:effectLst>
+                <a:latin typeface="+mj-lt"/>
+                <a:ea typeface="+mj-ea"/>
+                <a:cs typeface="Trebuchet MS"/>
+              </a:defRPr>
+            </a:lvl1pPr>
+            <a:lvl2pPr eaLnBrk="1" hangingPunct="1">
+              <a:defRPr kumimoji="1">
+                <a:solidFill>
+                  <a:schemeClr val="tx2"/>
+                </a:solidFill>
+              </a:defRPr>
+            </a:lvl2pPr>
+            <a:lvl3pPr eaLnBrk="1" hangingPunct="1">
+              <a:defRPr kumimoji="1">
+                <a:solidFill>
+                  <a:schemeClr val="tx2"/>
+                </a:solidFill>
+              </a:defRPr>
+            </a:lvl3pPr>
+            <a:lvl4pPr eaLnBrk="1" hangingPunct="1">
+              <a:defRPr kumimoji="1">
+                <a:solidFill>
+                  <a:schemeClr val="tx2"/>
+                </a:solidFill>
+              </a:defRPr>
+            </a:lvl4pPr>
+            <a:lvl5pPr eaLnBrk="1" hangingPunct="1">
+              <a:defRPr kumimoji="1">
+                <a:solidFill>
+                  <a:schemeClr val="tx2"/>
+                </a:solidFill>
+              </a:defRPr>
+            </a:lvl5pPr>
+            <a:lvl6pPr eaLnBrk="1" hangingPunct="1">
+              <a:defRPr kumimoji="1">
+                <a:solidFill>
+                  <a:schemeClr val="tx2"/>
+                </a:solidFill>
+              </a:defRPr>
+            </a:lvl6pPr>
+            <a:lvl7pPr eaLnBrk="1" hangingPunct="1">
+              <a:defRPr kumimoji="1">
+                <a:solidFill>
+                  <a:schemeClr val="tx2"/>
+                </a:solidFill>
+              </a:defRPr>
+            </a:lvl7pPr>
+            <a:lvl8pPr eaLnBrk="1" hangingPunct="1">
+              <a:defRPr kumimoji="1">
+                <a:solidFill>
+                  <a:schemeClr val="tx2"/>
+                </a:solidFill>
+              </a:defRPr>
+            </a:lvl8pPr>
+            <a:lvl9pPr eaLnBrk="1" hangingPunct="1">
+              <a:defRPr kumimoji="1">
+                <a:solidFill>
+                  <a:schemeClr val="tx2"/>
+                </a:solidFill>
+              </a:defRPr>
+            </a:lvl9pPr>
+          </a:lstStyle>
+          <a:p>
+            <a:r>
+              <a:rPr lang="ja-JP" altLang="en-US" sz="3600" dirty="0">
+                <a:solidFill>
+                  <a:srgbClr val="FF0000"/>
+                </a:solidFill>
+              </a:rPr>
+              <a:t>ホシ</a:t>
+            </a:r>
+            <a:r>
+              <a:rPr lang="ja-JP" altLang="en-US" sz="2800" dirty="0">
+                <a:solidFill>
+                  <a:schemeClr val="bg1">
+                    <a:lumMod val="95000"/>
+                    <a:lumOff val="5000"/>
+                  </a:schemeClr>
+                </a:solidFill>
+              </a:rPr>
+              <a:t> になった貴方</a:t>
+            </a:r>
+          </a:p>
+        </p:txBody>
+      </p:sp>
+      <p:sp>
+        <p:nvSpPr>
+          <p:cNvPr id="17" name="タイトル 1">
+            <a:extLst>
+              <a:ext uri="{FF2B5EF4-FFF2-40B4-BE49-F238E27FC236}">
+                <a16:creationId xmlns:a16="http://schemas.microsoft.com/office/drawing/2014/main" id="{AF74E7FE-13A3-4148-AC24-5967921AA555}"/>
+              </a:ext>
+            </a:extLst>
+          </p:cNvPr>
+          <p:cNvSpPr txBox="1">
+            <a:spLocks/>
+          </p:cNvSpPr>
+          <p:nvPr/>
+        </p:nvSpPr>
+        <p:spPr>
+          <a:xfrm>
+            <a:off x="6036475" y="1375507"/>
+            <a:ext cx="5713046" cy="690549"/>
+          </a:xfrm>
+          <a:prstGeom prst="rect">
+            <a:avLst/>
+          </a:prstGeom>
+          <a:effectLst>
+            <a:outerShdw blurRad="25400" dir="17880000">
+              <a:srgbClr val="000000">
+                <a:alpha val="46000"/>
+              </a:srgbClr>
+            </a:outerShdw>
+          </a:effectLst>
+        </p:spPr>
+        <p:txBody>
+          <a:bodyPr vert="horz" lIns="91440" tIns="45720" rIns="91440" bIns="45720" rtlCol="0" anchor="b">
+            <a:normAutofit/>
+          </a:bodyPr>
+          <a:lstStyle>
+            <a:lvl1pPr algn="ctr" defTabSz="457200" rtl="0" eaLnBrk="1" latinLnBrk="0" hangingPunct="1">
+              <a:spcBef>
+                <a:spcPct val="0"/>
+              </a:spcBef>
+              <a:buNone/>
+              <a:defRPr kumimoji="1" sz="6000" kern="1200">
+                <a:ln>
+                  <a:solidFill>
+                    <a:schemeClr val="bg1">
+                      <a:lumMod val="75000"/>
+                      <a:lumOff val="25000"/>
+                      <a:alpha val="10000"/>
+                    </a:schemeClr>
+                  </a:solidFill>
+                </a:ln>
+                <a:solidFill>
+                  <a:schemeClr val="tx1"/>
+                </a:solidFill>
+                <a:effectLst>
+                  <a:outerShdw blurRad="9525" dist="25400" dir="14640000" algn="tl" rotWithShape="0">
+                    <a:schemeClr val="bg1">
+                      <a:alpha val="30000"/>
+                    </a:schemeClr>
+                  </a:outerShdw>
+                </a:effectLst>
+                <a:latin typeface="+mj-lt"/>
+                <a:ea typeface="+mj-ea"/>
+                <a:cs typeface="Trebuchet MS"/>
+              </a:defRPr>
+            </a:lvl1pPr>
+            <a:lvl2pPr eaLnBrk="1" hangingPunct="1">
+              <a:defRPr kumimoji="1">
+                <a:solidFill>
+                  <a:schemeClr val="tx2"/>
+                </a:solidFill>
+              </a:defRPr>
+            </a:lvl2pPr>
+            <a:lvl3pPr eaLnBrk="1" hangingPunct="1">
+              <a:defRPr kumimoji="1">
+                <a:solidFill>
+                  <a:schemeClr val="tx2"/>
+                </a:solidFill>
+              </a:defRPr>
+            </a:lvl3pPr>
+            <a:lvl4pPr eaLnBrk="1" hangingPunct="1">
+              <a:defRPr kumimoji="1">
+                <a:solidFill>
+                  <a:schemeClr val="tx2"/>
+                </a:solidFill>
+              </a:defRPr>
+            </a:lvl4pPr>
+            <a:lvl5pPr eaLnBrk="1" hangingPunct="1">
+              <a:defRPr kumimoji="1">
+                <a:solidFill>
+                  <a:schemeClr val="tx2"/>
+                </a:solidFill>
+              </a:defRPr>
+            </a:lvl5pPr>
+            <a:lvl6pPr eaLnBrk="1" hangingPunct="1">
+              <a:defRPr kumimoji="1">
+                <a:solidFill>
+                  <a:schemeClr val="tx2"/>
+                </a:solidFill>
+              </a:defRPr>
+            </a:lvl6pPr>
+            <a:lvl7pPr eaLnBrk="1" hangingPunct="1">
+              <a:defRPr kumimoji="1">
+                <a:solidFill>
+                  <a:schemeClr val="tx2"/>
+                </a:solidFill>
+              </a:defRPr>
+            </a:lvl7pPr>
+            <a:lvl8pPr eaLnBrk="1" hangingPunct="1">
+              <a:defRPr kumimoji="1">
+                <a:solidFill>
+                  <a:schemeClr val="tx2"/>
+                </a:solidFill>
+              </a:defRPr>
+            </a:lvl8pPr>
+            <a:lvl9pPr eaLnBrk="1" hangingPunct="1">
+              <a:defRPr kumimoji="1">
+                <a:solidFill>
+                  <a:schemeClr val="tx2"/>
+                </a:solidFill>
+              </a:defRPr>
+            </a:lvl9pPr>
+          </a:lstStyle>
+          <a:p>
+            <a:r>
+              <a:rPr lang="ja-JP" altLang="en-US" sz="3600" dirty="0">
+                <a:solidFill>
+                  <a:srgbClr val="0000FF"/>
+                </a:solidFill>
+              </a:rPr>
+              <a:t>サツ</a:t>
+            </a:r>
+            <a:r>
+              <a:rPr lang="ja-JP" altLang="en-US" sz="2800" dirty="0">
+                <a:solidFill>
+                  <a:schemeClr val="bg1">
+                    <a:lumMod val="95000"/>
+                    <a:lumOff val="5000"/>
+                  </a:schemeClr>
+                </a:solidFill>
+              </a:rPr>
+              <a:t> になった貴方</a:t>
+            </a:r>
+          </a:p>
+        </p:txBody>
+      </p:sp>
+      <p:sp>
+        <p:nvSpPr>
+          <p:cNvPr id="18" name="テキスト ボックス 17">
+            <a:extLst>
+              <a:ext uri="{FF2B5EF4-FFF2-40B4-BE49-F238E27FC236}">
+                <a16:creationId xmlns:a16="http://schemas.microsoft.com/office/drawing/2014/main" id="{A6C99BFF-C126-4168-B6FD-FC37618A8098}"/>
+              </a:ext>
+            </a:extLst>
+          </p:cNvPr>
+          <p:cNvSpPr txBox="1"/>
+          <p:nvPr/>
+        </p:nvSpPr>
+        <p:spPr>
+          <a:xfrm>
+            <a:off x="382954" y="2063261"/>
+            <a:ext cx="5298831" cy="369332"/>
+          </a:xfrm>
+          <a:prstGeom prst="rect">
+            <a:avLst/>
+          </a:prstGeom>
+          <a:noFill/>
+        </p:spPr>
+        <p:txBody>
+          <a:bodyPr wrap="square" rtlCol="0">
+            <a:spAutoFit/>
+          </a:bodyPr>
+          <a:lstStyle/>
+          <a:p>
+            <a:endParaRPr kumimoji="1" lang="ja-JP" altLang="en-US" dirty="0">
+              <a:solidFill>
+                <a:schemeClr val="bg1">
+                  <a:lumMod val="95000"/>
+                  <a:lumOff val="5000"/>
+                </a:schemeClr>
+              </a:solidFill>
+            </a:endParaRPr>
+          </a:p>
+        </p:txBody>
+      </p:sp>
+      <p:sp>
+        <p:nvSpPr>
+          <p:cNvPr id="19" name="テキスト ボックス 18">
+            <a:extLst>
+              <a:ext uri="{FF2B5EF4-FFF2-40B4-BE49-F238E27FC236}">
+                <a16:creationId xmlns:a16="http://schemas.microsoft.com/office/drawing/2014/main" id="{EEBBA301-476D-41B4-A318-BA5169CB5B9B}"/>
+              </a:ext>
+            </a:extLst>
+          </p:cNvPr>
+          <p:cNvSpPr txBox="1"/>
+          <p:nvPr/>
+        </p:nvSpPr>
+        <p:spPr>
+          <a:xfrm>
+            <a:off x="6095998" y="2124945"/>
+            <a:ext cx="5611446" cy="4294555"/>
+          </a:xfrm>
+          <a:prstGeom prst="rect">
+            <a:avLst/>
+          </a:prstGeom>
+          <a:noFill/>
+        </p:spPr>
+        <p:txBody>
+          <a:bodyPr wrap="square" rtlCol="0">
+            <a:noAutofit/>
+          </a:bodyPr>
+          <a:lstStyle/>
+          <a:p>
+            <a:r>
+              <a:rPr kumimoji="1" lang="ja-JP" altLang="en-US" dirty="0">
+                <a:solidFill>
+                  <a:schemeClr val="bg1">
+                    <a:lumMod val="95000"/>
+                    <a:lumOff val="5000"/>
+                  </a:schemeClr>
+                </a:solidFill>
+              </a:rPr>
+              <a:t>① ゲーム開始時、</a:t>
+            </a:r>
+            <a:r>
+              <a:rPr kumimoji="1" lang="ja-JP" altLang="en-US" dirty="0">
+                <a:solidFill>
+                  <a:srgbClr val="FF0000"/>
+                </a:solidFill>
+              </a:rPr>
+              <a:t>ホシ</a:t>
+            </a:r>
+            <a:r>
+              <a:rPr kumimoji="1" lang="ja-JP" altLang="en-US" dirty="0">
+                <a:solidFill>
+                  <a:schemeClr val="bg1">
+                    <a:lumMod val="95000"/>
+                    <a:lumOff val="5000"/>
+                  </a:schemeClr>
+                </a:solidFill>
+              </a:rPr>
+              <a:t>がどこにいるか公開されます。</a:t>
+            </a:r>
+            <a:endParaRPr kumimoji="1" lang="en-US" altLang="ja-JP" dirty="0">
+              <a:solidFill>
+                <a:schemeClr val="bg1">
+                  <a:lumMod val="95000"/>
+                  <a:lumOff val="5000"/>
+                </a:schemeClr>
+              </a:solidFill>
+            </a:endParaRPr>
+          </a:p>
+          <a:p>
+            <a:endParaRPr kumimoji="1" lang="en-US" altLang="ja-JP" dirty="0">
+              <a:solidFill>
+                <a:schemeClr val="bg1">
+                  <a:lumMod val="95000"/>
+                  <a:lumOff val="5000"/>
+                </a:schemeClr>
+              </a:solidFill>
+            </a:endParaRPr>
+          </a:p>
+          <a:p>
+            <a:r>
+              <a:rPr kumimoji="1" lang="ja-JP" altLang="en-US" dirty="0">
+                <a:solidFill>
+                  <a:schemeClr val="bg1">
+                    <a:lumMod val="95000"/>
+                    <a:lumOff val="5000"/>
+                  </a:schemeClr>
+                </a:solidFill>
+              </a:rPr>
+              <a:t>② ゲームがはじまったら、</a:t>
+            </a:r>
+            <a:endParaRPr kumimoji="1" lang="en-US" altLang="ja-JP" dirty="0">
+              <a:solidFill>
+                <a:schemeClr val="bg1">
+                  <a:lumMod val="95000"/>
+                  <a:lumOff val="5000"/>
+                </a:schemeClr>
+              </a:solidFill>
+            </a:endParaRPr>
+          </a:p>
+          <a:p>
+            <a:r>
+              <a:rPr kumimoji="1" lang="ja-JP" altLang="en-US" dirty="0">
+                <a:solidFill>
+                  <a:schemeClr val="bg1">
+                    <a:lumMod val="95000"/>
+                    <a:lumOff val="5000"/>
+                  </a:schemeClr>
+                </a:solidFill>
+              </a:rPr>
+              <a:t>　　宝箱を奪おうと動き回る</a:t>
+            </a:r>
+            <a:r>
+              <a:rPr kumimoji="1" lang="ja-JP" altLang="en-US" dirty="0">
+                <a:solidFill>
+                  <a:srgbClr val="FF0000"/>
+                </a:solidFill>
+              </a:rPr>
+              <a:t>ホシ</a:t>
+            </a:r>
+            <a:r>
+              <a:rPr kumimoji="1" lang="ja-JP" altLang="en-US" dirty="0">
+                <a:solidFill>
+                  <a:schemeClr val="bg1">
+                    <a:lumMod val="95000"/>
+                    <a:lumOff val="5000"/>
+                  </a:schemeClr>
+                </a:solidFill>
+              </a:rPr>
+              <a:t>を追いかけてください。</a:t>
+            </a:r>
+            <a:br>
+              <a:rPr kumimoji="1" lang="en-US" altLang="ja-JP" dirty="0">
+                <a:solidFill>
+                  <a:schemeClr val="bg1">
+                    <a:lumMod val="95000"/>
+                    <a:lumOff val="5000"/>
+                  </a:schemeClr>
+                </a:solidFill>
+              </a:rPr>
+            </a:br>
+            <a:r>
+              <a:rPr kumimoji="1" lang="ja-JP" altLang="en-US" dirty="0">
+                <a:solidFill>
+                  <a:schemeClr val="bg1">
+                    <a:lumMod val="95000"/>
+                    <a:lumOff val="5000"/>
+                  </a:schemeClr>
+                </a:solidFill>
+              </a:rPr>
+              <a:t>　　</a:t>
+            </a:r>
+            <a:endParaRPr kumimoji="1" lang="en-US" altLang="ja-JP" dirty="0">
+              <a:solidFill>
+                <a:schemeClr val="bg1">
+                  <a:lumMod val="95000"/>
+                  <a:lumOff val="5000"/>
+                </a:schemeClr>
+              </a:solidFill>
+            </a:endParaRPr>
+          </a:p>
+          <a:p>
+            <a:r>
+              <a:rPr kumimoji="1" lang="ja-JP" altLang="en-US" dirty="0">
+                <a:solidFill>
+                  <a:schemeClr val="bg1">
+                    <a:lumMod val="95000"/>
+                    <a:lumOff val="5000"/>
+                  </a:schemeClr>
+                </a:solidFill>
+              </a:rPr>
+              <a:t>③ </a:t>
+            </a:r>
+            <a:r>
+              <a:rPr kumimoji="1" lang="ja-JP" altLang="en-US" dirty="0">
+                <a:solidFill>
+                  <a:srgbClr val="0000FF"/>
+                </a:solidFill>
+              </a:rPr>
+              <a:t>もうひとりのサツ</a:t>
+            </a:r>
+            <a:r>
+              <a:rPr kumimoji="1" lang="ja-JP" altLang="en-US" dirty="0">
+                <a:solidFill>
+                  <a:schemeClr val="bg1">
+                    <a:lumMod val="95000"/>
+                    <a:lumOff val="5000"/>
+                  </a:schemeClr>
+                </a:solidFill>
+              </a:rPr>
+              <a:t>と協力して、</a:t>
+            </a:r>
+            <a:endParaRPr kumimoji="1" lang="en-US" altLang="ja-JP" dirty="0">
+              <a:solidFill>
+                <a:schemeClr val="bg1">
+                  <a:lumMod val="95000"/>
+                  <a:lumOff val="5000"/>
+                </a:schemeClr>
+              </a:solidFill>
+            </a:endParaRPr>
+          </a:p>
+          <a:p>
+            <a:r>
+              <a:rPr kumimoji="1" lang="ja-JP" altLang="en-US" dirty="0">
+                <a:solidFill>
+                  <a:schemeClr val="bg1">
+                    <a:lumMod val="95000"/>
+                    <a:lumOff val="5000"/>
+                  </a:schemeClr>
+                </a:solidFill>
+              </a:rPr>
+              <a:t>　　貴方のカンと才覚で</a:t>
+            </a:r>
+            <a:r>
+              <a:rPr kumimoji="1" lang="ja-JP" altLang="en-US" dirty="0">
+                <a:solidFill>
+                  <a:srgbClr val="0000FF"/>
+                </a:solidFill>
+              </a:rPr>
+              <a:t>リズミカルに</a:t>
+            </a:r>
+            <a:r>
+              <a:rPr kumimoji="1" lang="ja-JP" altLang="en-US" dirty="0">
+                <a:solidFill>
+                  <a:schemeClr val="bg1">
+                    <a:lumMod val="95000"/>
+                    <a:lumOff val="5000"/>
+                  </a:schemeClr>
+                </a:solidFill>
+              </a:rPr>
+              <a:t>追いかけ、</a:t>
+            </a:r>
+            <a:endParaRPr kumimoji="1" lang="en-US" altLang="ja-JP" dirty="0">
+              <a:solidFill>
+                <a:schemeClr val="bg1">
+                  <a:lumMod val="95000"/>
+                  <a:lumOff val="5000"/>
+                </a:schemeClr>
+              </a:solidFill>
+            </a:endParaRPr>
+          </a:p>
+          <a:p>
+            <a:r>
+              <a:rPr kumimoji="1" lang="ja-JP" altLang="en-US" dirty="0">
+                <a:solidFill>
+                  <a:schemeClr val="bg1">
+                    <a:lumMod val="95000"/>
+                    <a:lumOff val="5000"/>
+                  </a:schemeClr>
+                </a:solidFill>
+              </a:rPr>
+              <a:t>　　自分のライトで照らして、逮捕してください。</a:t>
+            </a:r>
+            <a:endParaRPr kumimoji="1" lang="en-US" altLang="ja-JP" dirty="0">
+              <a:solidFill>
+                <a:schemeClr val="bg1">
+                  <a:lumMod val="95000"/>
+                  <a:lumOff val="5000"/>
+                </a:schemeClr>
+              </a:solidFill>
+            </a:endParaRPr>
+          </a:p>
+        </p:txBody>
+      </p:sp>
+      <p:sp>
+        <p:nvSpPr>
+          <p:cNvPr id="20" name="テキスト ボックス 19">
+            <a:extLst>
+              <a:ext uri="{FF2B5EF4-FFF2-40B4-BE49-F238E27FC236}">
+                <a16:creationId xmlns:a16="http://schemas.microsoft.com/office/drawing/2014/main" id="{224249A5-45AE-406E-8574-81182A73C265}"/>
+              </a:ext>
+            </a:extLst>
+          </p:cNvPr>
+          <p:cNvSpPr txBox="1"/>
+          <p:nvPr/>
+        </p:nvSpPr>
+        <p:spPr>
+          <a:xfrm>
+            <a:off x="398584" y="2110154"/>
+            <a:ext cx="5744307" cy="4360984"/>
+          </a:xfrm>
+          <a:prstGeom prst="rect">
+            <a:avLst/>
+          </a:prstGeom>
+          <a:noFill/>
+        </p:spPr>
+        <p:txBody>
+          <a:bodyPr wrap="square" rtlCol="0">
+            <a:noAutofit/>
+          </a:bodyPr>
+          <a:lstStyle/>
+          <a:p>
+            <a:r>
+              <a:rPr kumimoji="1" lang="ja-JP" altLang="en-US" dirty="0">
+                <a:solidFill>
+                  <a:schemeClr val="bg1">
+                    <a:lumMod val="95000"/>
+                    <a:lumOff val="5000"/>
+                  </a:schemeClr>
+                </a:solidFill>
+              </a:rPr>
+              <a:t>① ゲーム開始時、貴方がどこにいるか公開されます。</a:t>
+            </a:r>
+            <a:endParaRPr kumimoji="1" lang="en-US" altLang="ja-JP" dirty="0">
+              <a:solidFill>
+                <a:schemeClr val="bg1">
+                  <a:lumMod val="95000"/>
+                  <a:lumOff val="5000"/>
+                </a:schemeClr>
+              </a:solidFill>
+            </a:endParaRPr>
+          </a:p>
+          <a:p>
+            <a:endParaRPr kumimoji="1" lang="en-US" altLang="ja-JP" dirty="0">
+              <a:solidFill>
+                <a:schemeClr val="bg1">
+                  <a:lumMod val="95000"/>
+                  <a:lumOff val="5000"/>
+                </a:schemeClr>
+              </a:solidFill>
+            </a:endParaRPr>
+          </a:p>
+          <a:p>
+            <a:r>
+              <a:rPr kumimoji="1" lang="ja-JP" altLang="en-US" dirty="0">
+                <a:solidFill>
+                  <a:schemeClr val="bg1">
+                    <a:lumMod val="95000"/>
+                    <a:lumOff val="5000"/>
+                  </a:schemeClr>
+                </a:solidFill>
+              </a:rPr>
+              <a:t>② ゲームがはじまると、</a:t>
+            </a:r>
+            <a:endParaRPr kumimoji="1" lang="en-US" altLang="ja-JP" dirty="0">
+              <a:solidFill>
+                <a:schemeClr val="bg1">
+                  <a:lumMod val="95000"/>
+                  <a:lumOff val="5000"/>
+                </a:schemeClr>
+              </a:solidFill>
+            </a:endParaRPr>
+          </a:p>
+          <a:p>
+            <a:r>
+              <a:rPr kumimoji="1" lang="ja-JP" altLang="en-US" dirty="0">
+                <a:solidFill>
+                  <a:schemeClr val="bg1">
+                    <a:lumMod val="95000"/>
+                    <a:lumOff val="5000"/>
+                  </a:schemeClr>
+                </a:solidFill>
+              </a:rPr>
+              <a:t>　　貴方の姿が貴方にも見えなくなります。</a:t>
+            </a:r>
+            <a:endParaRPr kumimoji="1" lang="en-US" altLang="ja-JP" dirty="0">
+              <a:solidFill>
+                <a:schemeClr val="bg1">
+                  <a:lumMod val="95000"/>
+                  <a:lumOff val="5000"/>
+                </a:schemeClr>
+              </a:solidFill>
+            </a:endParaRPr>
+          </a:p>
+          <a:p>
+            <a:endParaRPr kumimoji="1" lang="en-US" altLang="ja-JP" dirty="0">
+              <a:solidFill>
+                <a:schemeClr val="bg1">
+                  <a:lumMod val="95000"/>
+                  <a:lumOff val="5000"/>
+                </a:schemeClr>
+              </a:solidFill>
+            </a:endParaRPr>
+          </a:p>
+          <a:p>
+            <a:r>
+              <a:rPr kumimoji="1" lang="ja-JP" altLang="en-US" dirty="0">
+                <a:solidFill>
+                  <a:schemeClr val="bg1">
+                    <a:lumMod val="95000"/>
+                    <a:lumOff val="5000"/>
+                  </a:schemeClr>
+                </a:solidFill>
+              </a:rPr>
+              <a:t>③ 貴方は暗闇の中、自分の位置を把握しながら、</a:t>
+            </a:r>
+            <a:br>
+              <a:rPr kumimoji="1" lang="en-US" altLang="ja-JP" dirty="0">
+                <a:solidFill>
+                  <a:schemeClr val="bg1">
+                    <a:lumMod val="95000"/>
+                    <a:lumOff val="5000"/>
+                  </a:schemeClr>
+                </a:solidFill>
+              </a:rPr>
+            </a:br>
+            <a:r>
+              <a:rPr kumimoji="1" lang="ja-JP" altLang="en-US" dirty="0">
+                <a:solidFill>
+                  <a:schemeClr val="bg1">
+                    <a:lumMod val="95000"/>
+                    <a:lumOff val="5000"/>
+                  </a:schemeClr>
+                </a:solidFill>
+              </a:rPr>
+              <a:t>　　宝箱目指して、</a:t>
+            </a:r>
+            <a:r>
+              <a:rPr kumimoji="1" lang="ja-JP" altLang="en-US" dirty="0">
+                <a:solidFill>
+                  <a:srgbClr val="FF0000"/>
+                </a:solidFill>
+              </a:rPr>
+              <a:t>リズミカルに</a:t>
+            </a:r>
+            <a:r>
+              <a:rPr kumimoji="1" lang="ja-JP" altLang="en-US" dirty="0">
+                <a:solidFill>
+                  <a:schemeClr val="bg1">
+                    <a:lumMod val="95000"/>
+                    <a:lumOff val="5000"/>
+                  </a:schemeClr>
+                </a:solidFill>
+              </a:rPr>
+              <a:t>進んでください。</a:t>
+            </a:r>
+            <a:endParaRPr kumimoji="1" lang="en-US" altLang="ja-JP" dirty="0">
+              <a:solidFill>
+                <a:schemeClr val="bg1">
+                  <a:lumMod val="95000"/>
+                  <a:lumOff val="5000"/>
+                </a:schemeClr>
+              </a:solidFill>
+            </a:endParaRPr>
+          </a:p>
+        </p:txBody>
+      </p:sp>
+      <p:pic>
+        <p:nvPicPr>
+          <p:cNvPr id="25" name="Picture 2" descr="「犯行予告　フリー素材」の画像検索結果">
+            <a:extLst>
+              <a:ext uri="{FF2B5EF4-FFF2-40B4-BE49-F238E27FC236}">
+                <a16:creationId xmlns:a16="http://schemas.microsoft.com/office/drawing/2014/main" id="{A4E76F67-5E7C-46B5-8202-3ADA1EA6144E}"/>
+              </a:ext>
+            </a:extLst>
+          </p:cNvPr>
+          <p:cNvPicPr>
+            <a:picLocks noChangeAspect="1" noChangeArrowheads="1"/>
+          </p:cNvPicPr>
+          <p:nvPr/>
+        </p:nvPicPr>
+        <p:blipFill rotWithShape="1">
+          <a:blip r:embed="rId6">
+            <a:extLst>
+              <a:ext uri="{BEBA8EAE-BF5A-486C-A8C5-ECC9F3942E4B}">
+                <a14:imgProps xmlns:a14="http://schemas.microsoft.com/office/drawing/2010/main">
+                  <a14:imgLayer r:embed="rId7">
+                    <a14:imgEffect>
+                      <a14:backgroundRemoval t="10000" b="99706" l="10000" r="90000">
+                        <a14:foregroundMark x1="49216" y1="77941" x2="48824" y2="99706"/>
+                      </a14:backgroundRemoval>
+                    </a14:imgEffect>
+                  </a14:imgLayer>
+                </a14:imgProps>
+              </a:ext>
+              <a:ext uri="{28A0092B-C50C-407E-A947-70E740481C1C}">
+                <a14:useLocalDpi xmlns:a14="http://schemas.microsoft.com/office/drawing/2010/main" val="0"/>
+              </a:ext>
+            </a:extLst>
+          </a:blip>
+          <a:srcRect l="19103" t="12665" r="22755" b="75614"/>
+          <a:stretch/>
+        </p:blipFill>
+        <p:spPr bwMode="auto">
+          <a:xfrm>
+            <a:off x="4539342" y="5290455"/>
+            <a:ext cx="3004457" cy="930053"/>
+          </a:xfrm>
+          <a:prstGeom prst="rect">
+            <a:avLst/>
+          </a:prstGeom>
+          <a:noFill/>
+          <a:extLst>
+            <a:ext uri="{909E8E84-426E-40DD-AFC4-6F175D3DCCD1}">
+              <a14:hiddenFill xmlns:a14="http://schemas.microsoft.com/office/drawing/2010/main">
+                <a:solidFill>
+                  <a:srgbClr val="FFFFFF"/>
+                </a:solidFill>
+              </a14:hiddenFill>
+            </a:ext>
+          </a:extLst>
+        </p:spPr>
+      </p:pic>
+      <p:sp>
+        <p:nvSpPr>
+          <p:cNvPr id="24" name="タイトル 1">
+            <a:extLst>
+              <a:ext uri="{FF2B5EF4-FFF2-40B4-BE49-F238E27FC236}">
+                <a16:creationId xmlns:a16="http://schemas.microsoft.com/office/drawing/2014/main" id="{E19DBA8B-AC1B-4414-9E48-47B287DABCD4}"/>
+              </a:ext>
+            </a:extLst>
+          </p:cNvPr>
+          <p:cNvSpPr txBox="1">
+            <a:spLocks/>
+          </p:cNvSpPr>
+          <p:nvPr/>
+        </p:nvSpPr>
+        <p:spPr>
+          <a:xfrm>
+            <a:off x="4020531" y="5409992"/>
+            <a:ext cx="4099031" cy="690549"/>
+          </a:xfrm>
+          <a:prstGeom prst="rect">
+            <a:avLst/>
+          </a:prstGeom>
+          <a:noFill/>
+          <a:ln>
+            <a:noFill/>
+          </a:ln>
+        </p:spPr>
+        <p:style>
+          <a:lnRef idx="0">
+            <a:scrgbClr r="0" g="0" b="0"/>
+          </a:lnRef>
+          <a:fillRef idx="0">
+            <a:scrgbClr r="0" g="0" b="0"/>
+          </a:fillRef>
+          <a:effectRef idx="0">
+            <a:scrgbClr r="0" g="0" b="0"/>
+          </a:effectRef>
+          <a:fontRef idx="minor">
+            <a:schemeClr val="dk1"/>
+          </a:fontRef>
+        </p:style>
+        <p:txBody>
+          <a:bodyPr vert="horz" lIns="91440" tIns="45720" rIns="91440" bIns="45720" rtlCol="0" anchor="b">
+            <a:normAutofit fontScale="85000" lnSpcReduction="20000"/>
+          </a:bodyPr>
+          <a:lstStyle>
+            <a:lvl1pPr algn="ctr" defTabSz="457200" rtl="0" eaLnBrk="1" latinLnBrk="0" hangingPunct="1">
+              <a:spcBef>
+                <a:spcPct val="0"/>
+              </a:spcBef>
+              <a:buNone/>
+              <a:defRPr kumimoji="1" sz="6000" kern="1200">
+                <a:ln>
+                  <a:solidFill>
+                    <a:schemeClr val="bg1">
+                      <a:lumMod val="75000"/>
+                      <a:lumOff val="25000"/>
+                      <a:alpha val="10000"/>
+                    </a:schemeClr>
+                  </a:solidFill>
+                </a:ln>
+                <a:solidFill>
+                  <a:schemeClr val="tx1"/>
+                </a:solidFill>
+                <a:effectLst>
+                  <a:outerShdw blurRad="9525" dist="25400" dir="14640000" algn="tl" rotWithShape="0">
+                    <a:schemeClr val="bg1">
+                      <a:alpha val="30000"/>
+                    </a:schemeClr>
+                  </a:outerShdw>
+                </a:effectLst>
+                <a:latin typeface="+mj-lt"/>
+                <a:ea typeface="+mj-ea"/>
+                <a:cs typeface="Trebuchet MS"/>
+              </a:defRPr>
+            </a:lvl1pPr>
+            <a:lvl2pPr eaLnBrk="1" hangingPunct="1">
+              <a:defRPr kumimoji="1">
+                <a:solidFill>
+                  <a:schemeClr val="tx2"/>
+                </a:solidFill>
+              </a:defRPr>
+            </a:lvl2pPr>
+            <a:lvl3pPr eaLnBrk="1" hangingPunct="1">
+              <a:defRPr kumimoji="1">
+                <a:solidFill>
+                  <a:schemeClr val="tx2"/>
+                </a:solidFill>
+              </a:defRPr>
+            </a:lvl3pPr>
+            <a:lvl4pPr eaLnBrk="1" hangingPunct="1">
+              <a:defRPr kumimoji="1">
+                <a:solidFill>
+                  <a:schemeClr val="tx2"/>
+                </a:solidFill>
+              </a:defRPr>
+            </a:lvl4pPr>
+            <a:lvl5pPr eaLnBrk="1" hangingPunct="1">
+              <a:defRPr kumimoji="1">
+                <a:solidFill>
+                  <a:schemeClr val="tx2"/>
+                </a:solidFill>
+              </a:defRPr>
+            </a:lvl5pPr>
+            <a:lvl6pPr eaLnBrk="1" hangingPunct="1">
+              <a:defRPr kumimoji="1">
+                <a:solidFill>
+                  <a:schemeClr val="tx2"/>
+                </a:solidFill>
+              </a:defRPr>
+            </a:lvl6pPr>
+            <a:lvl7pPr eaLnBrk="1" hangingPunct="1">
+              <a:defRPr kumimoji="1">
+                <a:solidFill>
+                  <a:schemeClr val="tx2"/>
+                </a:solidFill>
+              </a:defRPr>
+            </a:lvl7pPr>
+            <a:lvl8pPr eaLnBrk="1" hangingPunct="1">
+              <a:defRPr kumimoji="1">
+                <a:solidFill>
+                  <a:schemeClr val="tx2"/>
+                </a:solidFill>
+              </a:defRPr>
+            </a:lvl8pPr>
+            <a:lvl9pPr eaLnBrk="1" hangingPunct="1">
+              <a:defRPr kumimoji="1">
+                <a:solidFill>
+                  <a:schemeClr val="tx2"/>
+                </a:solidFill>
+              </a:defRPr>
+            </a:lvl9pPr>
+          </a:lstStyle>
+          <a:p>
+            <a:r>
+              <a:rPr lang="ja-JP" altLang="en-US" sz="2800" dirty="0">
+                <a:solidFill>
+                  <a:schemeClr val="bg1">
+                    <a:lumMod val="95000"/>
+                    <a:lumOff val="5000"/>
+                  </a:schemeClr>
+                </a:solidFill>
+              </a:rPr>
+              <a:t>ボタンを</a:t>
+            </a:r>
+            <a:endParaRPr lang="en-US" altLang="ja-JP" sz="2800" dirty="0">
+              <a:solidFill>
+                <a:schemeClr val="bg1">
+                  <a:lumMod val="95000"/>
+                  <a:lumOff val="5000"/>
+                </a:schemeClr>
+              </a:solidFill>
+            </a:endParaRPr>
+          </a:p>
+          <a:p>
+            <a:r>
+              <a:rPr lang="ja-JP" altLang="en-US" sz="2800" dirty="0">
+                <a:solidFill>
+                  <a:schemeClr val="bg1">
+                    <a:lumMod val="95000"/>
+                    <a:lumOff val="5000"/>
+                  </a:schemeClr>
+                </a:solidFill>
+              </a:rPr>
+              <a:t>押したら</a:t>
+            </a:r>
+            <a:r>
+              <a:rPr lang="en-US" altLang="ja-JP" sz="2800" dirty="0">
+                <a:solidFill>
+                  <a:schemeClr val="bg1">
+                    <a:lumMod val="95000"/>
+                    <a:lumOff val="5000"/>
+                  </a:schemeClr>
+                </a:solidFill>
+              </a:rPr>
+              <a:t>START</a:t>
+            </a:r>
+            <a:endParaRPr lang="ja-JP" altLang="en-US" sz="2800" dirty="0">
+              <a:solidFill>
+                <a:schemeClr val="bg1">
+                  <a:lumMod val="95000"/>
+                  <a:lumOff val="5000"/>
+                </a:schemeClr>
+              </a:solidFill>
+            </a:endParaRPr>
+          </a:p>
+        </p:txBody>
+      </p:sp>
+    </p:spTree>
+    <p:extLst>
+      <p:ext uri="{BB962C8B-B14F-4D97-AF65-F5344CB8AC3E}">
+        <p14:creationId xmlns:p14="http://schemas.microsoft.com/office/powerpoint/2010/main" val="4128893925"/>
+      </p:ext>
+    </p:extLst>
+  </p:cSld>
+  <p:clrMapOvr>
+    <a:masterClrMapping/>
+  </p:clrMapOvr>
+</p:sld>
+</file>
+
+<file path=ppt/slides/slide3.xml><?xml version="1.0" encoding="utf-8"?>
+<p:sld xmlns:a="http://schemas.openxmlformats.org/drawingml/2006/main" xmlns:r="http://schemas.openxmlformats.org/officeDocument/2006/relationships" xmlns:p="http://schemas.openxmlformats.org/presentationml/2006/main">
+  <p:cSld>
+    <p:spTree>
+      <p:nvGrpSpPr>
+        <p:cNvPr id="1" name=""/>
+        <p:cNvGrpSpPr/>
+        <p:nvPr/>
+      </p:nvGrpSpPr>
+      <p:grpSpPr>
+        <a:xfrm>
+          <a:off x="0" y="0"/>
+          <a:ext cx="0" cy="0"/>
+          <a:chOff x="0" y="0"/>
+          <a:chExt cx="0" cy="0"/>
+        </a:xfrm>
+      </p:grpSpPr>
+      <p:sp>
+        <p:nvSpPr>
+          <p:cNvPr id="2" name="タイトル 1">
+            <a:extLst>
+              <a:ext uri="{FF2B5EF4-FFF2-40B4-BE49-F238E27FC236}">
+                <a16:creationId xmlns:a16="http://schemas.microsoft.com/office/drawing/2014/main" id="{9C4687D8-9EDE-44C2-8F29-456FCB682CC8}"/>
+              </a:ext>
+            </a:extLst>
+          </p:cNvPr>
+          <p:cNvSpPr>
+            <a:spLocks noGrp="1"/>
+          </p:cNvSpPr>
+          <p:nvPr>
+            <p:ph type="ctrTitle"/>
+          </p:nvPr>
+        </p:nvSpPr>
+        <p:spPr>
+          <a:xfrm>
+            <a:off x="1370693" y="1769540"/>
+            <a:ext cx="9440034" cy="1213503"/>
+          </a:xfrm>
+        </p:spPr>
+        <p:txBody>
+          <a:bodyPr>
+            <a:normAutofit/>
+          </a:bodyPr>
+          <a:lstStyle/>
+          <a:p>
+            <a:r>
+              <a:rPr lang="en-US" altLang="ja-JP" sz="7200" dirty="0"/>
+              <a:t>Catch</a:t>
+            </a:r>
+            <a:r>
+              <a:rPr lang="ja-JP" altLang="en-US" sz="7200" dirty="0"/>
+              <a:t> </a:t>
+            </a:r>
+            <a:r>
+              <a:rPr lang="en-US" altLang="ja-JP" sz="7200" dirty="0"/>
+              <a:t>the </a:t>
+            </a:r>
+            <a:r>
+              <a:rPr lang="ja-JP" altLang="en-US" sz="7200" dirty="0">
                 <a:latin typeface="HG丸ｺﾞｼｯｸM-PRO" panose="020F0600000000000000" pitchFamily="50" charset="-128"/>
                 <a:ea typeface="HG丸ｺﾞｼｯｸM-PRO" panose="020F0600000000000000" pitchFamily="50" charset="-128"/>
               </a:rPr>
@@ -7437,7 +10025,7 @@
 </p:sld>
 </file>
 
-<file path=ppt/slides/slide2.xml><?xml version="1.0" encoding="utf-8"?>
+<file path=ppt/slides/slide4.xml><?xml version="1.0" encoding="utf-8"?>
 <p:sld xmlns:a="http://schemas.openxmlformats.org/drawingml/2006/main" xmlns:r="http://schemas.openxmlformats.org/officeDocument/2006/relationships" xmlns:p="http://schemas.openxmlformats.org/presentationml/2006/main">
   <p:cSld>
     <p:spTree>

--- a/Dorokei/Documents/タイトル画面・説明画面案（イメージ）.pptx
+++ b/Dorokei/Documents/タイトル画面・説明画面案（イメージ）.pptx
@@ -9548,7 +9548,7 @@
 </file>
 
 <file path=ppt/slides/slide3.xml><?xml version="1.0" encoding="utf-8"?>
-<p:sld xmlns:a="http://schemas.openxmlformats.org/drawingml/2006/main" xmlns:r="http://schemas.openxmlformats.org/officeDocument/2006/relationships" xmlns:p="http://schemas.openxmlformats.org/presentationml/2006/main">
+<p:sld xmlns:a="http://schemas.openxmlformats.org/drawingml/2006/main" xmlns:r="http://schemas.openxmlformats.org/officeDocument/2006/relationships" xmlns:p="http://schemas.openxmlformats.org/presentationml/2006/main" show="0">
   <p:cSld>
     <p:spTree>
       <p:nvGrpSpPr>
@@ -10026,7 +10026,7 @@
 </file>
 
 <file path=ppt/slides/slide4.xml><?xml version="1.0" encoding="utf-8"?>
-<p:sld xmlns:a="http://schemas.openxmlformats.org/drawingml/2006/main" xmlns:r="http://schemas.openxmlformats.org/officeDocument/2006/relationships" xmlns:p="http://schemas.openxmlformats.org/presentationml/2006/main">
+<p:sld xmlns:a="http://schemas.openxmlformats.org/drawingml/2006/main" xmlns:r="http://schemas.openxmlformats.org/officeDocument/2006/relationships" xmlns:p="http://schemas.openxmlformats.org/presentationml/2006/main" show="0">
   <p:cSld>
     <p:spTree>
       <p:nvGrpSpPr>

--- a/Dorokei/Documents/タイトル画面・説明画面案（イメージ）.pptx
+++ b/Dorokei/Documents/タイトル画面・説明画面案（イメージ）.pptx
@@ -7247,68 +7247,14 @@
         </p:blipFill>
         <p:spPr>
           <a:xfrm>
-            <a:off x="-1" y="0"/>
-            <a:ext cx="12192001" cy="6858000"/>
+            <a:off x="0" y="0"/>
+            <a:ext cx="12192001" cy="6936940"/>
           </a:xfrm>
           <a:prstGeom prst="rect">
             <a:avLst/>
           </a:prstGeom>
         </p:spPr>
       </p:pic>
-      <p:sp>
-        <p:nvSpPr>
-          <p:cNvPr id="2" name="タイトル 1">
-            <a:extLst>
-              <a:ext uri="{FF2B5EF4-FFF2-40B4-BE49-F238E27FC236}">
-                <a16:creationId xmlns:a16="http://schemas.microsoft.com/office/drawing/2014/main" id="{9C4687D8-9EDE-44C2-8F29-456FCB682CC8}"/>
-              </a:ext>
-            </a:extLst>
-          </p:cNvPr>
-          <p:cNvSpPr>
-            <a:spLocks noGrp="1"/>
-          </p:cNvSpPr>
-          <p:nvPr>
-            <p:ph type="ctrTitle"/>
-          </p:nvPr>
-        </p:nvSpPr>
-        <p:spPr>
-          <a:xfrm>
-            <a:off x="1370693" y="1769540"/>
-            <a:ext cx="9440034" cy="1213503"/>
-          </a:xfrm>
-        </p:spPr>
-        <p:txBody>
-          <a:bodyPr>
-            <a:normAutofit/>
-          </a:bodyPr>
-          <a:lstStyle/>
-          <a:p>
-            <a:r>
-              <a:rPr lang="en-US" altLang="ja-JP" sz="7200" dirty="0"/>
-              <a:t>Catch</a:t>
-            </a:r>
-            <a:r>
-              <a:rPr lang="ja-JP" altLang="en-US" sz="7200" dirty="0"/>
-              <a:t> </a:t>
-            </a:r>
-            <a:r>
-              <a:rPr lang="en-US" altLang="ja-JP" sz="7200" dirty="0"/>
-              <a:t>the </a:t>
-            </a:r>
-            <a:r>
-              <a:rPr lang="ja-JP" altLang="en-US" sz="7200" dirty="0">
-                <a:latin typeface="HG丸ｺﾞｼｯｸM-PRO" panose="020F0600000000000000" pitchFamily="50" charset="-128"/>
-                <a:ea typeface="HG丸ｺﾞｼｯｸM-PRO" panose="020F0600000000000000" pitchFamily="50" charset="-128"/>
-              </a:rPr>
-              <a:t>☆</a:t>
-            </a:r>
-            <a:endParaRPr kumimoji="1" lang="ja-JP" altLang="en-US" sz="7200" dirty="0">
-              <a:latin typeface="HG丸ｺﾞｼｯｸM-PRO" panose="020F0600000000000000" pitchFamily="50" charset="-128"/>
-              <a:ea typeface="HG丸ｺﾞｼｯｸM-PRO" panose="020F0600000000000000" pitchFamily="50" charset="-128"/>
-            </a:endParaRPr>
-          </a:p>
-        </p:txBody>
-      </p:sp>
       <p:pic>
         <p:nvPicPr>
           <p:cNvPr id="5" name="Picture 2" descr="怪盗のシルエットイラスト">
@@ -7366,141 +7312,6 @@
           </a:extLst>
         </p:spPr>
       </p:pic>
-      <p:grpSp>
-        <p:nvGrpSpPr>
-          <p:cNvPr id="8" name="グループ化 7">
-            <a:extLst>
-              <a:ext uri="{FF2B5EF4-FFF2-40B4-BE49-F238E27FC236}">
-                <a16:creationId xmlns:a16="http://schemas.microsoft.com/office/drawing/2014/main" id="{226FF8FF-5F66-4471-8F74-2DADCE5DC9DB}"/>
-              </a:ext>
-            </a:extLst>
-          </p:cNvPr>
-          <p:cNvGrpSpPr/>
-          <p:nvPr/>
-        </p:nvGrpSpPr>
-        <p:grpSpPr>
-          <a:xfrm>
-            <a:off x="2744100" y="4251052"/>
-            <a:ext cx="6778752" cy="2606948"/>
-            <a:chOff x="2587370" y="3633216"/>
-            <a:chExt cx="6081141" cy="3224784"/>
-          </a:xfrm>
-        </p:grpSpPr>
-        <p:pic>
-          <p:nvPicPr>
-            <p:cNvPr id="2050" name="Picture 2" descr="「犯行予告　フリー素材」の画像検索結果">
-              <a:extLst>
-                <a:ext uri="{FF2B5EF4-FFF2-40B4-BE49-F238E27FC236}">
-                  <a16:creationId xmlns:a16="http://schemas.microsoft.com/office/drawing/2014/main" id="{D8C3A3FE-9D3E-46E3-9205-92D6942EB668}"/>
-                </a:ext>
-              </a:extLst>
-            </p:cNvPr>
-            <p:cNvPicPr>
-              <a:picLocks noChangeAspect="1" noChangeArrowheads="1"/>
-            </p:cNvPicPr>
-            <p:nvPr/>
-          </p:nvPicPr>
-          <p:blipFill>
-            <a:blip r:embed="rId6">
-              <a:extLst>
-                <a:ext uri="{BEBA8EAE-BF5A-486C-A8C5-ECC9F3942E4B}">
-                  <a14:imgProps xmlns:a14="http://schemas.microsoft.com/office/drawing/2010/main">
-                    <a14:imgLayer r:embed="rId7">
-                      <a14:imgEffect>
-                        <a14:backgroundRemoval t="10000" b="99706" l="10000" r="90000">
-                          <a14:foregroundMark x1="49216" y1="77941" x2="48824" y2="99706"/>
-                        </a14:backgroundRemoval>
-                      </a14:imgEffect>
-                    </a14:imgLayer>
-                  </a14:imgProps>
-                </a:ext>
-                <a:ext uri="{28A0092B-C50C-407E-A947-70E740481C1C}">
-                  <a14:useLocalDpi xmlns:a14="http://schemas.microsoft.com/office/drawing/2010/main" val="0"/>
-                </a:ext>
-              </a:extLst>
-            </a:blip>
-            <a:srcRect/>
-            <a:stretch>
-              <a:fillRect/>
-            </a:stretch>
-          </p:blipFill>
-          <p:spPr bwMode="auto">
-            <a:xfrm>
-              <a:off x="2587370" y="3633216"/>
-              <a:ext cx="6081141" cy="3224784"/>
-            </a:xfrm>
-            <a:prstGeom prst="rect">
-              <a:avLst/>
-            </a:prstGeom>
-            <a:noFill/>
-            <a:extLst>
-              <a:ext uri="{909E8E84-426E-40DD-AFC4-6F175D3DCCD1}">
-                <a14:hiddenFill xmlns:a14="http://schemas.microsoft.com/office/drawing/2010/main">
-                  <a:solidFill>
-                    <a:srgbClr val="FFFFFF"/>
-                  </a:solidFill>
-                </a14:hiddenFill>
-              </a:ext>
-            </a:extLst>
-          </p:spPr>
-        </p:pic>
-        <p:pic>
-          <p:nvPicPr>
-            <p:cNvPr id="9" name="Picture 2" descr="「犯行予告　フリー素材」の画像検索結果">
-              <a:extLst>
-                <a:ext uri="{FF2B5EF4-FFF2-40B4-BE49-F238E27FC236}">
-                  <a16:creationId xmlns:a16="http://schemas.microsoft.com/office/drawing/2014/main" id="{957542D3-48E9-4F29-A40F-A39F105FF774}"/>
-                </a:ext>
-              </a:extLst>
-            </p:cNvPr>
-            <p:cNvPicPr>
-              <a:picLocks noChangeAspect="1" noChangeArrowheads="1"/>
-            </p:cNvPicPr>
-            <p:nvPr/>
-          </p:nvPicPr>
-          <p:blipFill rotWithShape="1">
-            <a:blip r:embed="rId6">
-              <a:extLst>
-                <a:ext uri="{BEBA8EAE-BF5A-486C-A8C5-ECC9F3942E4B}">
-                  <a14:imgProps xmlns:a14="http://schemas.microsoft.com/office/drawing/2010/main">
-                    <a14:imgLayer r:embed="rId7">
-                      <a14:imgEffect>
-                        <a14:backgroundRemoval t="10000" b="99706" l="10000" r="90000">
-                          <a14:foregroundMark x1="49216" y1="77941" x2="48824" y2="99706"/>
-                        </a14:backgroundRemoval>
-                      </a14:imgEffect>
-                    </a14:imgLayer>
-                  </a14:imgProps>
-                </a:ext>
-                <a:ext uri="{28A0092B-C50C-407E-A947-70E740481C1C}">
-                  <a14:useLocalDpi xmlns:a14="http://schemas.microsoft.com/office/drawing/2010/main" val="0"/>
-                </a:ext>
-              </a:extLst>
-            </a:blip>
-            <a:srcRect l="19103" t="12665" r="22755" b="75614"/>
-            <a:stretch/>
-          </p:blipFill>
-          <p:spPr bwMode="auto">
-            <a:xfrm>
-              <a:off x="3840479" y="4023360"/>
-              <a:ext cx="3535681" cy="1682496"/>
-            </a:xfrm>
-            <a:prstGeom prst="rect">
-              <a:avLst/>
-            </a:prstGeom>
-            <a:noFill/>
-            <a:extLst>
-              <a:ext uri="{909E8E84-426E-40DD-AFC4-6F175D3DCCD1}">
-                <a14:hiddenFill xmlns:a14="http://schemas.microsoft.com/office/drawing/2010/main">
-                  <a:solidFill>
-                    <a:srgbClr val="FFFFFF"/>
-                  </a:solidFill>
-                </a14:hiddenFill>
-              </a:ext>
-            </a:extLst>
-          </p:spPr>
-        </p:pic>
-      </p:grpSp>
       <p:sp>
         <p:nvSpPr>
           <p:cNvPr id="11" name="タイトル 1">
@@ -7717,7 +7528,7 @@
           </p:cNvPicPr>
           <p:nvPr/>
         </p:nvPicPr>
-        <p:blipFill>
+        <p:blipFill rotWithShape="1">
           <a:blip r:embed="rId3">
             <a:extLst>
               <a:ext uri="{28A0092B-C50C-407E-A947-70E740481C1C}">
@@ -7725,14 +7536,48 @@
               </a:ext>
             </a:extLst>
           </a:blip>
-          <a:stretch>
-            <a:fillRect/>
-          </a:stretch>
+          <a:srcRect l="3865" t="42657" r="8889" b="39275"/>
+          <a:stretch/>
         </p:blipFill>
         <p:spPr>
           <a:xfrm>
-            <a:off x="2940551" y="49338"/>
-            <a:ext cx="6808662" cy="6808662"/>
+            <a:off x="3125845" y="2177455"/>
+            <a:ext cx="5940310" cy="1230165"/>
+          </a:xfrm>
+          <a:prstGeom prst="rect">
+            <a:avLst/>
+          </a:prstGeom>
+        </p:spPr>
+      </p:pic>
+      <p:pic>
+        <p:nvPicPr>
+          <p:cNvPr id="4" name="図 3">
+            <a:extLst>
+              <a:ext uri="{FF2B5EF4-FFF2-40B4-BE49-F238E27FC236}">
+                <a16:creationId xmlns:a16="http://schemas.microsoft.com/office/drawing/2014/main" id="{BB73913F-6706-4F3D-8C97-FAE39783F17A}"/>
+              </a:ext>
+            </a:extLst>
+          </p:cNvPr>
+          <p:cNvPicPr>
+            <a:picLocks noChangeAspect="1"/>
+          </p:cNvPicPr>
+          <p:nvPr/>
+        </p:nvPicPr>
+        <p:blipFill rotWithShape="1">
+          <a:blip r:embed="rId6">
+            <a:extLst>
+              <a:ext uri="{28A0092B-C50C-407E-A947-70E740481C1C}">
+                <a14:useLocalDpi xmlns:a14="http://schemas.microsoft.com/office/drawing/2010/main" val="0"/>
+              </a:ext>
+            </a:extLst>
+          </a:blip>
+          <a:srcRect l="31396" t="43887" r="31995" b="46719"/>
+          <a:stretch/>
+        </p:blipFill>
+        <p:spPr>
+          <a:xfrm>
+            <a:off x="4685994" y="4524580"/>
+            <a:ext cx="2820012" cy="723625"/>
           </a:xfrm>
           <a:prstGeom prst="rect">
             <a:avLst/>

--- a/Dorokei/Documents/タイトル画面・説明画面案（イメージ）.pptx
+++ b/Dorokei/Documents/タイトル画面・説明画面案（イメージ）.pptx
@@ -8387,7 +8387,7 @@
         </p:nvSpPr>
         <p:spPr>
           <a:xfrm>
-            <a:off x="377162" y="1383323"/>
+            <a:off x="6139856" y="1211046"/>
             <a:ext cx="5089700" cy="690549"/>
           </a:xfrm>
           <a:prstGeom prst="rect">
@@ -8532,7 +8532,7 @@
         </p:nvSpPr>
         <p:spPr>
           <a:xfrm>
-            <a:off x="6036475" y="1375507"/>
+            <a:off x="359301" y="1211046"/>
             <a:ext cx="5713046" cy="690549"/>
           </a:xfrm>
           <a:prstGeom prst="rect">
@@ -8714,7 +8714,7 @@
         </p:nvSpPr>
         <p:spPr>
           <a:xfrm>
-            <a:off x="6095998" y="2124945"/>
+            <a:off x="438560" y="1960484"/>
             <a:ext cx="5611446" cy="4294555"/>
           </a:xfrm>
           <a:prstGeom prst="rect">
@@ -8976,7 +8976,7 @@
         </p:nvSpPr>
         <p:spPr>
           <a:xfrm>
-            <a:off x="398584" y="2110154"/>
+            <a:off x="6141542" y="1960484"/>
             <a:ext cx="5744307" cy="4360984"/>
           </a:xfrm>
           <a:prstGeom prst="rect">
@@ -9379,6 +9379,78 @@
           </a:p>
         </p:txBody>
       </p:sp>
+      <p:pic>
+        <p:nvPicPr>
+          <p:cNvPr id="4" name="図 3">
+            <a:extLst>
+              <a:ext uri="{FF2B5EF4-FFF2-40B4-BE49-F238E27FC236}">
+                <a16:creationId xmlns:a16="http://schemas.microsoft.com/office/drawing/2014/main" id="{DA28E872-4577-4623-9FE0-EFA7B1F92DB5}"/>
+              </a:ext>
+            </a:extLst>
+          </p:cNvPr>
+          <p:cNvPicPr>
+            <a:picLocks noChangeAspect="1"/>
+          </p:cNvPicPr>
+          <p:nvPr/>
+        </p:nvPicPr>
+        <p:blipFill>
+          <a:blip r:embed="rId8">
+            <a:extLst>
+              <a:ext uri="{28A0092B-C50C-407E-A947-70E740481C1C}">
+                <a14:useLocalDpi xmlns:a14="http://schemas.microsoft.com/office/drawing/2010/main" val="0"/>
+              </a:ext>
+            </a:extLst>
+          </a:blip>
+          <a:stretch>
+            <a:fillRect/>
+          </a:stretch>
+        </p:blipFill>
+        <p:spPr>
+          <a:xfrm>
+            <a:off x="1662658" y="4804348"/>
+            <a:ext cx="1731363" cy="1731363"/>
+          </a:xfrm>
+          <a:prstGeom prst="rect">
+            <a:avLst/>
+          </a:prstGeom>
+        </p:spPr>
+      </p:pic>
+      <p:pic>
+        <p:nvPicPr>
+          <p:cNvPr id="22" name="図 21">
+            <a:extLst>
+              <a:ext uri="{FF2B5EF4-FFF2-40B4-BE49-F238E27FC236}">
+                <a16:creationId xmlns:a16="http://schemas.microsoft.com/office/drawing/2014/main" id="{17DF289E-3A41-4A76-A982-782A879A2085}"/>
+              </a:ext>
+            </a:extLst>
+          </p:cNvPr>
+          <p:cNvPicPr>
+            <a:picLocks noChangeAspect="1"/>
+          </p:cNvPicPr>
+          <p:nvPr/>
+        </p:nvPicPr>
+        <p:blipFill>
+          <a:blip r:embed="rId8">
+            <a:extLst>
+              <a:ext uri="{28A0092B-C50C-407E-A947-70E740481C1C}">
+                <a14:useLocalDpi xmlns:a14="http://schemas.microsoft.com/office/drawing/2010/main" val="0"/>
+              </a:ext>
+            </a:extLst>
+          </a:blip>
+          <a:stretch>
+            <a:fillRect/>
+          </a:stretch>
+        </p:blipFill>
+        <p:spPr>
+          <a:xfrm>
+            <a:off x="480934" y="4784361"/>
+            <a:ext cx="1731363" cy="1731363"/>
+          </a:xfrm>
+          <a:prstGeom prst="rect">
+            <a:avLst/>
+          </a:prstGeom>
+        </p:spPr>
+      </p:pic>
     </p:spTree>
     <p:extLst>
       <p:ext uri="{BB962C8B-B14F-4D97-AF65-F5344CB8AC3E}">

--- a/Dorokei/Documents/タイトル画面・説明画面案（イメージ）.pptx
+++ b/Dorokei/Documents/タイトル画面・説明画面案（イメージ）.pptx
@@ -7584,6 +7584,152 @@
           </a:prstGeom>
         </p:spPr>
       </p:pic>
+      <p:pic>
+        <p:nvPicPr>
+          <p:cNvPr id="13" name="図 12">
+            <a:extLst>
+              <a:ext uri="{FF2B5EF4-FFF2-40B4-BE49-F238E27FC236}">
+                <a16:creationId xmlns:a16="http://schemas.microsoft.com/office/drawing/2014/main" id="{E567D487-9DE1-448D-9BB7-7AEE63BE7282}"/>
+              </a:ext>
+            </a:extLst>
+          </p:cNvPr>
+          <p:cNvPicPr>
+            <a:picLocks noChangeAspect="1"/>
+          </p:cNvPicPr>
+          <p:nvPr/>
+        </p:nvPicPr>
+        <p:blipFill>
+          <a:blip r:embed="rId7">
+            <a:extLst>
+              <a:ext uri="{28A0092B-C50C-407E-A947-70E740481C1C}">
+                <a14:useLocalDpi xmlns:a14="http://schemas.microsoft.com/office/drawing/2010/main" val="0"/>
+              </a:ext>
+            </a:extLst>
+          </a:blip>
+          <a:stretch>
+            <a:fillRect/>
+          </a:stretch>
+        </p:blipFill>
+        <p:spPr>
+          <a:xfrm>
+            <a:off x="1662658" y="4804348"/>
+            <a:ext cx="1731363" cy="1731363"/>
+          </a:xfrm>
+          <a:prstGeom prst="rect">
+            <a:avLst/>
+          </a:prstGeom>
+        </p:spPr>
+      </p:pic>
+      <p:pic>
+        <p:nvPicPr>
+          <p:cNvPr id="14" name="図 13">
+            <a:extLst>
+              <a:ext uri="{FF2B5EF4-FFF2-40B4-BE49-F238E27FC236}">
+                <a16:creationId xmlns:a16="http://schemas.microsoft.com/office/drawing/2014/main" id="{5724B8E5-14DE-49BD-B47B-1953FC29A5A3}"/>
+              </a:ext>
+            </a:extLst>
+          </p:cNvPr>
+          <p:cNvPicPr>
+            <a:picLocks noChangeAspect="1"/>
+          </p:cNvPicPr>
+          <p:nvPr/>
+        </p:nvPicPr>
+        <p:blipFill>
+          <a:blip r:embed="rId7">
+            <a:extLst>
+              <a:ext uri="{28A0092B-C50C-407E-A947-70E740481C1C}">
+                <a14:useLocalDpi xmlns:a14="http://schemas.microsoft.com/office/drawing/2010/main" val="0"/>
+              </a:ext>
+            </a:extLst>
+          </a:blip>
+          <a:stretch>
+            <a:fillRect/>
+          </a:stretch>
+        </p:blipFill>
+        <p:spPr>
+          <a:xfrm>
+            <a:off x="480934" y="4784361"/>
+            <a:ext cx="1731363" cy="1731363"/>
+          </a:xfrm>
+          <a:prstGeom prst="rect">
+            <a:avLst/>
+          </a:prstGeom>
+        </p:spPr>
+      </p:pic>
+      <p:pic>
+        <p:nvPicPr>
+          <p:cNvPr id="15" name="図 14">
+            <a:extLst>
+              <a:ext uri="{FF2B5EF4-FFF2-40B4-BE49-F238E27FC236}">
+                <a16:creationId xmlns:a16="http://schemas.microsoft.com/office/drawing/2014/main" id="{EEB7C577-68EE-4293-930E-AAF364D75C2D}"/>
+              </a:ext>
+            </a:extLst>
+          </p:cNvPr>
+          <p:cNvPicPr>
+            <a:picLocks noChangeAspect="1"/>
+          </p:cNvPicPr>
+          <p:nvPr/>
+        </p:nvPicPr>
+        <p:blipFill>
+          <a:blip r:embed="rId7">
+            <a:lum bright="70000" contrast="-70000"/>
+            <a:extLst>
+              <a:ext uri="{28A0092B-C50C-407E-A947-70E740481C1C}">
+                <a14:useLocalDpi xmlns:a14="http://schemas.microsoft.com/office/drawing/2010/main" val="0"/>
+              </a:ext>
+            </a:extLst>
+          </a:blip>
+          <a:stretch>
+            <a:fillRect/>
+          </a:stretch>
+        </p:blipFill>
+        <p:spPr>
+          <a:xfrm>
+            <a:off x="1680148" y="4799353"/>
+            <a:ext cx="1731363" cy="1731363"/>
+          </a:xfrm>
+          <a:prstGeom prst="rect">
+            <a:avLst/>
+          </a:prstGeom>
+        </p:spPr>
+      </p:pic>
+      <p:pic>
+        <p:nvPicPr>
+          <p:cNvPr id="16" name="図 15">
+            <a:extLst>
+              <a:ext uri="{FF2B5EF4-FFF2-40B4-BE49-F238E27FC236}">
+                <a16:creationId xmlns:a16="http://schemas.microsoft.com/office/drawing/2014/main" id="{F6AF6B96-FD34-4FAD-8E0F-A58A81AC1682}"/>
+              </a:ext>
+            </a:extLst>
+          </p:cNvPr>
+          <p:cNvPicPr>
+            <a:picLocks noChangeAspect="1"/>
+          </p:cNvPicPr>
+          <p:nvPr/>
+        </p:nvPicPr>
+        <p:blipFill>
+          <a:blip r:embed="rId7">
+            <a:lum bright="70000" contrast="-70000"/>
+            <a:extLst>
+              <a:ext uri="{28A0092B-C50C-407E-A947-70E740481C1C}">
+                <a14:useLocalDpi xmlns:a14="http://schemas.microsoft.com/office/drawing/2010/main" val="0"/>
+              </a:ext>
+            </a:extLst>
+          </a:blip>
+          <a:stretch>
+            <a:fillRect/>
+          </a:stretch>
+        </p:blipFill>
+        <p:spPr>
+          <a:xfrm>
+            <a:off x="479606" y="4779366"/>
+            <a:ext cx="1731363" cy="1731363"/>
+          </a:xfrm>
+          <a:prstGeom prst="rect">
+            <a:avLst/>
+          </a:prstGeom>
+        </p:spPr>
+      </p:pic>
     </p:spTree>
     <p:extLst>
       <p:ext uri="{BB962C8B-B14F-4D97-AF65-F5344CB8AC3E}">
@@ -8147,7 +8293,7 @@
         </p:nvSpPr>
         <p:spPr>
           <a:xfrm>
-            <a:off x="393659" y="297490"/>
+            <a:off x="423639" y="297490"/>
             <a:ext cx="11454787" cy="6137761"/>
           </a:xfrm>
           <a:prstGeom prst="rect">

--- a/Dorokei/Documents/タイトル画面・説明画面案（イメージ）.pptx
+++ b/Dorokei/Documents/タイトル画面・説明画面案（イメージ）.pptx
@@ -5,13 +5,14 @@
     <p:sldMasterId id="2147483750" r:id="rId1"/>
   </p:sldMasterIdLst>
   <p:notesMasterIdLst>
-    <p:notesMasterId r:id="rId6"/>
+    <p:notesMasterId r:id="rId7"/>
   </p:notesMasterIdLst>
   <p:sldIdLst>
     <p:sldId id="265" r:id="rId2"/>
     <p:sldId id="266" r:id="rId3"/>
-    <p:sldId id="263" r:id="rId4"/>
-    <p:sldId id="264" r:id="rId5"/>
+    <p:sldId id="267" r:id="rId4"/>
+    <p:sldId id="263" r:id="rId5"/>
+    <p:sldId id="264" r:id="rId6"/>
   </p:sldIdLst>
   <p:sldSz cx="12192000" cy="6858000"/>
   <p:notesSz cx="6858000" cy="9144000"/>
@@ -852,7 +853,7 @@
     </p:spTree>
     <p:extLst>
       <p:ext uri="{BB962C8B-B14F-4D97-AF65-F5344CB8AC3E}">
-        <p14:creationId xmlns:p14="http://schemas.microsoft.com/office/powerpoint/2010/main" val="1621054630"/>
+        <p14:creationId xmlns:p14="http://schemas.microsoft.com/office/powerpoint/2010/main" val="1021099478"/>
       </p:ext>
     </p:extLst>
   </p:cSld>
@@ -912,12 +913,25 @@
             </a:r>
             <a:r>
               <a:rPr kumimoji="1" lang="ja-JP" altLang="en-US" dirty="0"/>
-              <a:t>説明画面</a:t>
+              <a:t>タイトルイメージ</a:t>
             </a:r>
             <a:r>
               <a:rPr kumimoji="1" lang="en-US" altLang="ja-JP" dirty="0"/>
               <a:t>]</a:t>
             </a:r>
+            <a:r>
+              <a:rPr kumimoji="1" lang="ja-JP" altLang="en-US" dirty="0"/>
+              <a:t>　</a:t>
+            </a:r>
+            <a:r>
+              <a:rPr kumimoji="1" lang="en-US" altLang="ja-JP" dirty="0"/>
+              <a:t>※</a:t>
+            </a:r>
+            <a:r>
+              <a:rPr kumimoji="1" lang="ja-JP" altLang="en-US" dirty="0"/>
+              <a:t>できたら下記を実装（優先度低）</a:t>
+            </a:r>
+            <a:endParaRPr kumimoji="1" lang="en-US" altLang="ja-JP" dirty="0"/>
           </a:p>
           <a:p>
             <a:r>
@@ -952,6 +966,114 @@
             <a:fld id="{66F05C8A-B7AF-42A9-B723-C2044301B862}" type="slidenum">
               <a:rPr kumimoji="1" lang="ja-JP" altLang="en-US" smtClean="0"/>
               <a:t>4</a:t>
+            </a:fld>
+            <a:endParaRPr kumimoji="1" lang="ja-JP" altLang="en-US"/>
+          </a:p>
+        </p:txBody>
+      </p:sp>
+    </p:spTree>
+    <p:extLst>
+      <p:ext uri="{BB962C8B-B14F-4D97-AF65-F5344CB8AC3E}">
+        <p14:creationId xmlns:p14="http://schemas.microsoft.com/office/powerpoint/2010/main" val="1621054630"/>
+      </p:ext>
+    </p:extLst>
+  </p:cSld>
+  <p:clrMapOvr>
+    <a:masterClrMapping/>
+  </p:clrMapOvr>
+</p:notes>
+</file>
+
+<file path=ppt/notesSlides/notesSlide5.xml><?xml version="1.0" encoding="utf-8"?>
+<p:notes xmlns:a="http://schemas.openxmlformats.org/drawingml/2006/main" xmlns:r="http://schemas.openxmlformats.org/officeDocument/2006/relationships" xmlns:p="http://schemas.openxmlformats.org/presentationml/2006/main">
+  <p:cSld>
+    <p:spTree>
+      <p:nvGrpSpPr>
+        <p:cNvPr id="1" name=""/>
+        <p:cNvGrpSpPr/>
+        <p:nvPr/>
+      </p:nvGrpSpPr>
+      <p:grpSpPr>
+        <a:xfrm>
+          <a:off x="0" y="0"/>
+          <a:ext cx="0" cy="0"/>
+          <a:chOff x="0" y="0"/>
+          <a:chExt cx="0" cy="0"/>
+        </a:xfrm>
+      </p:grpSpPr>
+      <p:sp>
+        <p:nvSpPr>
+          <p:cNvPr id="2" name="スライド イメージ プレースホルダー 1"/>
+          <p:cNvSpPr>
+            <a:spLocks noGrp="1" noRot="1" noChangeAspect="1"/>
+          </p:cNvSpPr>
+          <p:nvPr>
+            <p:ph type="sldImg"/>
+          </p:nvPr>
+        </p:nvSpPr>
+        <p:spPr/>
+      </p:sp>
+      <p:sp>
+        <p:nvSpPr>
+          <p:cNvPr id="3" name="ノート プレースホルダー 2"/>
+          <p:cNvSpPr>
+            <a:spLocks noGrp="1"/>
+          </p:cNvSpPr>
+          <p:nvPr>
+            <p:ph type="body" idx="1"/>
+          </p:nvPr>
+        </p:nvSpPr>
+        <p:spPr/>
+        <p:txBody>
+          <a:bodyPr/>
+          <a:lstStyle/>
+          <a:p>
+            <a:r>
+              <a:rPr kumimoji="1" lang="en-US" altLang="ja-JP" dirty="0"/>
+              <a:t>[</a:t>
+            </a:r>
+            <a:r>
+              <a:rPr kumimoji="1" lang="ja-JP" altLang="en-US" dirty="0"/>
+              <a:t>説明画面</a:t>
+            </a:r>
+            <a:r>
+              <a:rPr kumimoji="1" lang="en-US" altLang="ja-JP" dirty="0"/>
+              <a:t>]</a:t>
+            </a:r>
+          </a:p>
+          <a:p>
+            <a:r>
+              <a:rPr kumimoji="1" lang="ja-JP" altLang="en-US" dirty="0"/>
+              <a:t>タイトル文字にアニメーション</a:t>
+            </a:r>
+            <a:endParaRPr kumimoji="1" lang="en-US" altLang="ja-JP" dirty="0"/>
+          </a:p>
+          <a:p>
+            <a:r>
+              <a:rPr kumimoji="1" lang="ja-JP" altLang="en-US" dirty="0"/>
+              <a:t>怪盗が少し右に動く</a:t>
+            </a:r>
+          </a:p>
+        </p:txBody>
+      </p:sp>
+      <p:sp>
+        <p:nvSpPr>
+          <p:cNvPr id="4" name="スライド番号プレースホルダー 3"/>
+          <p:cNvSpPr>
+            <a:spLocks noGrp="1"/>
+          </p:cNvSpPr>
+          <p:nvPr>
+            <p:ph type="sldNum" sz="quarter" idx="5"/>
+          </p:nvPr>
+        </p:nvSpPr>
+        <p:spPr/>
+        <p:txBody>
+          <a:bodyPr/>
+          <a:lstStyle/>
+          <a:p>
+            <a:fld id="{66F05C8A-B7AF-42A9-B723-C2044301B862}" type="slidenum">
+              <a:rPr kumimoji="1" lang="ja-JP" altLang="en-US" smtClean="0"/>
+              <a:t>5</a:t>
             </a:fld>
             <a:endParaRPr kumimoji="1" lang="ja-JP" altLang="en-US"/>
           </a:p>
@@ -9611,6 +9733,1690 @@
 </file>
 
 <file path=ppt/slides/slide3.xml><?xml version="1.0" encoding="utf-8"?>
+<p:sld xmlns:a="http://schemas.openxmlformats.org/drawingml/2006/main" xmlns:r="http://schemas.openxmlformats.org/officeDocument/2006/relationships" xmlns:p="http://schemas.openxmlformats.org/presentationml/2006/main">
+  <p:cSld>
+    <p:spTree>
+      <p:nvGrpSpPr>
+        <p:cNvPr id="1" name=""/>
+        <p:cNvGrpSpPr/>
+        <p:nvPr/>
+      </p:nvGrpSpPr>
+      <p:grpSpPr>
+        <a:xfrm>
+          <a:off x="0" y="0"/>
+          <a:ext cx="0" cy="0"/>
+          <a:chOff x="0" y="0"/>
+          <a:chExt cx="0" cy="0"/>
+        </a:xfrm>
+      </p:grpSpPr>
+      <p:pic>
+        <p:nvPicPr>
+          <p:cNvPr id="12" name="図 11">
+            <a:extLst>
+              <a:ext uri="{FF2B5EF4-FFF2-40B4-BE49-F238E27FC236}">
+                <a16:creationId xmlns:a16="http://schemas.microsoft.com/office/drawing/2014/main" id="{EBBF8884-881B-418E-8067-03188504E52E}"/>
+              </a:ext>
+            </a:extLst>
+          </p:cNvPr>
+          <p:cNvPicPr>
+            <a:picLocks noChangeAspect="1"/>
+          </p:cNvPicPr>
+          <p:nvPr/>
+        </p:nvPicPr>
+        <p:blipFill rotWithShape="1">
+          <a:blip r:embed="rId3">
+            <a:extLst>
+              <a:ext uri="{28A0092B-C50C-407E-A947-70E740481C1C}">
+                <a14:useLocalDpi xmlns:a14="http://schemas.microsoft.com/office/drawing/2010/main" val="0"/>
+              </a:ext>
+            </a:extLst>
+          </a:blip>
+          <a:srcRect b="66328"/>
+          <a:stretch/>
+        </p:blipFill>
+        <p:spPr>
+          <a:xfrm>
+            <a:off x="-1" y="0"/>
+            <a:ext cx="12192001" cy="6858000"/>
+          </a:xfrm>
+          <a:prstGeom prst="rect">
+            <a:avLst/>
+          </a:prstGeom>
+        </p:spPr>
+      </p:pic>
+      <p:sp>
+        <p:nvSpPr>
+          <p:cNvPr id="2" name="タイトル 1">
+            <a:extLst>
+              <a:ext uri="{FF2B5EF4-FFF2-40B4-BE49-F238E27FC236}">
+                <a16:creationId xmlns:a16="http://schemas.microsoft.com/office/drawing/2014/main" id="{9C4687D8-9EDE-44C2-8F29-456FCB682CC8}"/>
+              </a:ext>
+            </a:extLst>
+          </p:cNvPr>
+          <p:cNvSpPr>
+            <a:spLocks noGrp="1"/>
+          </p:cNvSpPr>
+          <p:nvPr>
+            <p:ph type="ctrTitle"/>
+          </p:nvPr>
+        </p:nvSpPr>
+        <p:spPr>
+          <a:xfrm>
+            <a:off x="1370693" y="1769540"/>
+            <a:ext cx="9440034" cy="1213503"/>
+          </a:xfrm>
+        </p:spPr>
+        <p:txBody>
+          <a:bodyPr>
+            <a:normAutofit/>
+          </a:bodyPr>
+          <a:lstStyle/>
+          <a:p>
+            <a:r>
+              <a:rPr lang="en-US" altLang="ja-JP" sz="7200" dirty="0"/>
+              <a:t>Catch</a:t>
+            </a:r>
+            <a:r>
+              <a:rPr lang="ja-JP" altLang="en-US" sz="7200" dirty="0"/>
+              <a:t> </a:t>
+            </a:r>
+            <a:r>
+              <a:rPr lang="en-US" altLang="ja-JP" sz="7200" dirty="0"/>
+              <a:t>the </a:t>
+            </a:r>
+            <a:r>
+              <a:rPr lang="ja-JP" altLang="en-US" sz="7200" dirty="0">
+                <a:latin typeface="HG丸ｺﾞｼｯｸM-PRO" panose="020F0600000000000000" pitchFamily="50" charset="-128"/>
+                <a:ea typeface="HG丸ｺﾞｼｯｸM-PRO" panose="020F0600000000000000" pitchFamily="50" charset="-128"/>
+              </a:rPr>
+              <a:t>☆</a:t>
+            </a:r>
+            <a:endParaRPr kumimoji="1" lang="ja-JP" altLang="en-US" sz="7200" dirty="0">
+              <a:latin typeface="HG丸ｺﾞｼｯｸM-PRO" panose="020F0600000000000000" pitchFamily="50" charset="-128"/>
+              <a:ea typeface="HG丸ｺﾞｼｯｸM-PRO" panose="020F0600000000000000" pitchFamily="50" charset="-128"/>
+            </a:endParaRPr>
+          </a:p>
+        </p:txBody>
+      </p:sp>
+      <p:grpSp>
+        <p:nvGrpSpPr>
+          <p:cNvPr id="8" name="グループ化 7">
+            <a:extLst>
+              <a:ext uri="{FF2B5EF4-FFF2-40B4-BE49-F238E27FC236}">
+                <a16:creationId xmlns:a16="http://schemas.microsoft.com/office/drawing/2014/main" id="{226FF8FF-5F66-4471-8F74-2DADCE5DC9DB}"/>
+              </a:ext>
+            </a:extLst>
+          </p:cNvPr>
+          <p:cNvGrpSpPr/>
+          <p:nvPr/>
+        </p:nvGrpSpPr>
+        <p:grpSpPr>
+          <a:xfrm>
+            <a:off x="2744100" y="4251052"/>
+            <a:ext cx="6778752" cy="2606948"/>
+            <a:chOff x="2587370" y="3633216"/>
+            <a:chExt cx="6081141" cy="3224784"/>
+          </a:xfrm>
+        </p:grpSpPr>
+        <p:pic>
+          <p:nvPicPr>
+            <p:cNvPr id="2050" name="Picture 2" descr="「犯行予告　フリー素材」の画像検索結果">
+              <a:extLst>
+                <a:ext uri="{FF2B5EF4-FFF2-40B4-BE49-F238E27FC236}">
+                  <a16:creationId xmlns:a16="http://schemas.microsoft.com/office/drawing/2014/main" id="{D8C3A3FE-9D3E-46E3-9205-92D6942EB668}"/>
+                </a:ext>
+              </a:extLst>
+            </p:cNvPr>
+            <p:cNvPicPr>
+              <a:picLocks noChangeAspect="1" noChangeArrowheads="1"/>
+            </p:cNvPicPr>
+            <p:nvPr/>
+          </p:nvPicPr>
+          <p:blipFill>
+            <a:blip r:embed="rId4">
+              <a:extLst>
+                <a:ext uri="{BEBA8EAE-BF5A-486C-A8C5-ECC9F3942E4B}">
+                  <a14:imgProps xmlns:a14="http://schemas.microsoft.com/office/drawing/2010/main">
+                    <a14:imgLayer r:embed="rId5">
+                      <a14:imgEffect>
+                        <a14:backgroundRemoval t="10000" b="99706" l="10000" r="90000">
+                          <a14:foregroundMark x1="49216" y1="77941" x2="48824" y2="99706"/>
+                        </a14:backgroundRemoval>
+                      </a14:imgEffect>
+                    </a14:imgLayer>
+                  </a14:imgProps>
+                </a:ext>
+                <a:ext uri="{28A0092B-C50C-407E-A947-70E740481C1C}">
+                  <a14:useLocalDpi xmlns:a14="http://schemas.microsoft.com/office/drawing/2010/main" val="0"/>
+                </a:ext>
+              </a:extLst>
+            </a:blip>
+            <a:srcRect/>
+            <a:stretch>
+              <a:fillRect/>
+            </a:stretch>
+          </p:blipFill>
+          <p:spPr bwMode="auto">
+            <a:xfrm>
+              <a:off x="2587370" y="3633216"/>
+              <a:ext cx="6081141" cy="3224784"/>
+            </a:xfrm>
+            <a:prstGeom prst="rect">
+              <a:avLst/>
+            </a:prstGeom>
+            <a:noFill/>
+            <a:extLst>
+              <a:ext uri="{909E8E84-426E-40DD-AFC4-6F175D3DCCD1}">
+                <a14:hiddenFill xmlns:a14="http://schemas.microsoft.com/office/drawing/2010/main">
+                  <a:solidFill>
+                    <a:srgbClr val="FFFFFF"/>
+                  </a:solidFill>
+                </a14:hiddenFill>
+              </a:ext>
+            </a:extLst>
+          </p:spPr>
+        </p:pic>
+        <p:pic>
+          <p:nvPicPr>
+            <p:cNvPr id="9" name="Picture 2" descr="「犯行予告　フリー素材」の画像検索結果">
+              <a:extLst>
+                <a:ext uri="{FF2B5EF4-FFF2-40B4-BE49-F238E27FC236}">
+                  <a16:creationId xmlns:a16="http://schemas.microsoft.com/office/drawing/2014/main" id="{957542D3-48E9-4F29-A40F-A39F105FF774}"/>
+                </a:ext>
+              </a:extLst>
+            </p:cNvPr>
+            <p:cNvPicPr>
+              <a:picLocks noChangeAspect="1" noChangeArrowheads="1"/>
+            </p:cNvPicPr>
+            <p:nvPr/>
+          </p:nvPicPr>
+          <p:blipFill rotWithShape="1">
+            <a:blip r:embed="rId4">
+              <a:extLst>
+                <a:ext uri="{BEBA8EAE-BF5A-486C-A8C5-ECC9F3942E4B}">
+                  <a14:imgProps xmlns:a14="http://schemas.microsoft.com/office/drawing/2010/main">
+                    <a14:imgLayer r:embed="rId5">
+                      <a14:imgEffect>
+                        <a14:backgroundRemoval t="10000" b="99706" l="10000" r="90000">
+                          <a14:foregroundMark x1="49216" y1="77941" x2="48824" y2="99706"/>
+                        </a14:backgroundRemoval>
+                      </a14:imgEffect>
+                    </a14:imgLayer>
+                  </a14:imgProps>
+                </a:ext>
+                <a:ext uri="{28A0092B-C50C-407E-A947-70E740481C1C}">
+                  <a14:useLocalDpi xmlns:a14="http://schemas.microsoft.com/office/drawing/2010/main" val="0"/>
+                </a:ext>
+              </a:extLst>
+            </a:blip>
+            <a:srcRect l="19103" t="12665" r="22755" b="75614"/>
+            <a:stretch/>
+          </p:blipFill>
+          <p:spPr bwMode="auto">
+            <a:xfrm>
+              <a:off x="3840479" y="4023360"/>
+              <a:ext cx="3535681" cy="1682496"/>
+            </a:xfrm>
+            <a:prstGeom prst="rect">
+              <a:avLst/>
+            </a:prstGeom>
+            <a:noFill/>
+            <a:extLst>
+              <a:ext uri="{909E8E84-426E-40DD-AFC4-6F175D3DCCD1}">
+                <a14:hiddenFill xmlns:a14="http://schemas.microsoft.com/office/drawing/2010/main">
+                  <a:solidFill>
+                    <a:srgbClr val="FFFFFF"/>
+                  </a:solidFill>
+                </a14:hiddenFill>
+              </a:ext>
+            </a:extLst>
+          </p:spPr>
+        </p:pic>
+      </p:grpSp>
+      <p:sp>
+        <p:nvSpPr>
+          <p:cNvPr id="11" name="タイトル 1">
+            <a:extLst>
+              <a:ext uri="{FF2B5EF4-FFF2-40B4-BE49-F238E27FC236}">
+                <a16:creationId xmlns:a16="http://schemas.microsoft.com/office/drawing/2014/main" id="{181211A8-B52D-424F-97E6-9C8D811E2818}"/>
+              </a:ext>
+            </a:extLst>
+          </p:cNvPr>
+          <p:cNvSpPr txBox="1">
+            <a:spLocks/>
+          </p:cNvSpPr>
+          <p:nvPr/>
+        </p:nvSpPr>
+        <p:spPr>
+          <a:xfrm>
+            <a:off x="4064075" y="5039879"/>
+            <a:ext cx="4099031" cy="690549"/>
+          </a:xfrm>
+          <a:prstGeom prst="rect">
+            <a:avLst/>
+          </a:prstGeom>
+          <a:effectLst>
+            <a:outerShdw blurRad="25400" dir="17880000">
+              <a:srgbClr val="000000">
+                <a:alpha val="46000"/>
+              </a:srgbClr>
+            </a:outerShdw>
+          </a:effectLst>
+        </p:spPr>
+        <p:txBody>
+          <a:bodyPr vert="horz" lIns="91440" tIns="45720" rIns="91440" bIns="45720" rtlCol="0" anchor="b">
+            <a:normAutofit fontScale="85000" lnSpcReduction="20000"/>
+          </a:bodyPr>
+          <a:lstStyle>
+            <a:lvl1pPr algn="ctr" defTabSz="457200" rtl="0" eaLnBrk="1" latinLnBrk="0" hangingPunct="1">
+              <a:spcBef>
+                <a:spcPct val="0"/>
+              </a:spcBef>
+              <a:buNone/>
+              <a:defRPr kumimoji="1" sz="6000" kern="1200">
+                <a:ln>
+                  <a:solidFill>
+                    <a:schemeClr val="bg1">
+                      <a:lumMod val="75000"/>
+                      <a:lumOff val="25000"/>
+                      <a:alpha val="10000"/>
+                    </a:schemeClr>
+                  </a:solidFill>
+                </a:ln>
+                <a:solidFill>
+                  <a:schemeClr val="tx1"/>
+                </a:solidFill>
+                <a:effectLst>
+                  <a:outerShdw blurRad="9525" dist="25400" dir="14640000" algn="tl" rotWithShape="0">
+                    <a:schemeClr val="bg1">
+                      <a:alpha val="30000"/>
+                    </a:schemeClr>
+                  </a:outerShdw>
+                </a:effectLst>
+                <a:latin typeface="+mj-lt"/>
+                <a:ea typeface="+mj-ea"/>
+                <a:cs typeface="Trebuchet MS"/>
+              </a:defRPr>
+            </a:lvl1pPr>
+            <a:lvl2pPr eaLnBrk="1" hangingPunct="1">
+              <a:defRPr kumimoji="1">
+                <a:solidFill>
+                  <a:schemeClr val="tx2"/>
+                </a:solidFill>
+              </a:defRPr>
+            </a:lvl2pPr>
+            <a:lvl3pPr eaLnBrk="1" hangingPunct="1">
+              <a:defRPr kumimoji="1">
+                <a:solidFill>
+                  <a:schemeClr val="tx2"/>
+                </a:solidFill>
+              </a:defRPr>
+            </a:lvl3pPr>
+            <a:lvl4pPr eaLnBrk="1" hangingPunct="1">
+              <a:defRPr kumimoji="1">
+                <a:solidFill>
+                  <a:schemeClr val="tx2"/>
+                </a:solidFill>
+              </a:defRPr>
+            </a:lvl4pPr>
+            <a:lvl5pPr eaLnBrk="1" hangingPunct="1">
+              <a:defRPr kumimoji="1">
+                <a:solidFill>
+                  <a:schemeClr val="tx2"/>
+                </a:solidFill>
+              </a:defRPr>
+            </a:lvl5pPr>
+            <a:lvl6pPr eaLnBrk="1" hangingPunct="1">
+              <a:defRPr kumimoji="1">
+                <a:solidFill>
+                  <a:schemeClr val="tx2"/>
+                </a:solidFill>
+              </a:defRPr>
+            </a:lvl6pPr>
+            <a:lvl7pPr eaLnBrk="1" hangingPunct="1">
+              <a:defRPr kumimoji="1">
+                <a:solidFill>
+                  <a:schemeClr val="tx2"/>
+                </a:solidFill>
+              </a:defRPr>
+            </a:lvl7pPr>
+            <a:lvl8pPr eaLnBrk="1" hangingPunct="1">
+              <a:defRPr kumimoji="1">
+                <a:solidFill>
+                  <a:schemeClr val="tx2"/>
+                </a:solidFill>
+              </a:defRPr>
+            </a:lvl8pPr>
+            <a:lvl9pPr eaLnBrk="1" hangingPunct="1">
+              <a:defRPr kumimoji="1">
+                <a:solidFill>
+                  <a:schemeClr val="tx2"/>
+                </a:solidFill>
+              </a:defRPr>
+            </a:lvl9pPr>
+          </a:lstStyle>
+          <a:p>
+            <a:r>
+              <a:rPr lang="ja-JP" altLang="en-US" sz="2800" dirty="0">
+                <a:solidFill>
+                  <a:schemeClr val="bg1">
+                    <a:lumMod val="95000"/>
+                    <a:lumOff val="5000"/>
+                  </a:schemeClr>
+                </a:solidFill>
+              </a:rPr>
+              <a:t>さあ</a:t>
+            </a:r>
+            <a:r>
+              <a:rPr lang="en-US" altLang="ja-JP" sz="2800" dirty="0">
+                <a:solidFill>
+                  <a:schemeClr val="bg1">
+                    <a:lumMod val="95000"/>
+                    <a:lumOff val="5000"/>
+                  </a:schemeClr>
+                </a:solidFill>
+              </a:rPr>
+              <a:t>, </a:t>
+            </a:r>
+            <a:r>
+              <a:rPr lang="ja-JP" altLang="en-US" sz="2800" dirty="0">
+                <a:solidFill>
+                  <a:schemeClr val="bg1">
+                    <a:lumMod val="95000"/>
+                    <a:lumOff val="5000"/>
+                  </a:schemeClr>
+                </a:solidFill>
+              </a:rPr>
+              <a:t>楽しい夜の始まりだ</a:t>
+            </a:r>
+            <a:endParaRPr lang="en-US" altLang="ja-JP" sz="2800" dirty="0">
+              <a:solidFill>
+                <a:schemeClr val="bg1">
+                  <a:lumMod val="95000"/>
+                  <a:lumOff val="5000"/>
+                </a:schemeClr>
+              </a:solidFill>
+            </a:endParaRPr>
+          </a:p>
+          <a:p>
+            <a:r>
+              <a:rPr lang="ja-JP" altLang="en-US" sz="2800" dirty="0">
+                <a:solidFill>
+                  <a:schemeClr val="bg1">
+                    <a:lumMod val="95000"/>
+                    <a:lumOff val="5000"/>
+                  </a:schemeClr>
+                </a:solidFill>
+              </a:rPr>
+              <a:t>（入力で</a:t>
+            </a:r>
+            <a:r>
+              <a:rPr lang="en-US" altLang="ja-JP" sz="2800" dirty="0">
+                <a:solidFill>
+                  <a:schemeClr val="bg1">
+                    <a:lumMod val="95000"/>
+                    <a:lumOff val="5000"/>
+                  </a:schemeClr>
+                </a:solidFill>
+              </a:rPr>
+              <a:t>START</a:t>
+            </a:r>
+            <a:r>
+              <a:rPr lang="ja-JP" altLang="en-US" sz="2800" dirty="0">
+                <a:solidFill>
+                  <a:schemeClr val="bg1">
+                    <a:lumMod val="95000"/>
+                    <a:lumOff val="5000"/>
+                  </a:schemeClr>
+                </a:solidFill>
+              </a:rPr>
+              <a:t>）</a:t>
+            </a:r>
+          </a:p>
+        </p:txBody>
+      </p:sp>
+      <p:pic>
+        <p:nvPicPr>
+          <p:cNvPr id="10" name="図 9">
+            <a:extLst>
+              <a:ext uri="{FF2B5EF4-FFF2-40B4-BE49-F238E27FC236}">
+                <a16:creationId xmlns:a16="http://schemas.microsoft.com/office/drawing/2014/main" id="{1329BB67-3CA1-417E-B473-D868932E9F83}"/>
+              </a:ext>
+            </a:extLst>
+          </p:cNvPr>
+          <p:cNvPicPr>
+            <a:picLocks noChangeAspect="1"/>
+          </p:cNvPicPr>
+          <p:nvPr/>
+        </p:nvPicPr>
+        <p:blipFill>
+          <a:blip r:embed="rId3">
+            <a:extLst>
+              <a:ext uri="{28A0092B-C50C-407E-A947-70E740481C1C}">
+                <a14:useLocalDpi xmlns:a14="http://schemas.microsoft.com/office/drawing/2010/main" val="0"/>
+              </a:ext>
+            </a:extLst>
+          </a:blip>
+          <a:stretch>
+            <a:fillRect/>
+          </a:stretch>
+        </p:blipFill>
+        <p:spPr>
+          <a:xfrm>
+            <a:off x="2940551" y="49338"/>
+            <a:ext cx="6808662" cy="6808662"/>
+          </a:xfrm>
+          <a:prstGeom prst="rect">
+            <a:avLst/>
+          </a:prstGeom>
+        </p:spPr>
+      </p:pic>
+      <p:sp>
+        <p:nvSpPr>
+          <p:cNvPr id="13" name="正方形/長方形 12">
+            <a:extLst>
+              <a:ext uri="{FF2B5EF4-FFF2-40B4-BE49-F238E27FC236}">
+                <a16:creationId xmlns:a16="http://schemas.microsoft.com/office/drawing/2014/main" id="{60E5A322-2B52-4EB3-868E-292CA7330747}"/>
+              </a:ext>
+            </a:extLst>
+          </p:cNvPr>
+          <p:cNvSpPr/>
+          <p:nvPr/>
+        </p:nvSpPr>
+        <p:spPr>
+          <a:xfrm>
+            <a:off x="423639" y="297490"/>
+            <a:ext cx="11454787" cy="6137761"/>
+          </a:xfrm>
+          <a:prstGeom prst="rect">
+            <a:avLst/>
+          </a:prstGeom>
+          <a:ln>
+            <a:noFill/>
+          </a:ln>
+        </p:spPr>
+        <p:style>
+          <a:lnRef idx="2">
+            <a:schemeClr val="accent1"/>
+          </a:lnRef>
+          <a:fillRef idx="1">
+            <a:schemeClr val="lt1"/>
+          </a:fillRef>
+          <a:effectRef idx="0">
+            <a:schemeClr val="accent1"/>
+          </a:effectRef>
+          <a:fontRef idx="minor">
+            <a:schemeClr val="dk1"/>
+          </a:fontRef>
+        </p:style>
+        <p:txBody>
+          <a:bodyPr rtlCol="0" anchor="ctr"/>
+          <a:lstStyle/>
+          <a:p>
+            <a:pPr algn="ctr"/>
+            <a:endParaRPr kumimoji="1" lang="ja-JP" altLang="en-US" dirty="0"/>
+          </a:p>
+        </p:txBody>
+      </p:sp>
+      <p:sp>
+        <p:nvSpPr>
+          <p:cNvPr id="15" name="タイトル 1">
+            <a:extLst>
+              <a:ext uri="{FF2B5EF4-FFF2-40B4-BE49-F238E27FC236}">
+                <a16:creationId xmlns:a16="http://schemas.microsoft.com/office/drawing/2014/main" id="{3A67580A-08FE-466A-9490-4234FDB828B1}"/>
+              </a:ext>
+            </a:extLst>
+          </p:cNvPr>
+          <p:cNvSpPr txBox="1">
+            <a:spLocks/>
+          </p:cNvSpPr>
+          <p:nvPr/>
+        </p:nvSpPr>
+        <p:spPr>
+          <a:xfrm>
+            <a:off x="4046485" y="341901"/>
+            <a:ext cx="4099031" cy="690549"/>
+          </a:xfrm>
+          <a:prstGeom prst="rect">
+            <a:avLst/>
+          </a:prstGeom>
+          <a:effectLst>
+            <a:outerShdw blurRad="25400" dir="17880000">
+              <a:srgbClr val="000000">
+                <a:alpha val="46000"/>
+              </a:srgbClr>
+            </a:outerShdw>
+          </a:effectLst>
+        </p:spPr>
+        <p:txBody>
+          <a:bodyPr vert="horz" lIns="91440" tIns="45720" rIns="91440" bIns="45720" rtlCol="0" anchor="b">
+            <a:noAutofit/>
+          </a:bodyPr>
+          <a:lstStyle>
+            <a:lvl1pPr algn="ctr" defTabSz="457200" rtl="0" eaLnBrk="1" latinLnBrk="0" hangingPunct="1">
+              <a:spcBef>
+                <a:spcPct val="0"/>
+              </a:spcBef>
+              <a:buNone/>
+              <a:defRPr kumimoji="1" sz="6000" kern="1200">
+                <a:ln>
+                  <a:solidFill>
+                    <a:schemeClr val="bg1">
+                      <a:lumMod val="75000"/>
+                      <a:lumOff val="25000"/>
+                      <a:alpha val="10000"/>
+                    </a:schemeClr>
+                  </a:solidFill>
+                </a:ln>
+                <a:solidFill>
+                  <a:schemeClr val="tx1"/>
+                </a:solidFill>
+                <a:effectLst>
+                  <a:outerShdw blurRad="9525" dist="25400" dir="14640000" algn="tl" rotWithShape="0">
+                    <a:schemeClr val="bg1">
+                      <a:alpha val="30000"/>
+                    </a:schemeClr>
+                  </a:outerShdw>
+                </a:effectLst>
+                <a:latin typeface="+mj-lt"/>
+                <a:ea typeface="+mj-ea"/>
+                <a:cs typeface="Trebuchet MS"/>
+              </a:defRPr>
+            </a:lvl1pPr>
+            <a:lvl2pPr eaLnBrk="1" hangingPunct="1">
+              <a:defRPr kumimoji="1">
+                <a:solidFill>
+                  <a:schemeClr val="tx2"/>
+                </a:solidFill>
+              </a:defRPr>
+            </a:lvl2pPr>
+            <a:lvl3pPr eaLnBrk="1" hangingPunct="1">
+              <a:defRPr kumimoji="1">
+                <a:solidFill>
+                  <a:schemeClr val="tx2"/>
+                </a:solidFill>
+              </a:defRPr>
+            </a:lvl3pPr>
+            <a:lvl4pPr eaLnBrk="1" hangingPunct="1">
+              <a:defRPr kumimoji="1">
+                <a:solidFill>
+                  <a:schemeClr val="tx2"/>
+                </a:solidFill>
+              </a:defRPr>
+            </a:lvl4pPr>
+            <a:lvl5pPr eaLnBrk="1" hangingPunct="1">
+              <a:defRPr kumimoji="1">
+                <a:solidFill>
+                  <a:schemeClr val="tx2"/>
+                </a:solidFill>
+              </a:defRPr>
+            </a:lvl5pPr>
+            <a:lvl6pPr eaLnBrk="1" hangingPunct="1">
+              <a:defRPr kumimoji="1">
+                <a:solidFill>
+                  <a:schemeClr val="tx2"/>
+                </a:solidFill>
+              </a:defRPr>
+            </a:lvl6pPr>
+            <a:lvl7pPr eaLnBrk="1" hangingPunct="1">
+              <a:defRPr kumimoji="1">
+                <a:solidFill>
+                  <a:schemeClr val="tx2"/>
+                </a:solidFill>
+              </a:defRPr>
+            </a:lvl7pPr>
+            <a:lvl8pPr eaLnBrk="1" hangingPunct="1">
+              <a:defRPr kumimoji="1">
+                <a:solidFill>
+                  <a:schemeClr val="tx2"/>
+                </a:solidFill>
+              </a:defRPr>
+            </a:lvl8pPr>
+            <a:lvl9pPr eaLnBrk="1" hangingPunct="1">
+              <a:defRPr kumimoji="1">
+                <a:solidFill>
+                  <a:schemeClr val="tx2"/>
+                </a:solidFill>
+              </a:defRPr>
+            </a:lvl9pPr>
+          </a:lstStyle>
+          <a:p>
+            <a:r>
+              <a:rPr lang="ja-JP" altLang="en-US" sz="4000" dirty="0">
+                <a:solidFill>
+                  <a:schemeClr val="bg1">
+                    <a:lumMod val="95000"/>
+                    <a:lumOff val="5000"/>
+                  </a:schemeClr>
+                </a:solidFill>
+              </a:rPr>
+              <a:t>ルール説明</a:t>
+            </a:r>
+          </a:p>
+        </p:txBody>
+      </p:sp>
+      <p:sp>
+        <p:nvSpPr>
+          <p:cNvPr id="16" name="タイトル 1">
+            <a:extLst>
+              <a:ext uri="{FF2B5EF4-FFF2-40B4-BE49-F238E27FC236}">
+                <a16:creationId xmlns:a16="http://schemas.microsoft.com/office/drawing/2014/main" id="{840A8120-1263-447B-AB34-20A079937B4D}"/>
+              </a:ext>
+            </a:extLst>
+          </p:cNvPr>
+          <p:cNvSpPr txBox="1">
+            <a:spLocks/>
+          </p:cNvSpPr>
+          <p:nvPr/>
+        </p:nvSpPr>
+        <p:spPr>
+          <a:xfrm>
+            <a:off x="6139856" y="1211046"/>
+            <a:ext cx="5089700" cy="690549"/>
+          </a:xfrm>
+          <a:prstGeom prst="rect">
+            <a:avLst/>
+          </a:prstGeom>
+          <a:effectLst>
+            <a:outerShdw blurRad="25400" dir="17880000">
+              <a:srgbClr val="000000">
+                <a:alpha val="46000"/>
+              </a:srgbClr>
+            </a:outerShdw>
+          </a:effectLst>
+        </p:spPr>
+        <p:txBody>
+          <a:bodyPr vert="horz" lIns="91440" tIns="45720" rIns="91440" bIns="45720" rtlCol="0" anchor="b">
+            <a:normAutofit/>
+          </a:bodyPr>
+          <a:lstStyle>
+            <a:lvl1pPr algn="ctr" defTabSz="457200" rtl="0" eaLnBrk="1" latinLnBrk="0" hangingPunct="1">
+              <a:spcBef>
+                <a:spcPct val="0"/>
+              </a:spcBef>
+              <a:buNone/>
+              <a:defRPr kumimoji="1" sz="6000" kern="1200">
+                <a:ln>
+                  <a:solidFill>
+                    <a:schemeClr val="bg1">
+                      <a:lumMod val="75000"/>
+                      <a:lumOff val="25000"/>
+                      <a:alpha val="10000"/>
+                    </a:schemeClr>
+                  </a:solidFill>
+                </a:ln>
+                <a:solidFill>
+                  <a:schemeClr val="tx1"/>
+                </a:solidFill>
+                <a:effectLst>
+                  <a:outerShdw blurRad="9525" dist="25400" dir="14640000" algn="tl" rotWithShape="0">
+                    <a:schemeClr val="bg1">
+                      <a:alpha val="30000"/>
+                    </a:schemeClr>
+                  </a:outerShdw>
+                </a:effectLst>
+                <a:latin typeface="+mj-lt"/>
+                <a:ea typeface="+mj-ea"/>
+                <a:cs typeface="Trebuchet MS"/>
+              </a:defRPr>
+            </a:lvl1pPr>
+            <a:lvl2pPr eaLnBrk="1" hangingPunct="1">
+              <a:defRPr kumimoji="1">
+                <a:solidFill>
+                  <a:schemeClr val="tx2"/>
+                </a:solidFill>
+              </a:defRPr>
+            </a:lvl2pPr>
+            <a:lvl3pPr eaLnBrk="1" hangingPunct="1">
+              <a:defRPr kumimoji="1">
+                <a:solidFill>
+                  <a:schemeClr val="tx2"/>
+                </a:solidFill>
+              </a:defRPr>
+            </a:lvl3pPr>
+            <a:lvl4pPr eaLnBrk="1" hangingPunct="1">
+              <a:defRPr kumimoji="1">
+                <a:solidFill>
+                  <a:schemeClr val="tx2"/>
+                </a:solidFill>
+              </a:defRPr>
+            </a:lvl4pPr>
+            <a:lvl5pPr eaLnBrk="1" hangingPunct="1">
+              <a:defRPr kumimoji="1">
+                <a:solidFill>
+                  <a:schemeClr val="tx2"/>
+                </a:solidFill>
+              </a:defRPr>
+            </a:lvl5pPr>
+            <a:lvl6pPr eaLnBrk="1" hangingPunct="1">
+              <a:defRPr kumimoji="1">
+                <a:solidFill>
+                  <a:schemeClr val="tx2"/>
+                </a:solidFill>
+              </a:defRPr>
+            </a:lvl6pPr>
+            <a:lvl7pPr eaLnBrk="1" hangingPunct="1">
+              <a:defRPr kumimoji="1">
+                <a:solidFill>
+                  <a:schemeClr val="tx2"/>
+                </a:solidFill>
+              </a:defRPr>
+            </a:lvl7pPr>
+            <a:lvl8pPr eaLnBrk="1" hangingPunct="1">
+              <a:defRPr kumimoji="1">
+                <a:solidFill>
+                  <a:schemeClr val="tx2"/>
+                </a:solidFill>
+              </a:defRPr>
+            </a:lvl8pPr>
+            <a:lvl9pPr eaLnBrk="1" hangingPunct="1">
+              <a:defRPr kumimoji="1">
+                <a:solidFill>
+                  <a:schemeClr val="tx2"/>
+                </a:solidFill>
+              </a:defRPr>
+            </a:lvl9pPr>
+          </a:lstStyle>
+          <a:p>
+            <a:r>
+              <a:rPr lang="ja-JP" altLang="en-US" sz="3600" dirty="0">
+                <a:solidFill>
+                  <a:srgbClr val="FF0000"/>
+                </a:solidFill>
+              </a:rPr>
+              <a:t>ホシ</a:t>
+            </a:r>
+            <a:r>
+              <a:rPr lang="ja-JP" altLang="en-US" sz="2800" dirty="0">
+                <a:solidFill>
+                  <a:schemeClr val="bg1">
+                    <a:lumMod val="95000"/>
+                    <a:lumOff val="5000"/>
+                  </a:schemeClr>
+                </a:solidFill>
+              </a:rPr>
+              <a:t> になった貴方</a:t>
+            </a:r>
+          </a:p>
+        </p:txBody>
+      </p:sp>
+      <p:sp>
+        <p:nvSpPr>
+          <p:cNvPr id="17" name="タイトル 1">
+            <a:extLst>
+              <a:ext uri="{FF2B5EF4-FFF2-40B4-BE49-F238E27FC236}">
+                <a16:creationId xmlns:a16="http://schemas.microsoft.com/office/drawing/2014/main" id="{AF74E7FE-13A3-4148-AC24-5967921AA555}"/>
+              </a:ext>
+            </a:extLst>
+          </p:cNvPr>
+          <p:cNvSpPr txBox="1">
+            <a:spLocks/>
+          </p:cNvSpPr>
+          <p:nvPr/>
+        </p:nvSpPr>
+        <p:spPr>
+          <a:xfrm>
+            <a:off x="359301" y="1211046"/>
+            <a:ext cx="5713046" cy="690549"/>
+          </a:xfrm>
+          <a:prstGeom prst="rect">
+            <a:avLst/>
+          </a:prstGeom>
+          <a:effectLst>
+            <a:outerShdw blurRad="25400" dir="17880000">
+              <a:srgbClr val="000000">
+                <a:alpha val="46000"/>
+              </a:srgbClr>
+            </a:outerShdw>
+          </a:effectLst>
+        </p:spPr>
+        <p:txBody>
+          <a:bodyPr vert="horz" lIns="91440" tIns="45720" rIns="91440" bIns="45720" rtlCol="0" anchor="b">
+            <a:normAutofit/>
+          </a:bodyPr>
+          <a:lstStyle>
+            <a:lvl1pPr algn="ctr" defTabSz="457200" rtl="0" eaLnBrk="1" latinLnBrk="0" hangingPunct="1">
+              <a:spcBef>
+                <a:spcPct val="0"/>
+              </a:spcBef>
+              <a:buNone/>
+              <a:defRPr kumimoji="1" sz="6000" kern="1200">
+                <a:ln>
+                  <a:solidFill>
+                    <a:schemeClr val="bg1">
+                      <a:lumMod val="75000"/>
+                      <a:lumOff val="25000"/>
+                      <a:alpha val="10000"/>
+                    </a:schemeClr>
+                  </a:solidFill>
+                </a:ln>
+                <a:solidFill>
+                  <a:schemeClr val="tx1"/>
+                </a:solidFill>
+                <a:effectLst>
+                  <a:outerShdw blurRad="9525" dist="25400" dir="14640000" algn="tl" rotWithShape="0">
+                    <a:schemeClr val="bg1">
+                      <a:alpha val="30000"/>
+                    </a:schemeClr>
+                  </a:outerShdw>
+                </a:effectLst>
+                <a:latin typeface="+mj-lt"/>
+                <a:ea typeface="+mj-ea"/>
+                <a:cs typeface="Trebuchet MS"/>
+              </a:defRPr>
+            </a:lvl1pPr>
+            <a:lvl2pPr eaLnBrk="1" hangingPunct="1">
+              <a:defRPr kumimoji="1">
+                <a:solidFill>
+                  <a:schemeClr val="tx2"/>
+                </a:solidFill>
+              </a:defRPr>
+            </a:lvl2pPr>
+            <a:lvl3pPr eaLnBrk="1" hangingPunct="1">
+              <a:defRPr kumimoji="1">
+                <a:solidFill>
+                  <a:schemeClr val="tx2"/>
+                </a:solidFill>
+              </a:defRPr>
+            </a:lvl3pPr>
+            <a:lvl4pPr eaLnBrk="1" hangingPunct="1">
+              <a:defRPr kumimoji="1">
+                <a:solidFill>
+                  <a:schemeClr val="tx2"/>
+                </a:solidFill>
+              </a:defRPr>
+            </a:lvl4pPr>
+            <a:lvl5pPr eaLnBrk="1" hangingPunct="1">
+              <a:defRPr kumimoji="1">
+                <a:solidFill>
+                  <a:schemeClr val="tx2"/>
+                </a:solidFill>
+              </a:defRPr>
+            </a:lvl5pPr>
+            <a:lvl6pPr eaLnBrk="1" hangingPunct="1">
+              <a:defRPr kumimoji="1">
+                <a:solidFill>
+                  <a:schemeClr val="tx2"/>
+                </a:solidFill>
+              </a:defRPr>
+            </a:lvl6pPr>
+            <a:lvl7pPr eaLnBrk="1" hangingPunct="1">
+              <a:defRPr kumimoji="1">
+                <a:solidFill>
+                  <a:schemeClr val="tx2"/>
+                </a:solidFill>
+              </a:defRPr>
+            </a:lvl7pPr>
+            <a:lvl8pPr eaLnBrk="1" hangingPunct="1">
+              <a:defRPr kumimoji="1">
+                <a:solidFill>
+                  <a:schemeClr val="tx2"/>
+                </a:solidFill>
+              </a:defRPr>
+            </a:lvl8pPr>
+            <a:lvl9pPr eaLnBrk="1" hangingPunct="1">
+              <a:defRPr kumimoji="1">
+                <a:solidFill>
+                  <a:schemeClr val="tx2"/>
+                </a:solidFill>
+              </a:defRPr>
+            </a:lvl9pPr>
+          </a:lstStyle>
+          <a:p>
+            <a:r>
+              <a:rPr lang="ja-JP" altLang="en-US" sz="3600" dirty="0">
+                <a:solidFill>
+                  <a:srgbClr val="0000FF"/>
+                </a:solidFill>
+              </a:rPr>
+              <a:t>サツ</a:t>
+            </a:r>
+            <a:r>
+              <a:rPr lang="ja-JP" altLang="en-US" sz="2800" dirty="0">
+                <a:solidFill>
+                  <a:schemeClr val="bg1">
+                    <a:lumMod val="95000"/>
+                    <a:lumOff val="5000"/>
+                  </a:schemeClr>
+                </a:solidFill>
+              </a:rPr>
+              <a:t> になった貴方</a:t>
+            </a:r>
+          </a:p>
+        </p:txBody>
+      </p:sp>
+      <p:sp>
+        <p:nvSpPr>
+          <p:cNvPr id="18" name="テキスト ボックス 17">
+            <a:extLst>
+              <a:ext uri="{FF2B5EF4-FFF2-40B4-BE49-F238E27FC236}">
+                <a16:creationId xmlns:a16="http://schemas.microsoft.com/office/drawing/2014/main" id="{A6C99BFF-C126-4168-B6FD-FC37618A8098}"/>
+              </a:ext>
+            </a:extLst>
+          </p:cNvPr>
+          <p:cNvSpPr txBox="1"/>
+          <p:nvPr/>
+        </p:nvSpPr>
+        <p:spPr>
+          <a:xfrm>
+            <a:off x="382954" y="2063261"/>
+            <a:ext cx="5298831" cy="369332"/>
+          </a:xfrm>
+          <a:prstGeom prst="rect">
+            <a:avLst/>
+          </a:prstGeom>
+          <a:noFill/>
+        </p:spPr>
+        <p:txBody>
+          <a:bodyPr wrap="square" rtlCol="0">
+            <a:spAutoFit/>
+          </a:bodyPr>
+          <a:lstStyle/>
+          <a:p>
+            <a:endParaRPr kumimoji="1" lang="ja-JP" altLang="en-US" dirty="0">
+              <a:solidFill>
+                <a:schemeClr val="bg1">
+                  <a:lumMod val="95000"/>
+                  <a:lumOff val="5000"/>
+                </a:schemeClr>
+              </a:solidFill>
+            </a:endParaRPr>
+          </a:p>
+        </p:txBody>
+      </p:sp>
+      <p:sp>
+        <p:nvSpPr>
+          <p:cNvPr id="19" name="テキスト ボックス 18">
+            <a:extLst>
+              <a:ext uri="{FF2B5EF4-FFF2-40B4-BE49-F238E27FC236}">
+                <a16:creationId xmlns:a16="http://schemas.microsoft.com/office/drawing/2014/main" id="{EEBBA301-476D-41B4-A318-BA5169CB5B9B}"/>
+              </a:ext>
+            </a:extLst>
+          </p:cNvPr>
+          <p:cNvSpPr txBox="1"/>
+          <p:nvPr/>
+        </p:nvSpPr>
+        <p:spPr>
+          <a:xfrm>
+            <a:off x="438560" y="1960484"/>
+            <a:ext cx="5611446" cy="4294555"/>
+          </a:xfrm>
+          <a:prstGeom prst="rect">
+            <a:avLst/>
+          </a:prstGeom>
+          <a:noFill/>
+        </p:spPr>
+        <p:txBody>
+          <a:bodyPr wrap="square" rtlCol="0">
+            <a:noAutofit/>
+          </a:bodyPr>
+          <a:lstStyle/>
+          <a:p>
+            <a:r>
+              <a:rPr kumimoji="1" lang="ja-JP" altLang="en-US" dirty="0">
+                <a:solidFill>
+                  <a:schemeClr val="bg1">
+                    <a:lumMod val="95000"/>
+                    <a:lumOff val="5000"/>
+                  </a:schemeClr>
+                </a:solidFill>
+              </a:rPr>
+              <a:t>① ゲーム開始時、</a:t>
+            </a:r>
+            <a:r>
+              <a:rPr kumimoji="1" lang="ja-JP" altLang="en-US" dirty="0">
+                <a:solidFill>
+                  <a:srgbClr val="FF0000"/>
+                </a:solidFill>
+              </a:rPr>
+              <a:t>ホシ</a:t>
+            </a:r>
+            <a:r>
+              <a:rPr kumimoji="1" lang="ja-JP" altLang="en-US" dirty="0">
+                <a:solidFill>
+                  <a:schemeClr val="bg1">
+                    <a:lumMod val="95000"/>
+                    <a:lumOff val="5000"/>
+                  </a:schemeClr>
+                </a:solidFill>
+              </a:rPr>
+              <a:t>がどこにいるか公開されます。</a:t>
+            </a:r>
+            <a:endParaRPr kumimoji="1" lang="en-US" altLang="ja-JP" dirty="0">
+              <a:solidFill>
+                <a:schemeClr val="bg1">
+                  <a:lumMod val="95000"/>
+                  <a:lumOff val="5000"/>
+                </a:schemeClr>
+              </a:solidFill>
+            </a:endParaRPr>
+          </a:p>
+          <a:p>
+            <a:endParaRPr kumimoji="1" lang="en-US" altLang="ja-JP" dirty="0">
+              <a:solidFill>
+                <a:schemeClr val="bg1">
+                  <a:lumMod val="95000"/>
+                  <a:lumOff val="5000"/>
+                </a:schemeClr>
+              </a:solidFill>
+            </a:endParaRPr>
+          </a:p>
+          <a:p>
+            <a:r>
+              <a:rPr kumimoji="1" lang="ja-JP" altLang="en-US" dirty="0">
+                <a:solidFill>
+                  <a:schemeClr val="bg1">
+                    <a:lumMod val="95000"/>
+                    <a:lumOff val="5000"/>
+                  </a:schemeClr>
+                </a:solidFill>
+              </a:rPr>
+              <a:t>② ゲームがはじまったら、</a:t>
+            </a:r>
+            <a:endParaRPr kumimoji="1" lang="en-US" altLang="ja-JP" dirty="0">
+              <a:solidFill>
+                <a:schemeClr val="bg1">
+                  <a:lumMod val="95000"/>
+                  <a:lumOff val="5000"/>
+                </a:schemeClr>
+              </a:solidFill>
+            </a:endParaRPr>
+          </a:p>
+          <a:p>
+            <a:r>
+              <a:rPr kumimoji="1" lang="ja-JP" altLang="en-US" dirty="0">
+                <a:solidFill>
+                  <a:schemeClr val="bg1">
+                    <a:lumMod val="95000"/>
+                    <a:lumOff val="5000"/>
+                  </a:schemeClr>
+                </a:solidFill>
+              </a:rPr>
+              <a:t>　　宝箱を奪おうと動き回る</a:t>
+            </a:r>
+            <a:r>
+              <a:rPr kumimoji="1" lang="ja-JP" altLang="en-US" dirty="0">
+                <a:solidFill>
+                  <a:srgbClr val="FF0000"/>
+                </a:solidFill>
+              </a:rPr>
+              <a:t>ホシ</a:t>
+            </a:r>
+            <a:r>
+              <a:rPr kumimoji="1" lang="ja-JP" altLang="en-US" dirty="0">
+                <a:solidFill>
+                  <a:schemeClr val="bg1">
+                    <a:lumMod val="95000"/>
+                    <a:lumOff val="5000"/>
+                  </a:schemeClr>
+                </a:solidFill>
+              </a:rPr>
+              <a:t>を追いかけてください。</a:t>
+            </a:r>
+            <a:br>
+              <a:rPr kumimoji="1" lang="en-US" altLang="ja-JP" dirty="0">
+                <a:solidFill>
+                  <a:schemeClr val="bg1">
+                    <a:lumMod val="95000"/>
+                    <a:lumOff val="5000"/>
+                  </a:schemeClr>
+                </a:solidFill>
+              </a:rPr>
+            </a:br>
+            <a:r>
+              <a:rPr kumimoji="1" lang="ja-JP" altLang="en-US" dirty="0">
+                <a:solidFill>
+                  <a:schemeClr val="bg1">
+                    <a:lumMod val="95000"/>
+                    <a:lumOff val="5000"/>
+                  </a:schemeClr>
+                </a:solidFill>
+              </a:rPr>
+              <a:t>　　</a:t>
+            </a:r>
+            <a:endParaRPr kumimoji="1" lang="en-US" altLang="ja-JP" dirty="0">
+              <a:solidFill>
+                <a:schemeClr val="bg1">
+                  <a:lumMod val="95000"/>
+                  <a:lumOff val="5000"/>
+                </a:schemeClr>
+              </a:solidFill>
+            </a:endParaRPr>
+          </a:p>
+          <a:p>
+            <a:r>
+              <a:rPr kumimoji="1" lang="ja-JP" altLang="en-US" dirty="0">
+                <a:solidFill>
+                  <a:schemeClr val="bg1">
+                    <a:lumMod val="95000"/>
+                    <a:lumOff val="5000"/>
+                  </a:schemeClr>
+                </a:solidFill>
+              </a:rPr>
+              <a:t>③ </a:t>
+            </a:r>
+            <a:r>
+              <a:rPr kumimoji="1" lang="ja-JP" altLang="en-US" dirty="0">
+                <a:solidFill>
+                  <a:srgbClr val="0000FF"/>
+                </a:solidFill>
+              </a:rPr>
+              <a:t>もうひとりのサツ</a:t>
+            </a:r>
+            <a:r>
+              <a:rPr kumimoji="1" lang="ja-JP" altLang="en-US" dirty="0">
+                <a:solidFill>
+                  <a:schemeClr val="bg1">
+                    <a:lumMod val="95000"/>
+                    <a:lumOff val="5000"/>
+                  </a:schemeClr>
+                </a:solidFill>
+              </a:rPr>
+              <a:t>と協力して、</a:t>
+            </a:r>
+            <a:endParaRPr kumimoji="1" lang="en-US" altLang="ja-JP" dirty="0">
+              <a:solidFill>
+                <a:schemeClr val="bg1">
+                  <a:lumMod val="95000"/>
+                  <a:lumOff val="5000"/>
+                </a:schemeClr>
+              </a:solidFill>
+            </a:endParaRPr>
+          </a:p>
+          <a:p>
+            <a:r>
+              <a:rPr kumimoji="1" lang="ja-JP" altLang="en-US" dirty="0">
+                <a:solidFill>
+                  <a:schemeClr val="bg1">
+                    <a:lumMod val="95000"/>
+                    <a:lumOff val="5000"/>
+                  </a:schemeClr>
+                </a:solidFill>
+              </a:rPr>
+              <a:t>　　貴方のカンと才覚で</a:t>
+            </a:r>
+            <a:r>
+              <a:rPr kumimoji="1" lang="ja-JP" altLang="en-US" dirty="0">
+                <a:solidFill>
+                  <a:srgbClr val="0000FF"/>
+                </a:solidFill>
+              </a:rPr>
+              <a:t>リズミカルに</a:t>
+            </a:r>
+            <a:r>
+              <a:rPr kumimoji="1" lang="ja-JP" altLang="en-US" dirty="0">
+                <a:solidFill>
+                  <a:schemeClr val="bg1">
+                    <a:lumMod val="95000"/>
+                    <a:lumOff val="5000"/>
+                  </a:schemeClr>
+                </a:solidFill>
+              </a:rPr>
+              <a:t>追いかけ、</a:t>
+            </a:r>
+            <a:endParaRPr kumimoji="1" lang="en-US" altLang="ja-JP" dirty="0">
+              <a:solidFill>
+                <a:schemeClr val="bg1">
+                  <a:lumMod val="95000"/>
+                  <a:lumOff val="5000"/>
+                </a:schemeClr>
+              </a:solidFill>
+            </a:endParaRPr>
+          </a:p>
+          <a:p>
+            <a:r>
+              <a:rPr kumimoji="1" lang="ja-JP" altLang="en-US" dirty="0">
+                <a:solidFill>
+                  <a:schemeClr val="bg1">
+                    <a:lumMod val="95000"/>
+                    <a:lumOff val="5000"/>
+                  </a:schemeClr>
+                </a:solidFill>
+              </a:rPr>
+              <a:t>　　自分のライトで照らして、逮捕してください。</a:t>
+            </a:r>
+            <a:endParaRPr kumimoji="1" lang="en-US" altLang="ja-JP" dirty="0">
+              <a:solidFill>
+                <a:schemeClr val="bg1">
+                  <a:lumMod val="95000"/>
+                  <a:lumOff val="5000"/>
+                </a:schemeClr>
+              </a:solidFill>
+            </a:endParaRPr>
+          </a:p>
+        </p:txBody>
+      </p:sp>
+      <p:sp>
+        <p:nvSpPr>
+          <p:cNvPr id="20" name="テキスト ボックス 19">
+            <a:extLst>
+              <a:ext uri="{FF2B5EF4-FFF2-40B4-BE49-F238E27FC236}">
+                <a16:creationId xmlns:a16="http://schemas.microsoft.com/office/drawing/2014/main" id="{224249A5-45AE-406E-8574-81182A73C265}"/>
+              </a:ext>
+            </a:extLst>
+          </p:cNvPr>
+          <p:cNvSpPr txBox="1"/>
+          <p:nvPr/>
+        </p:nvSpPr>
+        <p:spPr>
+          <a:xfrm>
+            <a:off x="6141542" y="1960484"/>
+            <a:ext cx="5744307" cy="4360984"/>
+          </a:xfrm>
+          <a:prstGeom prst="rect">
+            <a:avLst/>
+          </a:prstGeom>
+          <a:noFill/>
+        </p:spPr>
+        <p:txBody>
+          <a:bodyPr wrap="square" rtlCol="0">
+            <a:noAutofit/>
+          </a:bodyPr>
+          <a:lstStyle/>
+          <a:p>
+            <a:r>
+              <a:rPr kumimoji="1" lang="ja-JP" altLang="en-US" dirty="0">
+                <a:solidFill>
+                  <a:schemeClr val="bg1">
+                    <a:lumMod val="95000"/>
+                    <a:lumOff val="5000"/>
+                  </a:schemeClr>
+                </a:solidFill>
+              </a:rPr>
+              <a:t>① ゲーム開始時、貴方がどこにいるか公開されます。</a:t>
+            </a:r>
+            <a:endParaRPr kumimoji="1" lang="en-US" altLang="ja-JP" dirty="0">
+              <a:solidFill>
+                <a:schemeClr val="bg1">
+                  <a:lumMod val="95000"/>
+                  <a:lumOff val="5000"/>
+                </a:schemeClr>
+              </a:solidFill>
+            </a:endParaRPr>
+          </a:p>
+          <a:p>
+            <a:endParaRPr kumimoji="1" lang="en-US" altLang="ja-JP" dirty="0">
+              <a:solidFill>
+                <a:schemeClr val="bg1">
+                  <a:lumMod val="95000"/>
+                  <a:lumOff val="5000"/>
+                </a:schemeClr>
+              </a:solidFill>
+            </a:endParaRPr>
+          </a:p>
+          <a:p>
+            <a:r>
+              <a:rPr kumimoji="1" lang="ja-JP" altLang="en-US" dirty="0">
+                <a:solidFill>
+                  <a:schemeClr val="bg1">
+                    <a:lumMod val="95000"/>
+                    <a:lumOff val="5000"/>
+                  </a:schemeClr>
+                </a:solidFill>
+              </a:rPr>
+              <a:t>② ゲームがはじまると、</a:t>
+            </a:r>
+            <a:endParaRPr kumimoji="1" lang="en-US" altLang="ja-JP" dirty="0">
+              <a:solidFill>
+                <a:schemeClr val="bg1">
+                  <a:lumMod val="95000"/>
+                  <a:lumOff val="5000"/>
+                </a:schemeClr>
+              </a:solidFill>
+            </a:endParaRPr>
+          </a:p>
+          <a:p>
+            <a:r>
+              <a:rPr kumimoji="1" lang="ja-JP" altLang="en-US" dirty="0">
+                <a:solidFill>
+                  <a:schemeClr val="bg1">
+                    <a:lumMod val="95000"/>
+                    <a:lumOff val="5000"/>
+                  </a:schemeClr>
+                </a:solidFill>
+              </a:rPr>
+              <a:t>　　貴方の姿が貴方にも見えなくなります。</a:t>
+            </a:r>
+            <a:endParaRPr kumimoji="1" lang="en-US" altLang="ja-JP" dirty="0">
+              <a:solidFill>
+                <a:schemeClr val="bg1">
+                  <a:lumMod val="95000"/>
+                  <a:lumOff val="5000"/>
+                </a:schemeClr>
+              </a:solidFill>
+            </a:endParaRPr>
+          </a:p>
+          <a:p>
+            <a:endParaRPr kumimoji="1" lang="en-US" altLang="ja-JP" dirty="0">
+              <a:solidFill>
+                <a:schemeClr val="bg1">
+                  <a:lumMod val="95000"/>
+                  <a:lumOff val="5000"/>
+                </a:schemeClr>
+              </a:solidFill>
+            </a:endParaRPr>
+          </a:p>
+          <a:p>
+            <a:r>
+              <a:rPr kumimoji="1" lang="ja-JP" altLang="en-US" dirty="0">
+                <a:solidFill>
+                  <a:schemeClr val="bg1">
+                    <a:lumMod val="95000"/>
+                    <a:lumOff val="5000"/>
+                  </a:schemeClr>
+                </a:solidFill>
+              </a:rPr>
+              <a:t>③ 貴方は暗闇の中、自分の位置を把握しながら、</a:t>
+            </a:r>
+            <a:br>
+              <a:rPr kumimoji="1" lang="en-US" altLang="ja-JP" dirty="0">
+                <a:solidFill>
+                  <a:schemeClr val="bg1">
+                    <a:lumMod val="95000"/>
+                    <a:lumOff val="5000"/>
+                  </a:schemeClr>
+                </a:solidFill>
+              </a:rPr>
+            </a:br>
+            <a:r>
+              <a:rPr kumimoji="1" lang="ja-JP" altLang="en-US" dirty="0">
+                <a:solidFill>
+                  <a:schemeClr val="bg1">
+                    <a:lumMod val="95000"/>
+                    <a:lumOff val="5000"/>
+                  </a:schemeClr>
+                </a:solidFill>
+              </a:rPr>
+              <a:t>　　宝箱目指して、</a:t>
+            </a:r>
+            <a:r>
+              <a:rPr kumimoji="1" lang="ja-JP" altLang="en-US" dirty="0">
+                <a:solidFill>
+                  <a:srgbClr val="FF0000"/>
+                </a:solidFill>
+              </a:rPr>
+              <a:t>リズミカルに</a:t>
+            </a:r>
+            <a:r>
+              <a:rPr kumimoji="1" lang="ja-JP" altLang="en-US" dirty="0">
+                <a:solidFill>
+                  <a:schemeClr val="bg1">
+                    <a:lumMod val="95000"/>
+                    <a:lumOff val="5000"/>
+                  </a:schemeClr>
+                </a:solidFill>
+              </a:rPr>
+              <a:t>進んでください。</a:t>
+            </a:r>
+            <a:endParaRPr kumimoji="1" lang="en-US" altLang="ja-JP" dirty="0">
+              <a:solidFill>
+                <a:schemeClr val="bg1">
+                  <a:lumMod val="95000"/>
+                  <a:lumOff val="5000"/>
+                </a:schemeClr>
+              </a:solidFill>
+            </a:endParaRPr>
+          </a:p>
+        </p:txBody>
+      </p:sp>
+      <p:pic>
+        <p:nvPicPr>
+          <p:cNvPr id="25" name="Picture 2" descr="「犯行予告　フリー素材」の画像検索結果">
+            <a:extLst>
+              <a:ext uri="{FF2B5EF4-FFF2-40B4-BE49-F238E27FC236}">
+                <a16:creationId xmlns:a16="http://schemas.microsoft.com/office/drawing/2014/main" id="{A4E76F67-5E7C-46B5-8202-3ADA1EA6144E}"/>
+              </a:ext>
+            </a:extLst>
+          </p:cNvPr>
+          <p:cNvPicPr>
+            <a:picLocks noChangeAspect="1" noChangeArrowheads="1"/>
+          </p:cNvPicPr>
+          <p:nvPr/>
+        </p:nvPicPr>
+        <p:blipFill rotWithShape="1">
+          <a:blip r:embed="rId4">
+            <a:extLst>
+              <a:ext uri="{BEBA8EAE-BF5A-486C-A8C5-ECC9F3942E4B}">
+                <a14:imgProps xmlns:a14="http://schemas.microsoft.com/office/drawing/2010/main">
+                  <a14:imgLayer r:embed="rId5">
+                    <a14:imgEffect>
+                      <a14:backgroundRemoval t="10000" b="99706" l="10000" r="90000">
+                        <a14:foregroundMark x1="49216" y1="77941" x2="48824" y2="99706"/>
+                      </a14:backgroundRemoval>
+                    </a14:imgEffect>
+                  </a14:imgLayer>
+                </a14:imgProps>
+              </a:ext>
+              <a:ext uri="{28A0092B-C50C-407E-A947-70E740481C1C}">
+                <a14:useLocalDpi xmlns:a14="http://schemas.microsoft.com/office/drawing/2010/main" val="0"/>
+              </a:ext>
+            </a:extLst>
+          </a:blip>
+          <a:srcRect l="19103" t="12665" r="22755" b="75614"/>
+          <a:stretch/>
+        </p:blipFill>
+        <p:spPr bwMode="auto">
+          <a:xfrm>
+            <a:off x="4539342" y="5290455"/>
+            <a:ext cx="3004457" cy="930053"/>
+          </a:xfrm>
+          <a:prstGeom prst="rect">
+            <a:avLst/>
+          </a:prstGeom>
+          <a:noFill/>
+          <a:extLst>
+            <a:ext uri="{909E8E84-426E-40DD-AFC4-6F175D3DCCD1}">
+              <a14:hiddenFill xmlns:a14="http://schemas.microsoft.com/office/drawing/2010/main">
+                <a:solidFill>
+                  <a:srgbClr val="FFFFFF"/>
+                </a:solidFill>
+              </a14:hiddenFill>
+            </a:ext>
+          </a:extLst>
+        </p:spPr>
+      </p:pic>
+      <p:sp>
+        <p:nvSpPr>
+          <p:cNvPr id="24" name="タイトル 1">
+            <a:extLst>
+              <a:ext uri="{FF2B5EF4-FFF2-40B4-BE49-F238E27FC236}">
+                <a16:creationId xmlns:a16="http://schemas.microsoft.com/office/drawing/2014/main" id="{E19DBA8B-AC1B-4414-9E48-47B287DABCD4}"/>
+              </a:ext>
+            </a:extLst>
+          </p:cNvPr>
+          <p:cNvSpPr txBox="1">
+            <a:spLocks/>
+          </p:cNvSpPr>
+          <p:nvPr/>
+        </p:nvSpPr>
+        <p:spPr>
+          <a:xfrm>
+            <a:off x="4020531" y="5409992"/>
+            <a:ext cx="4099031" cy="690549"/>
+          </a:xfrm>
+          <a:prstGeom prst="rect">
+            <a:avLst/>
+          </a:prstGeom>
+          <a:noFill/>
+          <a:ln>
+            <a:noFill/>
+          </a:ln>
+        </p:spPr>
+        <p:style>
+          <a:lnRef idx="0">
+            <a:scrgbClr r="0" g="0" b="0"/>
+          </a:lnRef>
+          <a:fillRef idx="0">
+            <a:scrgbClr r="0" g="0" b="0"/>
+          </a:fillRef>
+          <a:effectRef idx="0">
+            <a:scrgbClr r="0" g="0" b="0"/>
+          </a:effectRef>
+          <a:fontRef idx="minor">
+            <a:schemeClr val="dk1"/>
+          </a:fontRef>
+        </p:style>
+        <p:txBody>
+          <a:bodyPr vert="horz" lIns="91440" tIns="45720" rIns="91440" bIns="45720" rtlCol="0" anchor="b">
+            <a:normAutofit fontScale="85000" lnSpcReduction="20000"/>
+          </a:bodyPr>
+          <a:lstStyle>
+            <a:lvl1pPr algn="ctr" defTabSz="457200" rtl="0" eaLnBrk="1" latinLnBrk="0" hangingPunct="1">
+              <a:spcBef>
+                <a:spcPct val="0"/>
+              </a:spcBef>
+              <a:buNone/>
+              <a:defRPr kumimoji="1" sz="6000" kern="1200">
+                <a:ln>
+                  <a:solidFill>
+                    <a:schemeClr val="bg1">
+                      <a:lumMod val="75000"/>
+                      <a:lumOff val="25000"/>
+                      <a:alpha val="10000"/>
+                    </a:schemeClr>
+                  </a:solidFill>
+                </a:ln>
+                <a:solidFill>
+                  <a:schemeClr val="tx1"/>
+                </a:solidFill>
+                <a:effectLst>
+                  <a:outerShdw blurRad="9525" dist="25400" dir="14640000" algn="tl" rotWithShape="0">
+                    <a:schemeClr val="bg1">
+                      <a:alpha val="30000"/>
+                    </a:schemeClr>
+                  </a:outerShdw>
+                </a:effectLst>
+                <a:latin typeface="+mj-lt"/>
+                <a:ea typeface="+mj-ea"/>
+                <a:cs typeface="Trebuchet MS"/>
+              </a:defRPr>
+            </a:lvl1pPr>
+            <a:lvl2pPr eaLnBrk="1" hangingPunct="1">
+              <a:defRPr kumimoji="1">
+                <a:solidFill>
+                  <a:schemeClr val="tx2"/>
+                </a:solidFill>
+              </a:defRPr>
+            </a:lvl2pPr>
+            <a:lvl3pPr eaLnBrk="1" hangingPunct="1">
+              <a:defRPr kumimoji="1">
+                <a:solidFill>
+                  <a:schemeClr val="tx2"/>
+                </a:solidFill>
+              </a:defRPr>
+            </a:lvl3pPr>
+            <a:lvl4pPr eaLnBrk="1" hangingPunct="1">
+              <a:defRPr kumimoji="1">
+                <a:solidFill>
+                  <a:schemeClr val="tx2"/>
+                </a:solidFill>
+              </a:defRPr>
+            </a:lvl4pPr>
+            <a:lvl5pPr eaLnBrk="1" hangingPunct="1">
+              <a:defRPr kumimoji="1">
+                <a:solidFill>
+                  <a:schemeClr val="tx2"/>
+                </a:solidFill>
+              </a:defRPr>
+            </a:lvl5pPr>
+            <a:lvl6pPr eaLnBrk="1" hangingPunct="1">
+              <a:defRPr kumimoji="1">
+                <a:solidFill>
+                  <a:schemeClr val="tx2"/>
+                </a:solidFill>
+              </a:defRPr>
+            </a:lvl6pPr>
+            <a:lvl7pPr eaLnBrk="1" hangingPunct="1">
+              <a:defRPr kumimoji="1">
+                <a:solidFill>
+                  <a:schemeClr val="tx2"/>
+                </a:solidFill>
+              </a:defRPr>
+            </a:lvl7pPr>
+            <a:lvl8pPr eaLnBrk="1" hangingPunct="1">
+              <a:defRPr kumimoji="1">
+                <a:solidFill>
+                  <a:schemeClr val="tx2"/>
+                </a:solidFill>
+              </a:defRPr>
+            </a:lvl8pPr>
+            <a:lvl9pPr eaLnBrk="1" hangingPunct="1">
+              <a:defRPr kumimoji="1">
+                <a:solidFill>
+                  <a:schemeClr val="tx2"/>
+                </a:solidFill>
+              </a:defRPr>
+            </a:lvl9pPr>
+          </a:lstStyle>
+          <a:p>
+            <a:r>
+              <a:rPr lang="ja-JP" altLang="en-US" sz="2800" dirty="0">
+                <a:solidFill>
+                  <a:schemeClr val="bg1">
+                    <a:lumMod val="95000"/>
+                    <a:lumOff val="5000"/>
+                  </a:schemeClr>
+                </a:solidFill>
+              </a:rPr>
+              <a:t>ボタンを</a:t>
+            </a:r>
+            <a:endParaRPr lang="en-US" altLang="ja-JP" sz="2800" dirty="0">
+              <a:solidFill>
+                <a:schemeClr val="bg1">
+                  <a:lumMod val="95000"/>
+                  <a:lumOff val="5000"/>
+                </a:schemeClr>
+              </a:solidFill>
+            </a:endParaRPr>
+          </a:p>
+          <a:p>
+            <a:r>
+              <a:rPr lang="ja-JP" altLang="en-US" sz="2800" dirty="0">
+                <a:solidFill>
+                  <a:schemeClr val="bg1">
+                    <a:lumMod val="95000"/>
+                    <a:lumOff val="5000"/>
+                  </a:schemeClr>
+                </a:solidFill>
+              </a:rPr>
+              <a:t>押したら</a:t>
+            </a:r>
+            <a:r>
+              <a:rPr lang="en-US" altLang="ja-JP" sz="2800" dirty="0">
+                <a:solidFill>
+                  <a:schemeClr val="bg1">
+                    <a:lumMod val="95000"/>
+                    <a:lumOff val="5000"/>
+                  </a:schemeClr>
+                </a:solidFill>
+              </a:rPr>
+              <a:t>START</a:t>
+            </a:r>
+            <a:endParaRPr lang="ja-JP" altLang="en-US" sz="2800" dirty="0">
+              <a:solidFill>
+                <a:schemeClr val="bg1">
+                  <a:lumMod val="95000"/>
+                  <a:lumOff val="5000"/>
+                </a:schemeClr>
+              </a:solidFill>
+            </a:endParaRPr>
+          </a:p>
+        </p:txBody>
+      </p:sp>
+    </p:spTree>
+    <p:extLst>
+      <p:ext uri="{BB962C8B-B14F-4D97-AF65-F5344CB8AC3E}">
+        <p14:creationId xmlns:p14="http://schemas.microsoft.com/office/powerpoint/2010/main" val="2436810662"/>
+      </p:ext>
+    </p:extLst>
+  </p:cSld>
+  <p:clrMapOvr>
+    <a:masterClrMapping/>
+  </p:clrMapOvr>
+</p:sld>
+</file>
+
+<file path=ppt/slides/slide4.xml><?xml version="1.0" encoding="utf-8"?>
 <p:sld xmlns:a="http://schemas.openxmlformats.org/drawingml/2006/main" xmlns:r="http://schemas.openxmlformats.org/officeDocument/2006/relationships" xmlns:p="http://schemas.openxmlformats.org/presentationml/2006/main" show="0">
   <p:cSld>
     <p:spTree>
@@ -10088,7 +11894,7 @@
 </p:sld>
 </file>
 
-<file path=ppt/slides/slide4.xml><?xml version="1.0" encoding="utf-8"?>
+<file path=ppt/slides/slide5.xml><?xml version="1.0" encoding="utf-8"?>
 <p:sld xmlns:a="http://schemas.openxmlformats.org/drawingml/2006/main" xmlns:r="http://schemas.openxmlformats.org/officeDocument/2006/relationships" xmlns:p="http://schemas.openxmlformats.org/presentationml/2006/main" show="0">
   <p:cSld>
     <p:spTree>
